--- a/demoPresentation/DemoPresentation.pptx
+++ b/demoPresentation/DemoPresentation.pptx
@@ -7,6 +7,9 @@
   <p:notesMasterIdLst>
     <p:notesMasterId r:id="rId16"/>
   </p:notesMasterIdLst>
+  <p:handoutMasterIdLst>
+    <p:handoutMasterId r:id="rId17"/>
+  </p:handoutMasterIdLst>
   <p:sldIdLst>
     <p:sldId id="256" r:id="rId2"/>
     <p:sldId id="257" r:id="rId3"/>
@@ -15,8 +18,8 @@
     <p:sldId id="260" r:id="rId6"/>
     <p:sldId id="261" r:id="rId7"/>
     <p:sldId id="262" r:id="rId8"/>
-    <p:sldId id="264" r:id="rId9"/>
-    <p:sldId id="263" r:id="rId10"/>
+    <p:sldId id="263" r:id="rId9"/>
+    <p:sldId id="264" r:id="rId10"/>
     <p:sldId id="265" r:id="rId11"/>
     <p:sldId id="267" r:id="rId12"/>
     <p:sldId id="266" r:id="rId13"/>
@@ -128,2458 +131,193 @@
 </p:presentation>
 </file>
 
-<file path=ppt/diagrams/colors1.xml><?xml version="1.0" encoding="utf-8"?>
-<dgm:colorsDef xmlns:dgm="http://schemas.openxmlformats.org/drawingml/2006/diagram" xmlns:a="http://schemas.openxmlformats.org/drawingml/2006/main" uniqueId="urn:microsoft.com/office/officeart/2005/8/colors/accent4_2">
-  <dgm:title val=""/>
-  <dgm:desc val=""/>
-  <dgm:catLst>
-    <dgm:cat type="accent4" pri="11200"/>
-  </dgm:catLst>
-  <dgm:styleLbl name="node0">
-    <dgm:fillClrLst meth="repeat">
-      <a:schemeClr val="accent4"/>
-    </dgm:fillClrLst>
-    <dgm:linClrLst meth="repeat">
-      <a:schemeClr val="lt1"/>
-    </dgm:linClrLst>
-    <dgm:effectClrLst/>
-    <dgm:txLinClrLst/>
-    <dgm:txFillClrLst/>
-    <dgm:txEffectClrLst/>
-  </dgm:styleLbl>
-  <dgm:styleLbl name="node1">
-    <dgm:fillClrLst meth="repeat">
-      <a:schemeClr val="accent4"/>
-    </dgm:fillClrLst>
-    <dgm:linClrLst meth="repeat">
-      <a:schemeClr val="lt1"/>
-    </dgm:linClrLst>
-    <dgm:effectClrLst/>
-    <dgm:txLinClrLst/>
-    <dgm:txFillClrLst/>
-    <dgm:txEffectClrLst/>
-  </dgm:styleLbl>
-  <dgm:styleLbl name="alignNode1">
-    <dgm:fillClrLst meth="repeat">
-      <a:schemeClr val="accent4"/>
-    </dgm:fillClrLst>
-    <dgm:linClrLst meth="repeat">
-      <a:schemeClr val="accent4"/>
-    </dgm:linClrLst>
-    <dgm:effectClrLst/>
-    <dgm:txLinClrLst/>
-    <dgm:txFillClrLst/>
-    <dgm:txEffectClrLst/>
-  </dgm:styleLbl>
-  <dgm:styleLbl name="lnNode1">
-    <dgm:fillClrLst meth="repeat">
-      <a:schemeClr val="accent4"/>
-    </dgm:fillClrLst>
-    <dgm:linClrLst meth="repeat">
-      <a:schemeClr val="lt1"/>
-    </dgm:linClrLst>
-    <dgm:effectClrLst/>
-    <dgm:txLinClrLst/>
-    <dgm:txFillClrLst/>
-    <dgm:txEffectClrLst/>
-  </dgm:styleLbl>
-  <dgm:styleLbl name="vennNode1">
-    <dgm:fillClrLst meth="repeat">
-      <a:schemeClr val="accent4">
-        <a:alpha val="50000"/>
-      </a:schemeClr>
-    </dgm:fillClrLst>
-    <dgm:linClrLst meth="repeat">
-      <a:schemeClr val="lt1"/>
-    </dgm:linClrLst>
-    <dgm:effectClrLst/>
-    <dgm:txLinClrLst/>
-    <dgm:txFillClrLst/>
-    <dgm:txEffectClrLst/>
-  </dgm:styleLbl>
-  <dgm:styleLbl name="node2">
-    <dgm:fillClrLst meth="repeat">
-      <a:schemeClr val="accent4"/>
-    </dgm:fillClrLst>
-    <dgm:linClrLst meth="repeat">
-      <a:schemeClr val="lt1"/>
-    </dgm:linClrLst>
-    <dgm:effectClrLst/>
-    <dgm:txLinClrLst/>
-    <dgm:txFillClrLst/>
-    <dgm:txEffectClrLst/>
-  </dgm:styleLbl>
-  <dgm:styleLbl name="node3">
-    <dgm:fillClrLst meth="repeat">
-      <a:schemeClr val="accent4"/>
-    </dgm:fillClrLst>
-    <dgm:linClrLst meth="repeat">
-      <a:schemeClr val="lt1"/>
-    </dgm:linClrLst>
-    <dgm:effectClrLst/>
-    <dgm:txLinClrLst/>
-    <dgm:txFillClrLst/>
-    <dgm:txEffectClrLst/>
-  </dgm:styleLbl>
-  <dgm:styleLbl name="node4">
-    <dgm:fillClrLst meth="repeat">
-      <a:schemeClr val="accent4"/>
-    </dgm:fillClrLst>
-    <dgm:linClrLst meth="repeat">
-      <a:schemeClr val="lt1"/>
-    </dgm:linClrLst>
-    <dgm:effectClrLst/>
-    <dgm:txLinClrLst/>
-    <dgm:txFillClrLst/>
-    <dgm:txEffectClrLst/>
-  </dgm:styleLbl>
-  <dgm:styleLbl name="fgImgPlace1">
-    <dgm:fillClrLst meth="repeat">
-      <a:schemeClr val="accent4">
-        <a:tint val="50000"/>
-      </a:schemeClr>
-    </dgm:fillClrLst>
-    <dgm:linClrLst meth="repeat">
-      <a:schemeClr val="lt1"/>
-    </dgm:linClrLst>
-    <dgm:effectClrLst/>
-    <dgm:txLinClrLst/>
-    <dgm:txFillClrLst meth="repeat">
-      <a:schemeClr val="lt1"/>
-    </dgm:txFillClrLst>
-    <dgm:txEffectClrLst/>
-  </dgm:styleLbl>
-  <dgm:styleLbl name="alignImgPlace1">
-    <dgm:fillClrLst meth="repeat">
-      <a:schemeClr val="accent4">
-        <a:tint val="50000"/>
-      </a:schemeClr>
-    </dgm:fillClrLst>
-    <dgm:linClrLst meth="repeat">
-      <a:schemeClr val="lt1"/>
-    </dgm:linClrLst>
-    <dgm:effectClrLst/>
-    <dgm:txLinClrLst/>
-    <dgm:txFillClrLst meth="repeat">
-      <a:schemeClr val="lt1"/>
-    </dgm:txFillClrLst>
-    <dgm:txEffectClrLst/>
-  </dgm:styleLbl>
-  <dgm:styleLbl name="bgImgPlace1">
-    <dgm:fillClrLst meth="repeat">
-      <a:schemeClr val="accent4">
-        <a:tint val="50000"/>
-      </a:schemeClr>
-    </dgm:fillClrLst>
-    <dgm:linClrLst meth="repeat">
-      <a:schemeClr val="lt1"/>
-    </dgm:linClrLst>
-    <dgm:effectClrLst/>
-    <dgm:txLinClrLst/>
-    <dgm:txFillClrLst meth="repeat">
-      <a:schemeClr val="lt1"/>
-    </dgm:txFillClrLst>
-    <dgm:txEffectClrLst/>
-  </dgm:styleLbl>
-  <dgm:styleLbl name="sibTrans2D1">
-    <dgm:fillClrLst meth="repeat">
-      <a:schemeClr val="accent4">
-        <a:tint val="60000"/>
-      </a:schemeClr>
-    </dgm:fillClrLst>
-    <dgm:linClrLst meth="repeat">
-      <a:schemeClr val="accent4">
-        <a:tint val="60000"/>
-      </a:schemeClr>
-    </dgm:linClrLst>
-    <dgm:effectClrLst/>
-    <dgm:txLinClrLst/>
-    <dgm:txFillClrLst/>
-    <dgm:txEffectClrLst/>
-  </dgm:styleLbl>
-  <dgm:styleLbl name="fgSibTrans2D1">
-    <dgm:fillClrLst meth="repeat">
-      <a:schemeClr val="accent4">
-        <a:tint val="60000"/>
-      </a:schemeClr>
-    </dgm:fillClrLst>
-    <dgm:linClrLst meth="repeat">
-      <a:schemeClr val="accent4">
-        <a:tint val="60000"/>
-      </a:schemeClr>
-    </dgm:linClrLst>
-    <dgm:effectClrLst/>
-    <dgm:txLinClrLst/>
-    <dgm:txFillClrLst/>
-    <dgm:txEffectClrLst/>
-  </dgm:styleLbl>
-  <dgm:styleLbl name="bgSibTrans2D1">
-    <dgm:fillClrLst meth="repeat">
-      <a:schemeClr val="accent4">
-        <a:tint val="60000"/>
-      </a:schemeClr>
-    </dgm:fillClrLst>
-    <dgm:linClrLst meth="repeat">
-      <a:schemeClr val="accent4">
-        <a:tint val="60000"/>
-      </a:schemeClr>
-    </dgm:linClrLst>
-    <dgm:effectClrLst/>
-    <dgm:txLinClrLst/>
-    <dgm:txFillClrLst/>
-    <dgm:txEffectClrLst/>
-  </dgm:styleLbl>
-  <dgm:styleLbl name="sibTrans1D1">
-    <dgm:fillClrLst meth="repeat">
-      <a:schemeClr val="accent4"/>
-    </dgm:fillClrLst>
-    <dgm:linClrLst meth="repeat">
-      <a:schemeClr val="accent4"/>
-    </dgm:linClrLst>
-    <dgm:effectClrLst/>
-    <dgm:txLinClrLst/>
-    <dgm:txFillClrLst meth="repeat">
-      <a:schemeClr val="tx1"/>
-    </dgm:txFillClrLst>
-    <dgm:txEffectClrLst/>
-  </dgm:styleLbl>
-  <dgm:styleLbl name="callout">
-    <dgm:fillClrLst meth="repeat">
-      <a:schemeClr val="accent4"/>
-    </dgm:fillClrLst>
-    <dgm:linClrLst meth="repeat">
-      <a:schemeClr val="accent4">
-        <a:tint val="50000"/>
-      </a:schemeClr>
-    </dgm:linClrLst>
-    <dgm:effectClrLst/>
-    <dgm:txLinClrLst/>
-    <dgm:txFillClrLst meth="repeat">
-      <a:schemeClr val="tx1"/>
-    </dgm:txFillClrLst>
-    <dgm:txEffectClrLst/>
-  </dgm:styleLbl>
-  <dgm:styleLbl name="asst0">
-    <dgm:fillClrLst meth="repeat">
-      <a:schemeClr val="accent4"/>
-    </dgm:fillClrLst>
-    <dgm:linClrLst meth="repeat">
-      <a:schemeClr val="lt1"/>
-    </dgm:linClrLst>
-    <dgm:effectClrLst/>
-    <dgm:txLinClrLst/>
-    <dgm:txFillClrLst/>
-    <dgm:txEffectClrLst/>
-  </dgm:styleLbl>
-  <dgm:styleLbl name="asst1">
-    <dgm:fillClrLst meth="repeat">
-      <a:schemeClr val="accent4"/>
-    </dgm:fillClrLst>
-    <dgm:linClrLst meth="repeat">
-      <a:schemeClr val="lt1"/>
-    </dgm:linClrLst>
-    <dgm:effectClrLst/>
-    <dgm:txLinClrLst/>
-    <dgm:txFillClrLst/>
-    <dgm:txEffectClrLst/>
-  </dgm:styleLbl>
-  <dgm:styleLbl name="asst2">
-    <dgm:fillClrLst meth="repeat">
-      <a:schemeClr val="accent4"/>
-    </dgm:fillClrLst>
-    <dgm:linClrLst meth="repeat">
-      <a:schemeClr val="lt1"/>
-    </dgm:linClrLst>
-    <dgm:effectClrLst/>
-    <dgm:txLinClrLst/>
-    <dgm:txFillClrLst/>
-    <dgm:txEffectClrLst/>
-  </dgm:styleLbl>
-  <dgm:styleLbl name="asst3">
-    <dgm:fillClrLst meth="repeat">
-      <a:schemeClr val="accent4"/>
-    </dgm:fillClrLst>
-    <dgm:linClrLst meth="repeat">
-      <a:schemeClr val="lt1"/>
-    </dgm:linClrLst>
-    <dgm:effectClrLst/>
-    <dgm:txLinClrLst/>
-    <dgm:txFillClrLst/>
-    <dgm:txEffectClrLst/>
-  </dgm:styleLbl>
-  <dgm:styleLbl name="asst4">
-    <dgm:fillClrLst meth="repeat">
-      <a:schemeClr val="accent4"/>
-    </dgm:fillClrLst>
-    <dgm:linClrLst meth="repeat">
-      <a:schemeClr val="lt1"/>
-    </dgm:linClrLst>
-    <dgm:effectClrLst/>
-    <dgm:txLinClrLst/>
-    <dgm:txFillClrLst/>
-    <dgm:txEffectClrLst/>
-  </dgm:styleLbl>
-  <dgm:styleLbl name="parChTrans2D1">
-    <dgm:fillClrLst meth="repeat">
-      <a:schemeClr val="accent4">
-        <a:tint val="60000"/>
-      </a:schemeClr>
-    </dgm:fillClrLst>
-    <dgm:linClrLst meth="repeat">
-      <a:schemeClr val="accent4">
-        <a:tint val="60000"/>
-      </a:schemeClr>
-    </dgm:linClrLst>
-    <dgm:effectClrLst/>
-    <dgm:txLinClrLst/>
-    <dgm:txFillClrLst meth="repeat">
-      <a:schemeClr val="lt1"/>
-    </dgm:txFillClrLst>
-    <dgm:txEffectClrLst/>
-  </dgm:styleLbl>
-  <dgm:styleLbl name="parChTrans2D2">
-    <dgm:fillClrLst meth="repeat">
-      <a:schemeClr val="accent4"/>
-    </dgm:fillClrLst>
-    <dgm:linClrLst meth="repeat">
-      <a:schemeClr val="accent4"/>
-    </dgm:linClrLst>
-    <dgm:effectClrLst/>
-    <dgm:txLinClrLst/>
-    <dgm:txFillClrLst meth="repeat">
-      <a:schemeClr val="lt1"/>
-    </dgm:txFillClrLst>
-    <dgm:txEffectClrLst/>
-  </dgm:styleLbl>
-  <dgm:styleLbl name="parChTrans2D3">
-    <dgm:fillClrLst meth="repeat">
-      <a:schemeClr val="accent4"/>
-    </dgm:fillClrLst>
-    <dgm:linClrLst meth="repeat">
-      <a:schemeClr val="accent4"/>
-    </dgm:linClrLst>
-    <dgm:effectClrLst/>
-    <dgm:txLinClrLst/>
-    <dgm:txFillClrLst meth="repeat">
-      <a:schemeClr val="lt1"/>
-    </dgm:txFillClrLst>
-    <dgm:txEffectClrLst/>
-  </dgm:styleLbl>
-  <dgm:styleLbl name="parChTrans2D4">
-    <dgm:fillClrLst meth="repeat">
-      <a:schemeClr val="accent4"/>
-    </dgm:fillClrLst>
-    <dgm:linClrLst meth="repeat">
-      <a:schemeClr val="accent4"/>
-    </dgm:linClrLst>
-    <dgm:effectClrLst/>
-    <dgm:txLinClrLst/>
-    <dgm:txFillClrLst meth="repeat">
-      <a:schemeClr val="lt1"/>
-    </dgm:txFillClrLst>
-    <dgm:txEffectClrLst/>
-  </dgm:styleLbl>
-  <dgm:styleLbl name="parChTrans1D1">
-    <dgm:fillClrLst meth="repeat">
-      <a:schemeClr val="accent4"/>
-    </dgm:fillClrLst>
-    <dgm:linClrLst meth="repeat">
-      <a:schemeClr val="accent4">
-        <a:shade val="60000"/>
-      </a:schemeClr>
-    </dgm:linClrLst>
-    <dgm:effectClrLst/>
-    <dgm:txLinClrLst/>
-    <dgm:txFillClrLst meth="repeat">
-      <a:schemeClr val="tx1"/>
-    </dgm:txFillClrLst>
-    <dgm:txEffectClrLst/>
-  </dgm:styleLbl>
-  <dgm:styleLbl name="parChTrans1D2">
-    <dgm:fillClrLst meth="repeat">
-      <a:schemeClr val="accent4"/>
-    </dgm:fillClrLst>
-    <dgm:linClrLst meth="repeat">
-      <a:schemeClr val="accent4">
-        <a:shade val="60000"/>
-      </a:schemeClr>
-    </dgm:linClrLst>
-    <dgm:effectClrLst/>
-    <dgm:txLinClrLst/>
-    <dgm:txFillClrLst meth="repeat">
-      <a:schemeClr val="tx1"/>
-    </dgm:txFillClrLst>
-    <dgm:txEffectClrLst/>
-  </dgm:styleLbl>
-  <dgm:styleLbl name="parChTrans1D3">
-    <dgm:fillClrLst meth="repeat">
-      <a:schemeClr val="accent4"/>
-    </dgm:fillClrLst>
-    <dgm:linClrLst meth="repeat">
-      <a:schemeClr val="accent4">
-        <a:shade val="80000"/>
-      </a:schemeClr>
-    </dgm:linClrLst>
-    <dgm:effectClrLst/>
-    <dgm:txLinClrLst/>
-    <dgm:txFillClrLst meth="repeat">
-      <a:schemeClr val="tx1"/>
-    </dgm:txFillClrLst>
-    <dgm:txEffectClrLst/>
-  </dgm:styleLbl>
-  <dgm:styleLbl name="parChTrans1D4">
-    <dgm:fillClrLst meth="repeat">
-      <a:schemeClr val="accent4"/>
-    </dgm:fillClrLst>
-    <dgm:linClrLst meth="repeat">
-      <a:schemeClr val="accent4">
-        <a:shade val="80000"/>
-      </a:schemeClr>
-    </dgm:linClrLst>
-    <dgm:effectClrLst/>
-    <dgm:txLinClrLst/>
-    <dgm:txFillClrLst meth="repeat">
-      <a:schemeClr val="tx1"/>
-    </dgm:txFillClrLst>
-    <dgm:txEffectClrLst/>
-  </dgm:styleLbl>
-  <dgm:styleLbl name="fgAcc1">
-    <dgm:fillClrLst meth="repeat">
-      <a:schemeClr val="lt1">
-        <a:alpha val="90000"/>
-      </a:schemeClr>
-    </dgm:fillClrLst>
-    <dgm:linClrLst meth="repeat">
-      <a:schemeClr val="accent4"/>
-    </dgm:linClrLst>
-    <dgm:effectClrLst/>
-    <dgm:txLinClrLst/>
-    <dgm:txFillClrLst meth="repeat">
-      <a:schemeClr val="dk1"/>
-    </dgm:txFillClrLst>
-    <dgm:txEffectClrLst/>
-  </dgm:styleLbl>
-  <dgm:styleLbl name="conFgAcc1">
-    <dgm:fillClrLst meth="repeat">
-      <a:schemeClr val="lt1">
-        <a:alpha val="90000"/>
-      </a:schemeClr>
-    </dgm:fillClrLst>
-    <dgm:linClrLst meth="repeat">
-      <a:schemeClr val="accent4"/>
-    </dgm:linClrLst>
-    <dgm:effectClrLst/>
-    <dgm:txLinClrLst/>
-    <dgm:txFillClrLst meth="repeat">
-      <a:schemeClr val="dk1"/>
-    </dgm:txFillClrLst>
-    <dgm:txEffectClrLst/>
-  </dgm:styleLbl>
-  <dgm:styleLbl name="alignAcc1">
-    <dgm:fillClrLst meth="repeat">
-      <a:schemeClr val="lt1">
-        <a:alpha val="90000"/>
-      </a:schemeClr>
-    </dgm:fillClrLst>
-    <dgm:linClrLst meth="repeat">
-      <a:schemeClr val="accent4"/>
-    </dgm:linClrLst>
-    <dgm:effectClrLst/>
-    <dgm:txLinClrLst/>
-    <dgm:txFillClrLst meth="repeat">
-      <a:schemeClr val="dk1"/>
-    </dgm:txFillClrLst>
-    <dgm:txEffectClrLst/>
-  </dgm:styleLbl>
-  <dgm:styleLbl name="trAlignAcc1">
-    <dgm:fillClrLst meth="repeat">
-      <a:schemeClr val="lt1">
-        <a:alpha val="40000"/>
-      </a:schemeClr>
-    </dgm:fillClrLst>
-    <dgm:linClrLst meth="repeat">
-      <a:schemeClr val="accent4"/>
-    </dgm:linClrLst>
-    <dgm:effectClrLst/>
-    <dgm:txLinClrLst/>
-    <dgm:txFillClrLst meth="repeat">
-      <a:schemeClr val="dk1"/>
-    </dgm:txFillClrLst>
-    <dgm:txEffectClrLst/>
-  </dgm:styleLbl>
-  <dgm:styleLbl name="bgAcc1">
-    <dgm:fillClrLst meth="repeat">
-      <a:schemeClr val="lt1">
-        <a:alpha val="90000"/>
-      </a:schemeClr>
-    </dgm:fillClrLst>
-    <dgm:linClrLst meth="repeat">
-      <a:schemeClr val="accent4"/>
-    </dgm:linClrLst>
-    <dgm:effectClrLst/>
-    <dgm:txLinClrLst/>
-    <dgm:txFillClrLst meth="repeat">
-      <a:schemeClr val="dk1"/>
-    </dgm:txFillClrLst>
-    <dgm:txEffectClrLst/>
-  </dgm:styleLbl>
-  <dgm:styleLbl name="solidFgAcc1">
-    <dgm:fillClrLst meth="repeat">
-      <a:schemeClr val="lt1"/>
-    </dgm:fillClrLst>
-    <dgm:linClrLst meth="repeat">
-      <a:schemeClr val="accent4"/>
-    </dgm:linClrLst>
-    <dgm:effectClrLst/>
-    <dgm:txLinClrLst/>
-    <dgm:txFillClrLst meth="repeat">
-      <a:schemeClr val="dk1"/>
-    </dgm:txFillClrLst>
-    <dgm:txEffectClrLst/>
-  </dgm:styleLbl>
-  <dgm:styleLbl name="solidAlignAcc1">
-    <dgm:fillClrLst meth="repeat">
-      <a:schemeClr val="lt1"/>
-    </dgm:fillClrLst>
-    <dgm:linClrLst meth="repeat">
-      <a:schemeClr val="accent4"/>
-    </dgm:linClrLst>
-    <dgm:effectClrLst/>
-    <dgm:txLinClrLst/>
-    <dgm:txFillClrLst meth="repeat">
-      <a:schemeClr val="dk1"/>
-    </dgm:txFillClrLst>
-    <dgm:txEffectClrLst/>
-  </dgm:styleLbl>
-  <dgm:styleLbl name="solidBgAcc1">
-    <dgm:fillClrLst meth="repeat">
-      <a:schemeClr val="lt1"/>
-    </dgm:fillClrLst>
-    <dgm:linClrLst meth="repeat">
-      <a:schemeClr val="accent4"/>
-    </dgm:linClrLst>
-    <dgm:effectClrLst/>
-    <dgm:txLinClrLst/>
-    <dgm:txFillClrLst meth="repeat">
-      <a:schemeClr val="dk1"/>
-    </dgm:txFillClrLst>
-    <dgm:txEffectClrLst/>
-  </dgm:styleLbl>
-  <dgm:styleLbl name="fgAccFollowNode1">
-    <dgm:fillClrLst meth="repeat">
-      <a:schemeClr val="accent4">
-        <a:alpha val="90000"/>
-        <a:tint val="40000"/>
-      </a:schemeClr>
-    </dgm:fillClrLst>
-    <dgm:linClrLst meth="repeat">
-      <a:schemeClr val="accent4">
-        <a:alpha val="90000"/>
-        <a:tint val="40000"/>
-      </a:schemeClr>
-    </dgm:linClrLst>
-    <dgm:effectClrLst/>
-    <dgm:txLinClrLst/>
-    <dgm:txFillClrLst meth="repeat">
-      <a:schemeClr val="dk1"/>
-    </dgm:txFillClrLst>
-    <dgm:txEffectClrLst/>
-  </dgm:styleLbl>
-  <dgm:styleLbl name="alignAccFollowNode1">
-    <dgm:fillClrLst meth="repeat">
-      <a:schemeClr val="accent4">
-        <a:alpha val="90000"/>
-        <a:tint val="40000"/>
-      </a:schemeClr>
-    </dgm:fillClrLst>
-    <dgm:linClrLst meth="repeat">
-      <a:schemeClr val="accent4">
-        <a:alpha val="90000"/>
-        <a:tint val="40000"/>
-      </a:schemeClr>
-    </dgm:linClrLst>
-    <dgm:effectClrLst/>
-    <dgm:txLinClrLst/>
-    <dgm:txFillClrLst meth="repeat">
-      <a:schemeClr val="dk1"/>
-    </dgm:txFillClrLst>
-    <dgm:txEffectClrLst/>
-  </dgm:styleLbl>
-  <dgm:styleLbl name="bgAccFollowNode1">
-    <dgm:fillClrLst meth="repeat">
-      <a:schemeClr val="accent4">
-        <a:alpha val="90000"/>
-        <a:tint val="40000"/>
-      </a:schemeClr>
-    </dgm:fillClrLst>
-    <dgm:linClrLst meth="repeat">
-      <a:schemeClr val="accent4">
-        <a:alpha val="90000"/>
-        <a:tint val="40000"/>
-      </a:schemeClr>
-    </dgm:linClrLst>
-    <dgm:effectClrLst/>
-    <dgm:txLinClrLst/>
-    <dgm:txFillClrLst meth="repeat">
-      <a:schemeClr val="dk1"/>
-    </dgm:txFillClrLst>
-    <dgm:txEffectClrLst/>
-  </dgm:styleLbl>
-  <dgm:styleLbl name="fgAcc0">
-    <dgm:fillClrLst meth="repeat">
-      <a:schemeClr val="lt1">
-        <a:alpha val="90000"/>
-      </a:schemeClr>
-    </dgm:fillClrLst>
-    <dgm:linClrLst meth="repeat">
-      <a:schemeClr val="accent4"/>
-    </dgm:linClrLst>
-    <dgm:effectClrLst/>
-    <dgm:txLinClrLst/>
-    <dgm:txFillClrLst meth="repeat">
-      <a:schemeClr val="dk1"/>
-    </dgm:txFillClrLst>
-    <dgm:txEffectClrLst/>
-  </dgm:styleLbl>
-  <dgm:styleLbl name="fgAcc2">
-    <dgm:fillClrLst meth="repeat">
-      <a:schemeClr val="lt1">
-        <a:alpha val="90000"/>
-      </a:schemeClr>
-    </dgm:fillClrLst>
-    <dgm:linClrLst meth="repeat">
-      <a:schemeClr val="accent4"/>
-    </dgm:linClrLst>
-    <dgm:effectClrLst/>
-    <dgm:txLinClrLst/>
-    <dgm:txFillClrLst meth="repeat">
-      <a:schemeClr val="dk1"/>
-    </dgm:txFillClrLst>
-    <dgm:txEffectClrLst/>
-  </dgm:styleLbl>
-  <dgm:styleLbl name="fgAcc3">
-    <dgm:fillClrLst meth="repeat">
-      <a:schemeClr val="lt1">
-        <a:alpha val="90000"/>
-      </a:schemeClr>
-    </dgm:fillClrLst>
-    <dgm:linClrLst meth="repeat">
-      <a:schemeClr val="accent4"/>
-    </dgm:linClrLst>
-    <dgm:effectClrLst/>
-    <dgm:txLinClrLst/>
-    <dgm:txFillClrLst meth="repeat">
-      <a:schemeClr val="dk1"/>
-    </dgm:txFillClrLst>
-    <dgm:txEffectClrLst/>
-  </dgm:styleLbl>
-  <dgm:styleLbl name="fgAcc4">
-    <dgm:fillClrLst meth="repeat">
-      <a:schemeClr val="lt1">
-        <a:alpha val="90000"/>
-      </a:schemeClr>
-    </dgm:fillClrLst>
-    <dgm:linClrLst meth="repeat">
-      <a:schemeClr val="accent4"/>
-    </dgm:linClrLst>
-    <dgm:effectClrLst/>
-    <dgm:txLinClrLst/>
-    <dgm:txFillClrLst meth="repeat">
-      <a:schemeClr val="dk1"/>
-    </dgm:txFillClrLst>
-    <dgm:txEffectClrLst/>
-  </dgm:styleLbl>
-  <dgm:styleLbl name="bgShp">
-    <dgm:fillClrLst meth="repeat">
-      <a:schemeClr val="accent4">
-        <a:tint val="40000"/>
-      </a:schemeClr>
-    </dgm:fillClrLst>
-    <dgm:linClrLst meth="repeat">
-      <a:schemeClr val="accent4"/>
-    </dgm:linClrLst>
-    <dgm:effectClrLst/>
-    <dgm:txLinClrLst/>
-    <dgm:txFillClrLst meth="repeat">
-      <a:schemeClr val="dk1"/>
-    </dgm:txFillClrLst>
-    <dgm:txEffectClrLst/>
-  </dgm:styleLbl>
-  <dgm:styleLbl name="dkBgShp">
-    <dgm:fillClrLst meth="repeat">
-      <a:schemeClr val="accent4">
-        <a:shade val="80000"/>
-      </a:schemeClr>
-    </dgm:fillClrLst>
-    <dgm:linClrLst meth="repeat">
-      <a:schemeClr val="accent4"/>
-    </dgm:linClrLst>
-    <dgm:effectClrLst/>
-    <dgm:txLinClrLst/>
-    <dgm:txFillClrLst meth="repeat">
-      <a:schemeClr val="lt1"/>
-    </dgm:txFillClrLst>
-    <dgm:txEffectClrLst/>
-  </dgm:styleLbl>
-  <dgm:styleLbl name="trBgShp">
-    <dgm:fillClrLst meth="repeat">
-      <a:schemeClr val="accent4">
-        <a:tint val="50000"/>
-        <a:alpha val="40000"/>
-      </a:schemeClr>
-    </dgm:fillClrLst>
-    <dgm:linClrLst meth="repeat">
-      <a:schemeClr val="accent4"/>
-    </dgm:linClrLst>
-    <dgm:effectClrLst/>
-    <dgm:txLinClrLst/>
-    <dgm:txFillClrLst meth="repeat">
-      <a:schemeClr val="lt1"/>
-    </dgm:txFillClrLst>
-    <dgm:txEffectClrLst/>
-  </dgm:styleLbl>
-  <dgm:styleLbl name="fgShp">
-    <dgm:fillClrLst meth="repeat">
-      <a:schemeClr val="accent4">
-        <a:tint val="60000"/>
-      </a:schemeClr>
-    </dgm:fillClrLst>
-    <dgm:linClrLst meth="repeat">
-      <a:schemeClr val="lt1"/>
-    </dgm:linClrLst>
-    <dgm:effectClrLst/>
-    <dgm:txLinClrLst/>
-    <dgm:txFillClrLst meth="repeat">
-      <a:schemeClr val="dk1"/>
-    </dgm:txFillClrLst>
-    <dgm:txEffectClrLst/>
-  </dgm:styleLbl>
-  <dgm:styleLbl name="revTx">
-    <dgm:fillClrLst meth="repeat">
-      <a:schemeClr val="lt1">
-        <a:alpha val="0"/>
-      </a:schemeClr>
-    </dgm:fillClrLst>
-    <dgm:linClrLst meth="repeat">
-      <a:schemeClr val="dk1">
-        <a:alpha val="0"/>
-      </a:schemeClr>
-    </dgm:linClrLst>
-    <dgm:effectClrLst/>
-    <dgm:txLinClrLst/>
-    <dgm:txFillClrLst meth="repeat">
-      <a:schemeClr val="tx1"/>
-    </dgm:txFillClrLst>
-    <dgm:txEffectClrLst/>
-  </dgm:styleLbl>
-</dgm:colorsDef>
-</file>
-
-<file path=ppt/diagrams/data1.xml><?xml version="1.0" encoding="utf-8"?>
-<dgm:dataModel xmlns:dgm="http://schemas.openxmlformats.org/drawingml/2006/diagram" xmlns:a="http://schemas.openxmlformats.org/drawingml/2006/main">
-  <dgm:ptLst>
-    <dgm:pt modelId="{7AD8BCBF-F53A-415F-A4FF-1EB5AD6DA510}" type="doc">
-      <dgm:prSet loTypeId="urn:microsoft.com/office/officeart/2005/8/layout/lProcess3" loCatId="process" qsTypeId="urn:microsoft.com/office/officeart/2005/8/quickstyle/simple3" qsCatId="simple" csTypeId="urn:microsoft.com/office/officeart/2005/8/colors/accent4_2" csCatId="accent4" phldr="1"/>
-      <dgm:spPr/>
-      <dgm:t>
-        <a:bodyPr/>
-        <a:lstStyle/>
-        <a:p>
-          <a:endParaRPr lang="bs-Latn-BA"/>
-        </a:p>
-      </dgm:t>
-    </dgm:pt>
-    <dgm:pt modelId="{C21DB2D5-D585-4B2D-87ED-74CC15CC8011}">
-      <dgm:prSet phldrT="[Text]"/>
-      <dgm:spPr/>
-      <dgm:t>
-        <a:bodyPr/>
-        <a:lstStyle/>
-        <a:p>
-          <a:r>
-            <a:rPr lang="bs-Latn-BA" dirty="0"/>
-            <a:t>DATA SCIENCE</a:t>
-          </a:r>
-        </a:p>
-      </dgm:t>
-    </dgm:pt>
-    <dgm:pt modelId="{243F3B30-3EFB-49E5-904B-92884CC631B8}" type="parTrans" cxnId="{8AADEB7E-895A-4237-A741-EE8AADB68534}">
-      <dgm:prSet/>
-      <dgm:spPr/>
-      <dgm:t>
-        <a:bodyPr/>
-        <a:lstStyle/>
-        <a:p>
-          <a:endParaRPr lang="bs-Latn-BA"/>
-        </a:p>
-      </dgm:t>
-    </dgm:pt>
-    <dgm:pt modelId="{AB72E4B5-3E39-498A-8276-EF3A4B1E27AB}" type="sibTrans" cxnId="{8AADEB7E-895A-4237-A741-EE8AADB68534}">
-      <dgm:prSet/>
-      <dgm:spPr/>
-      <dgm:t>
-        <a:bodyPr/>
-        <a:lstStyle/>
-        <a:p>
-          <a:endParaRPr lang="bs-Latn-BA"/>
-        </a:p>
-      </dgm:t>
-    </dgm:pt>
-    <dgm:pt modelId="{E50A7539-C4D4-4637-A739-C17E2DD91DBD}">
-      <dgm:prSet phldrT="[Text]"/>
-      <dgm:spPr/>
-      <dgm:t>
-        <a:bodyPr/>
-        <a:lstStyle/>
-        <a:p>
-          <a:r>
-            <a:rPr lang="bs-Latn-BA"/>
-            <a:t>MACHINE LEARNING</a:t>
-          </a:r>
-        </a:p>
-      </dgm:t>
-    </dgm:pt>
-    <dgm:pt modelId="{D50CBDBF-9559-437C-BB44-7723AE6C2054}" type="parTrans" cxnId="{15C316B1-D4CB-4CD5-86E2-6AE7721ED76B}">
-      <dgm:prSet/>
-      <dgm:spPr/>
-      <dgm:t>
-        <a:bodyPr/>
-        <a:lstStyle/>
-        <a:p>
-          <a:endParaRPr lang="bs-Latn-BA"/>
-        </a:p>
-      </dgm:t>
-    </dgm:pt>
-    <dgm:pt modelId="{9213F1C6-0861-4851-8135-6612D88D8892}" type="sibTrans" cxnId="{15C316B1-D4CB-4CD5-86E2-6AE7721ED76B}">
-      <dgm:prSet/>
-      <dgm:spPr/>
-      <dgm:t>
-        <a:bodyPr/>
-        <a:lstStyle/>
-        <a:p>
-          <a:endParaRPr lang="bs-Latn-BA"/>
-        </a:p>
-      </dgm:t>
-    </dgm:pt>
-    <dgm:pt modelId="{BEEDD4BA-476D-450D-8124-1A98C51F9FF2}" type="pres">
-      <dgm:prSet presAssocID="{7AD8BCBF-F53A-415F-A4FF-1EB5AD6DA510}" presName="Name0" presStyleCnt="0">
-        <dgm:presLayoutVars>
-          <dgm:chPref val="3"/>
-          <dgm:dir/>
-          <dgm:animLvl val="lvl"/>
-          <dgm:resizeHandles/>
-        </dgm:presLayoutVars>
-      </dgm:prSet>
-      <dgm:spPr/>
-    </dgm:pt>
-    <dgm:pt modelId="{29C62711-0D90-449D-BAAD-FDC0B9E9BBE2}" type="pres">
-      <dgm:prSet presAssocID="{C21DB2D5-D585-4B2D-87ED-74CC15CC8011}" presName="horFlow" presStyleCnt="0"/>
-      <dgm:spPr/>
-    </dgm:pt>
-    <dgm:pt modelId="{D89B2B64-82C5-440B-9145-67CAE9638C70}" type="pres">
-      <dgm:prSet presAssocID="{C21DB2D5-D585-4B2D-87ED-74CC15CC8011}" presName="bigChev" presStyleLbl="node1" presStyleIdx="0" presStyleCnt="2"/>
-      <dgm:spPr/>
-    </dgm:pt>
-    <dgm:pt modelId="{CDD9717E-E8D8-4B09-93D8-686C0231C14D}" type="pres">
-      <dgm:prSet presAssocID="{C21DB2D5-D585-4B2D-87ED-74CC15CC8011}" presName="vSp" presStyleCnt="0"/>
-      <dgm:spPr/>
-    </dgm:pt>
-    <dgm:pt modelId="{9A1EED85-7BFB-42F1-8CA4-4ED28B5456CA}" type="pres">
-      <dgm:prSet presAssocID="{E50A7539-C4D4-4637-A739-C17E2DD91DBD}" presName="horFlow" presStyleCnt="0"/>
-      <dgm:spPr/>
-    </dgm:pt>
-    <dgm:pt modelId="{7D0B1F11-0B0B-43C2-9AED-461BE2668B74}" type="pres">
-      <dgm:prSet presAssocID="{E50A7539-C4D4-4637-A739-C17E2DD91DBD}" presName="bigChev" presStyleLbl="node1" presStyleIdx="1" presStyleCnt="2"/>
-      <dgm:spPr/>
-    </dgm:pt>
-  </dgm:ptLst>
-  <dgm:cxnLst>
-    <dgm:cxn modelId="{40FE5630-CC22-4552-8CB1-7167CDD8B80D}" type="presOf" srcId="{7AD8BCBF-F53A-415F-A4FF-1EB5AD6DA510}" destId="{BEEDD4BA-476D-450D-8124-1A98C51F9FF2}" srcOrd="0" destOrd="0" presId="urn:microsoft.com/office/officeart/2005/8/layout/lProcess3"/>
-    <dgm:cxn modelId="{82C3DD30-0960-4A58-881F-1BDA9D0726B8}" type="presOf" srcId="{C21DB2D5-D585-4B2D-87ED-74CC15CC8011}" destId="{D89B2B64-82C5-440B-9145-67CAE9638C70}" srcOrd="0" destOrd="0" presId="urn:microsoft.com/office/officeart/2005/8/layout/lProcess3"/>
-    <dgm:cxn modelId="{4F0B4D6E-D8D4-45E0-858F-91360F2F2910}" type="presOf" srcId="{E50A7539-C4D4-4637-A739-C17E2DD91DBD}" destId="{7D0B1F11-0B0B-43C2-9AED-461BE2668B74}" srcOrd="0" destOrd="0" presId="urn:microsoft.com/office/officeart/2005/8/layout/lProcess3"/>
-    <dgm:cxn modelId="{8AADEB7E-895A-4237-A741-EE8AADB68534}" srcId="{7AD8BCBF-F53A-415F-A4FF-1EB5AD6DA510}" destId="{C21DB2D5-D585-4B2D-87ED-74CC15CC8011}" srcOrd="0" destOrd="0" parTransId="{243F3B30-3EFB-49E5-904B-92884CC631B8}" sibTransId="{AB72E4B5-3E39-498A-8276-EF3A4B1E27AB}"/>
-    <dgm:cxn modelId="{15C316B1-D4CB-4CD5-86E2-6AE7721ED76B}" srcId="{7AD8BCBF-F53A-415F-A4FF-1EB5AD6DA510}" destId="{E50A7539-C4D4-4637-A739-C17E2DD91DBD}" srcOrd="1" destOrd="0" parTransId="{D50CBDBF-9559-437C-BB44-7723AE6C2054}" sibTransId="{9213F1C6-0861-4851-8135-6612D88D8892}"/>
-    <dgm:cxn modelId="{ADA1E5AF-61EF-4D40-B3BA-23CADC16528D}" type="presParOf" srcId="{BEEDD4BA-476D-450D-8124-1A98C51F9FF2}" destId="{29C62711-0D90-449D-BAAD-FDC0B9E9BBE2}" srcOrd="0" destOrd="0" presId="urn:microsoft.com/office/officeart/2005/8/layout/lProcess3"/>
-    <dgm:cxn modelId="{FFAAC728-3362-4435-A74E-6D281CC627DF}" type="presParOf" srcId="{29C62711-0D90-449D-BAAD-FDC0B9E9BBE2}" destId="{D89B2B64-82C5-440B-9145-67CAE9638C70}" srcOrd="0" destOrd="0" presId="urn:microsoft.com/office/officeart/2005/8/layout/lProcess3"/>
-    <dgm:cxn modelId="{6FADF711-90FE-405B-9E1A-02AB8470E190}" type="presParOf" srcId="{BEEDD4BA-476D-450D-8124-1A98C51F9FF2}" destId="{CDD9717E-E8D8-4B09-93D8-686C0231C14D}" srcOrd="1" destOrd="0" presId="urn:microsoft.com/office/officeart/2005/8/layout/lProcess3"/>
-    <dgm:cxn modelId="{ACAF35D2-99C0-4BBB-94E9-8A5AFC0E2D07}" type="presParOf" srcId="{BEEDD4BA-476D-450D-8124-1A98C51F9FF2}" destId="{9A1EED85-7BFB-42F1-8CA4-4ED28B5456CA}" srcOrd="2" destOrd="0" presId="urn:microsoft.com/office/officeart/2005/8/layout/lProcess3"/>
-    <dgm:cxn modelId="{26D0FFFA-F5A2-45CA-B5CF-12B974A6D22F}" type="presParOf" srcId="{9A1EED85-7BFB-42F1-8CA4-4ED28B5456CA}" destId="{7D0B1F11-0B0B-43C2-9AED-461BE2668B74}" srcOrd="0" destOrd="0" presId="urn:microsoft.com/office/officeart/2005/8/layout/lProcess3"/>
-  </dgm:cxnLst>
-  <dgm:bg/>
-  <dgm:whole/>
-  <dgm:extLst>
-    <a:ext uri="http://schemas.microsoft.com/office/drawing/2008/diagram">
-      <dsp:dataModelExt xmlns:dsp="http://schemas.microsoft.com/office/drawing/2008/diagram" relId="rId8" minVer="http://schemas.openxmlformats.org/drawingml/2006/diagram"/>
-    </a:ext>
-  </dgm:extLst>
-</dgm:dataModel>
-</file>
-
-<file path=ppt/diagrams/drawing1.xml><?xml version="1.0" encoding="utf-8"?>
-<dsp:drawing xmlns:dgm="http://schemas.openxmlformats.org/drawingml/2006/diagram" xmlns:dsp="http://schemas.microsoft.com/office/drawing/2008/diagram" xmlns:a="http://schemas.openxmlformats.org/drawingml/2006/main">
-  <dsp:spTree>
-    <dsp:nvGrpSpPr>
-      <dsp:cNvPr id="0" name=""/>
-      <dsp:cNvGrpSpPr/>
-    </dsp:nvGrpSpPr>
-    <dsp:grpSpPr/>
-    <dsp:sp modelId="{D89B2B64-82C5-440B-9145-67CAE9638C70}">
-      <dsp:nvSpPr>
-        <dsp:cNvPr id="0" name=""/>
-        <dsp:cNvSpPr/>
-      </dsp:nvSpPr>
-      <dsp:spPr>
+<file path=ppt/handoutMasters/handoutMaster1.xml><?xml version="1.0" encoding="utf-8"?>
+<p:handoutMaster xmlns:a="http://schemas.openxmlformats.org/drawingml/2006/main" xmlns:r="http://schemas.openxmlformats.org/officeDocument/2006/relationships" xmlns:p="http://schemas.openxmlformats.org/presentationml/2006/main">
+  <p:cSld>
+    <p:bg>
+      <p:bgRef idx="1001">
+        <a:schemeClr val="bg1"/>
+      </p:bgRef>
+    </p:bg>
+    <p:spTree>
+      <p:nvGrpSpPr>
+        <p:cNvPr id="1" name=""/>
+        <p:cNvGrpSpPr/>
+        <p:nvPr/>
+      </p:nvGrpSpPr>
+      <p:grpSpPr>
         <a:xfrm>
-          <a:off x="1106026" y="1216"/>
-          <a:ext cx="2336425" cy="934570"/>
+          <a:off x="0" y="0"/>
+          <a:ext cx="0" cy="0"/>
+          <a:chOff x="0" y="0"/>
+          <a:chExt cx="0" cy="0"/>
         </a:xfrm>
-        <a:prstGeom prst="chevron">
-          <a:avLst/>
-        </a:prstGeom>
-        <a:gradFill rotWithShape="0">
-          <a:gsLst>
-            <a:gs pos="0">
-              <a:schemeClr val="accent4">
-                <a:hueOff val="0"/>
-                <a:satOff val="0"/>
-                <a:lumOff val="0"/>
-                <a:alphaOff val="0"/>
-                <a:tint val="69000"/>
-                <a:alpha val="100000"/>
-                <a:satMod val="109000"/>
-                <a:lumMod val="110000"/>
-              </a:schemeClr>
-            </a:gs>
-            <a:gs pos="52000">
-              <a:schemeClr val="accent4">
-                <a:hueOff val="0"/>
-                <a:satOff val="0"/>
-                <a:lumOff val="0"/>
-                <a:alphaOff val="0"/>
-                <a:tint val="74000"/>
-                <a:satMod val="100000"/>
-                <a:lumMod val="104000"/>
-              </a:schemeClr>
-            </a:gs>
-            <a:gs pos="100000">
-              <a:schemeClr val="accent4">
-                <a:hueOff val="0"/>
-                <a:satOff val="0"/>
-                <a:lumOff val="0"/>
-                <a:alphaOff val="0"/>
-                <a:tint val="78000"/>
-                <a:satMod val="100000"/>
-                <a:lumMod val="100000"/>
-              </a:schemeClr>
-            </a:gs>
-          </a:gsLst>
-          <a:lin ang="5400000" scaled="0"/>
-        </a:gradFill>
-        <a:ln>
-          <a:noFill/>
-        </a:ln>
-        <a:effectLst/>
-        <a:scene3d>
-          <a:camera prst="orthographicFront"/>
-          <a:lightRig rig="flat" dir="t"/>
-        </a:scene3d>
-        <a:sp3d prstMaterial="dkEdge">
-          <a:bevelT w="8200" h="38100"/>
-        </a:sp3d>
-      </dsp:spPr>
-      <dsp:style>
-        <a:lnRef idx="0">
-          <a:scrgbClr r="0" g="0" b="0"/>
-        </a:lnRef>
-        <a:fillRef idx="2">
-          <a:scrgbClr r="0" g="0" b="0"/>
-        </a:fillRef>
-        <a:effectRef idx="1">
-          <a:scrgbClr r="0" g="0" b="0"/>
-        </a:effectRef>
-        <a:fontRef idx="minor">
-          <a:schemeClr val="dk1"/>
-        </a:fontRef>
-      </dsp:style>
-      <dsp:txBody>
-        <a:bodyPr spcFirstLastPara="0" vert="horz" wrap="square" lIns="26670" tIns="13335" rIns="0" bIns="13335" numCol="1" spcCol="1270" anchor="ctr" anchorCtr="0">
-          <a:noAutofit/>
-        </a:bodyPr>
-        <a:lstStyle/>
-        <a:p>
-          <a:pPr marL="0" lvl="0" indent="0" algn="ctr" defTabSz="933450">
-            <a:lnSpc>
-              <a:spcPct val="90000"/>
-            </a:lnSpc>
-            <a:spcBef>
-              <a:spcPct val="0"/>
-            </a:spcBef>
-            <a:spcAft>
-              <a:spcPct val="35000"/>
-            </a:spcAft>
-            <a:buNone/>
-          </a:pPr>
-          <a:r>
-            <a:rPr lang="bs-Latn-BA" sz="2100" kern="1200" dirty="0"/>
-            <a:t>DATA SCIENCE</a:t>
-          </a:r>
-        </a:p>
-      </dsp:txBody>
-      <dsp:txXfrm>
-        <a:off x="1573311" y="1216"/>
-        <a:ext cx="1401855" cy="934570"/>
-      </dsp:txXfrm>
-    </dsp:sp>
-    <dsp:sp modelId="{7D0B1F11-0B0B-43C2-9AED-461BE2668B74}">
-      <dsp:nvSpPr>
-        <dsp:cNvPr id="0" name=""/>
-        <dsp:cNvSpPr/>
-      </dsp:nvSpPr>
-      <dsp:spPr>
-        <a:xfrm>
-          <a:off x="1106026" y="1066626"/>
-          <a:ext cx="2336425" cy="934570"/>
-        </a:xfrm>
-        <a:prstGeom prst="chevron">
-          <a:avLst/>
-        </a:prstGeom>
-        <a:gradFill rotWithShape="0">
-          <a:gsLst>
-            <a:gs pos="0">
-              <a:schemeClr val="accent4">
-                <a:hueOff val="0"/>
-                <a:satOff val="0"/>
-                <a:lumOff val="0"/>
-                <a:alphaOff val="0"/>
-                <a:tint val="69000"/>
-                <a:alpha val="100000"/>
-                <a:satMod val="109000"/>
-                <a:lumMod val="110000"/>
-              </a:schemeClr>
-            </a:gs>
-            <a:gs pos="52000">
-              <a:schemeClr val="accent4">
-                <a:hueOff val="0"/>
-                <a:satOff val="0"/>
-                <a:lumOff val="0"/>
-                <a:alphaOff val="0"/>
-                <a:tint val="74000"/>
-                <a:satMod val="100000"/>
-                <a:lumMod val="104000"/>
-              </a:schemeClr>
-            </a:gs>
-            <a:gs pos="100000">
-              <a:schemeClr val="accent4">
-                <a:hueOff val="0"/>
-                <a:satOff val="0"/>
-                <a:lumOff val="0"/>
-                <a:alphaOff val="0"/>
-                <a:tint val="78000"/>
-                <a:satMod val="100000"/>
-                <a:lumMod val="100000"/>
-              </a:schemeClr>
-            </a:gs>
-          </a:gsLst>
-          <a:lin ang="5400000" scaled="0"/>
-        </a:gradFill>
-        <a:ln>
-          <a:noFill/>
-        </a:ln>
-        <a:effectLst/>
-        <a:scene3d>
-          <a:camera prst="orthographicFront"/>
-          <a:lightRig rig="flat" dir="t"/>
-        </a:scene3d>
-        <a:sp3d prstMaterial="dkEdge">
-          <a:bevelT w="8200" h="38100"/>
-        </a:sp3d>
-      </dsp:spPr>
-      <dsp:style>
-        <a:lnRef idx="0">
-          <a:scrgbClr r="0" g="0" b="0"/>
-        </a:lnRef>
-        <a:fillRef idx="2">
-          <a:scrgbClr r="0" g="0" b="0"/>
-        </a:fillRef>
-        <a:effectRef idx="1">
-          <a:scrgbClr r="0" g="0" b="0"/>
-        </a:effectRef>
-        <a:fontRef idx="minor">
-          <a:schemeClr val="dk1"/>
-        </a:fontRef>
-      </dsp:style>
-      <dsp:txBody>
-        <a:bodyPr spcFirstLastPara="0" vert="horz" wrap="square" lIns="26670" tIns="13335" rIns="0" bIns="13335" numCol="1" spcCol="1270" anchor="ctr" anchorCtr="0">
-          <a:noAutofit/>
-        </a:bodyPr>
-        <a:lstStyle/>
-        <a:p>
-          <a:pPr marL="0" lvl="0" indent="0" algn="ctr" defTabSz="933450">
-            <a:lnSpc>
-              <a:spcPct val="90000"/>
-            </a:lnSpc>
-            <a:spcBef>
-              <a:spcPct val="0"/>
-            </a:spcBef>
-            <a:spcAft>
-              <a:spcPct val="35000"/>
-            </a:spcAft>
-            <a:buNone/>
-          </a:pPr>
-          <a:r>
-            <a:rPr lang="bs-Latn-BA" sz="2100" kern="1200"/>
-            <a:t>MACHINE LEARNING</a:t>
-          </a:r>
-        </a:p>
-      </dsp:txBody>
-      <dsp:txXfrm>
-        <a:off x="1573311" y="1066626"/>
-        <a:ext cx="1401855" cy="934570"/>
-      </dsp:txXfrm>
-    </dsp:sp>
-  </dsp:spTree>
-</dsp:drawing>
-</file>
-
-<file path=ppt/diagrams/layout1.xml><?xml version="1.0" encoding="utf-8"?>
-<dgm:layoutDef xmlns:dgm="http://schemas.openxmlformats.org/drawingml/2006/diagram" xmlns:a="http://schemas.openxmlformats.org/drawingml/2006/main" uniqueId="urn:microsoft.com/office/officeart/2005/8/layout/lProcess3">
-  <dgm:title val=""/>
-  <dgm:desc val=""/>
-  <dgm:catLst>
-    <dgm:cat type="process" pri="11000"/>
-    <dgm:cat type="convert" pri="12000"/>
-  </dgm:catLst>
-  <dgm:sampData>
-    <dgm:dataModel>
-      <dgm:ptLst>
-        <dgm:pt modelId="0" type="doc"/>
-        <dgm:pt modelId="1">
-          <dgm:prSet phldr="1"/>
-        </dgm:pt>
-        <dgm:pt modelId="11">
-          <dgm:prSet phldr="1"/>
-        </dgm:pt>
-        <dgm:pt modelId="12">
-          <dgm:prSet phldr="1"/>
-        </dgm:pt>
-        <dgm:pt modelId="2">
-          <dgm:prSet phldr="1"/>
-        </dgm:pt>
-        <dgm:pt modelId="21">
-          <dgm:prSet phldr="1"/>
-        </dgm:pt>
-        <dgm:pt modelId="22">
-          <dgm:prSet phldr="1"/>
-        </dgm:pt>
-        <dgm:pt modelId="3">
-          <dgm:prSet phldr="1"/>
-        </dgm:pt>
-        <dgm:pt modelId="31">
-          <dgm:prSet phldr="1"/>
-        </dgm:pt>
-        <dgm:pt modelId="32">
-          <dgm:prSet phldr="1"/>
-        </dgm:pt>
-      </dgm:ptLst>
-      <dgm:cxnLst>
-        <dgm:cxn modelId="4" srcId="0" destId="1" srcOrd="0" destOrd="0"/>
-        <dgm:cxn modelId="5" srcId="0" destId="2" srcOrd="1" destOrd="0"/>
-        <dgm:cxn modelId="6" srcId="0" destId="3" srcOrd="2" destOrd="0"/>
-        <dgm:cxn modelId="41" srcId="1" destId="11" srcOrd="0" destOrd="0"/>
-        <dgm:cxn modelId="42" srcId="1" destId="12" srcOrd="1" destOrd="0"/>
-        <dgm:cxn modelId="51" srcId="2" destId="21" srcOrd="0" destOrd="0"/>
-        <dgm:cxn modelId="52" srcId="2" destId="22" srcOrd="1" destOrd="0"/>
-        <dgm:cxn modelId="61" srcId="3" destId="31" srcOrd="0" destOrd="0"/>
-        <dgm:cxn modelId="62" srcId="3" destId="32" srcOrd="1" destOrd="0"/>
-      </dgm:cxnLst>
-      <dgm:bg/>
-      <dgm:whole/>
-    </dgm:dataModel>
-  </dgm:sampData>
-  <dgm:styleData>
-    <dgm:dataModel>
-      <dgm:ptLst>
-        <dgm:pt modelId="0" type="doc"/>
-        <dgm:pt modelId="1"/>
-        <dgm:pt modelId="2"/>
-      </dgm:ptLst>
-      <dgm:cxnLst>
-        <dgm:cxn modelId="4" srcId="0" destId="1" srcOrd="0" destOrd="0"/>
-        <dgm:cxn modelId="5" srcId="1" destId="2" srcOrd="0" destOrd="0"/>
-      </dgm:cxnLst>
-      <dgm:bg/>
-      <dgm:whole/>
-    </dgm:dataModel>
-  </dgm:styleData>
-  <dgm:clrData>
-    <dgm:dataModel>
-      <dgm:ptLst>
-        <dgm:pt modelId="0" type="doc"/>
-        <dgm:pt modelId="1"/>
-        <dgm:pt modelId="11"/>
-        <dgm:pt modelId="2"/>
-        <dgm:pt modelId="21"/>
-        <dgm:pt modelId="3"/>
-        <dgm:pt modelId="31"/>
-        <dgm:pt modelId="4"/>
-        <dgm:pt modelId="41"/>
-      </dgm:ptLst>
-      <dgm:cxnLst>
-        <dgm:cxn modelId="5" srcId="0" destId="1" srcOrd="0" destOrd="0"/>
-        <dgm:cxn modelId="6" srcId="0" destId="2" srcOrd="1" destOrd="0"/>
-        <dgm:cxn modelId="7" srcId="0" destId="3" srcOrd="2" destOrd="0"/>
-        <dgm:cxn modelId="8" srcId="0" destId="4" srcOrd="3" destOrd="0"/>
-        <dgm:cxn modelId="51" srcId="1" destId="11" srcOrd="0" destOrd="0"/>
-        <dgm:cxn modelId="61" srcId="2" destId="21" srcOrd="0" destOrd="0"/>
-        <dgm:cxn modelId="71" srcId="3" destId="31" srcOrd="0" destOrd="0"/>
-        <dgm:cxn modelId="81" srcId="4" destId="41" srcOrd="0" destOrd="0"/>
-      </dgm:cxnLst>
-      <dgm:bg/>
-      <dgm:whole/>
-    </dgm:dataModel>
-  </dgm:clrData>
-  <dgm:layoutNode name="Name0">
-    <dgm:varLst>
-      <dgm:chPref val="3"/>
-      <dgm:dir/>
-      <dgm:animLvl val="lvl"/>
-      <dgm:resizeHandles/>
-    </dgm:varLst>
-    <dgm:choose name="Name1">
-      <dgm:if name="Name2" func="var" arg="dir" op="equ" val="norm">
-        <dgm:alg type="lin">
-          <dgm:param type="linDir" val="fromT"/>
-          <dgm:param type="vertAlign" val="mid"/>
-          <dgm:param type="nodeHorzAlign" val="l"/>
-          <dgm:param type="nodeVertAlign" val="t"/>
-          <dgm:param type="fallback" val="2D"/>
-        </dgm:alg>
-      </dgm:if>
-      <dgm:else name="Name3">
-        <dgm:alg type="lin">
-          <dgm:param type="linDir" val="fromT"/>
-          <dgm:param type="vertAlign" val="mid"/>
-          <dgm:param type="nodeHorzAlign" val="r"/>
-          <dgm:param type="nodeVertAlign" val="t"/>
-          <dgm:param type="fallback" val="2D"/>
-        </dgm:alg>
-      </dgm:else>
-    </dgm:choose>
-    <dgm:shape xmlns:r="http://schemas.openxmlformats.org/officeDocument/2006/relationships" r:blip="">
-      <dgm:adjLst/>
-    </dgm:shape>
-    <dgm:presOf/>
-    <dgm:constrLst>
-      <dgm:constr type="w" for="des" forName="bigChev" refType="w"/>
-      <dgm:constr type="h" for="des" forName="bigChev" refType="w" refFor="des" refForName="bigChev" op="equ" fact="0.4"/>
-      <dgm:constr type="w" for="des" forName="node" refType="w" refFor="des" refForName="bigChev" fact="0.83"/>
-      <dgm:constr type="h" for="des" forName="node" refType="w" refFor="des" refForName="node" op="equ" fact="0.4"/>
-      <dgm:constr type="w" for="des" forName="parTrans" refType="w" refFor="des" refForName="bigChev" op="equ" fact="-0.13"/>
-      <dgm:constr type="w" for="des" forName="sibTrans" refType="w" refFor="des" refForName="node" op="equ" fact="-0.14"/>
-      <dgm:constr type="h" for="ch" forName="vSp" refType="h" refFor="des" refForName="bigChev" op="equ" fact="0.14"/>
-      <dgm:constr type="primFontSz" for="des" forName="node" op="equ"/>
-      <dgm:constr type="primFontSz" for="des" forName="bigChev" op="equ"/>
-    </dgm:constrLst>
-    <dgm:ruleLst/>
-    <dgm:forEach name="Name4" axis="ch" ptType="node">
-      <dgm:layoutNode name="horFlow">
-        <dgm:choose name="Name5">
-          <dgm:if name="Name6" func="var" arg="dir" op="equ" val="norm">
-            <dgm:alg type="lin">
-              <dgm:param type="linDir" val="fromL"/>
-              <dgm:param type="nodeHorzAlign" val="l"/>
-              <dgm:param type="nodeVertAlign" val="mid"/>
-              <dgm:param type="fallback" val="2D"/>
-            </dgm:alg>
-          </dgm:if>
-          <dgm:else name="Name7">
-            <dgm:alg type="lin">
-              <dgm:param type="linDir" val="fromR"/>
-              <dgm:param type="nodeHorzAlign" val="r"/>
-              <dgm:param type="nodeVertAlign" val="mid"/>
-              <dgm:param type="fallback" val="2D"/>
-            </dgm:alg>
-          </dgm:else>
-        </dgm:choose>
-        <dgm:shape xmlns:r="http://schemas.openxmlformats.org/officeDocument/2006/relationships" r:blip="">
-          <dgm:adjLst/>
-        </dgm:shape>
-        <dgm:presOf/>
-        <dgm:constrLst/>
-        <dgm:ruleLst/>
-        <dgm:layoutNode name="bigChev" styleLbl="node1">
-          <dgm:alg type="tx"/>
-          <dgm:choose name="Name8">
-            <dgm:if name="Name9" func="var" arg="dir" op="equ" val="norm">
-              <dgm:shape xmlns:r="http://schemas.openxmlformats.org/officeDocument/2006/relationships" type="chevron" r:blip="">
-                <dgm:adjLst/>
-              </dgm:shape>
-              <dgm:presOf axis="self"/>
-              <dgm:constrLst>
-                <dgm:constr type="primFontSz" val="65"/>
-                <dgm:constr type="rMarg"/>
-                <dgm:constr type="lMarg" refType="primFontSz" fact="0.1"/>
-                <dgm:constr type="tMarg" refType="primFontSz" fact="0.05"/>
-                <dgm:constr type="bMarg" refType="primFontSz" fact="0.05"/>
-              </dgm:constrLst>
-            </dgm:if>
-            <dgm:else name="Name10">
-              <dgm:shape xmlns:r="http://schemas.openxmlformats.org/officeDocument/2006/relationships" rot="180" type="chevron" r:blip="">
-                <dgm:adjLst/>
-              </dgm:shape>
-              <dgm:presOf axis="self"/>
-              <dgm:constrLst>
-                <dgm:constr type="primFontSz" val="65"/>
-                <dgm:constr type="lMarg"/>
-                <dgm:constr type="rMarg" refType="primFontSz" fact="0.1"/>
-                <dgm:constr type="tMarg" refType="primFontSz" fact="0.05"/>
-                <dgm:constr type="bMarg" refType="primFontSz" fact="0.05"/>
-              </dgm:constrLst>
-            </dgm:else>
-          </dgm:choose>
-          <dgm:ruleLst>
-            <dgm:rule type="primFontSz" val="5" fact="NaN" max="NaN"/>
-          </dgm:ruleLst>
-        </dgm:layoutNode>
-        <dgm:forEach name="parTransForEach" axis="ch" ptType="parTrans" cnt="1">
-          <dgm:layoutNode name="parTrans">
-            <dgm:alg type="sp"/>
-            <dgm:shape xmlns:r="http://schemas.openxmlformats.org/officeDocument/2006/relationships" r:blip="">
-              <dgm:adjLst/>
-            </dgm:shape>
-            <dgm:presOf/>
-            <dgm:constrLst/>
-            <dgm:ruleLst/>
-          </dgm:layoutNode>
-        </dgm:forEach>
-        <dgm:forEach name="Name11" axis="ch" ptType="node">
-          <dgm:layoutNode name="node" styleLbl="alignAccFollowNode1">
-            <dgm:varLst>
-              <dgm:bulletEnabled val="1"/>
-            </dgm:varLst>
-            <dgm:alg type="tx"/>
-            <dgm:choose name="Name12">
-              <dgm:if name="Name13" func="var" arg="dir" op="equ" val="norm">
-                <dgm:shape xmlns:r="http://schemas.openxmlformats.org/officeDocument/2006/relationships" type="chevron" r:blip="">
-                  <dgm:adjLst/>
-                </dgm:shape>
-                <dgm:presOf axis="desOrSelf" ptType="node"/>
-                <dgm:constrLst>
-                  <dgm:constr type="primFontSz" val="65"/>
-                  <dgm:constr type="rMarg"/>
-                  <dgm:constr type="lMarg" refType="primFontSz" fact="0.1"/>
-                  <dgm:constr type="tMarg" refType="primFontSz" fact="0.05"/>
-                  <dgm:constr type="bMarg" refType="primFontSz" fact="0.05"/>
-                </dgm:constrLst>
-              </dgm:if>
-              <dgm:else name="Name14">
-                <dgm:shape xmlns:r="http://schemas.openxmlformats.org/officeDocument/2006/relationships" rot="180" type="chevron" r:blip="">
-                  <dgm:adjLst/>
-                </dgm:shape>
-                <dgm:presOf axis="desOrSelf" ptType="node"/>
-                <dgm:constrLst>
-                  <dgm:constr type="primFontSz" val="65"/>
-                  <dgm:constr type="lMarg"/>
-                  <dgm:constr type="rMarg" refType="primFontSz" fact="0.1"/>
-                  <dgm:constr type="tMarg" refType="primFontSz" fact="0.05"/>
-                  <dgm:constr type="bMarg" refType="primFontSz" fact="0.05"/>
-                </dgm:constrLst>
-              </dgm:else>
-            </dgm:choose>
-            <dgm:ruleLst>
-              <dgm:rule type="primFontSz" val="5" fact="NaN" max="NaN"/>
-            </dgm:ruleLst>
-          </dgm:layoutNode>
-          <dgm:forEach name="sibTransForEach" axis="followSib" ptType="sibTrans" cnt="1">
-            <dgm:layoutNode name="sibTrans">
-              <dgm:alg type="sp"/>
-              <dgm:shape xmlns:r="http://schemas.openxmlformats.org/officeDocument/2006/relationships" r:blip="">
-                <dgm:adjLst/>
-              </dgm:shape>
-              <dgm:presOf/>
-              <dgm:constrLst/>
-              <dgm:ruleLst/>
-            </dgm:layoutNode>
-          </dgm:forEach>
-        </dgm:forEach>
-      </dgm:layoutNode>
-      <dgm:choose name="Name15">
-        <dgm:if name="Name16" axis="self" ptType="node" func="revPos" op="gte" val="2">
-          <dgm:layoutNode name="vSp">
-            <dgm:alg type="sp"/>
-            <dgm:shape xmlns:r="http://schemas.openxmlformats.org/officeDocument/2006/relationships" r:blip="">
-              <dgm:adjLst/>
-            </dgm:shape>
-            <dgm:presOf/>
-            <dgm:constrLst/>
-            <dgm:ruleLst/>
-          </dgm:layoutNode>
-        </dgm:if>
-        <dgm:else name="Name17"/>
-      </dgm:choose>
-    </dgm:forEach>
-  </dgm:layoutNode>
-</dgm:layoutDef>
-</file>
-
-<file path=ppt/diagrams/quickStyle1.xml><?xml version="1.0" encoding="utf-8"?>
-<dgm:styleDef xmlns:dgm="http://schemas.openxmlformats.org/drawingml/2006/diagram" xmlns:a="http://schemas.openxmlformats.org/drawingml/2006/main" uniqueId="urn:microsoft.com/office/officeart/2005/8/quickstyle/simple3">
-  <dgm:title val=""/>
-  <dgm:desc val=""/>
-  <dgm:catLst>
-    <dgm:cat type="simple" pri="10300"/>
-  </dgm:catLst>
-  <dgm:scene3d>
-    <a:camera prst="orthographicFront"/>
-    <a:lightRig rig="threePt" dir="t"/>
-  </dgm:scene3d>
-  <dgm:styleLbl name="node0">
-    <dgm:scene3d>
-      <a:camera prst="orthographicFront"/>
-      <a:lightRig rig="flat" dir="t"/>
-    </dgm:scene3d>
-    <dgm:sp3d prstMaterial="dkEdge">
-      <a:bevelT w="8200" h="38100"/>
-    </dgm:sp3d>
-    <dgm:txPr/>
-    <dgm:style>
-      <a:lnRef idx="0">
-        <a:scrgbClr r="0" g="0" b="0"/>
-      </a:lnRef>
-      <a:fillRef idx="2">
-        <a:scrgbClr r="0" g="0" b="0"/>
-      </a:fillRef>
-      <a:effectRef idx="1">
-        <a:scrgbClr r="0" g="0" b="0"/>
-      </a:effectRef>
-      <a:fontRef idx="minor">
-        <a:schemeClr val="dk1"/>
-      </a:fontRef>
-    </dgm:style>
-  </dgm:styleLbl>
-  <dgm:styleLbl name="lnNode1">
-    <dgm:scene3d>
-      <a:camera prst="orthographicFront"/>
-      <a:lightRig rig="flat" dir="t"/>
-    </dgm:scene3d>
-    <dgm:sp3d prstMaterial="dkEdge">
-      <a:bevelT w="8200" h="38100"/>
-    </dgm:sp3d>
-    <dgm:txPr/>
-    <dgm:style>
-      <a:lnRef idx="1">
-        <a:scrgbClr r="0" g="0" b="0"/>
-      </a:lnRef>
-      <a:fillRef idx="2">
-        <a:scrgbClr r="0" g="0" b="0"/>
-      </a:fillRef>
-      <a:effectRef idx="0">
-        <a:scrgbClr r="0" g="0" b="0"/>
-      </a:effectRef>
-      <a:fontRef idx="minor">
-        <a:schemeClr val="dk1"/>
-      </a:fontRef>
-    </dgm:style>
-  </dgm:styleLbl>
-  <dgm:styleLbl name="vennNode1">
-    <dgm:scene3d>
-      <a:camera prst="orthographicFront"/>
-      <a:lightRig rig="flat" dir="t"/>
-    </dgm:scene3d>
-    <dgm:sp3d prstMaterial="dkEdge">
-      <a:bevelT w="8200" h="38100"/>
-    </dgm:sp3d>
-    <dgm:txPr/>
-    <dgm:style>
-      <a:lnRef idx="0">
-        <a:scrgbClr r="0" g="0" b="0"/>
-      </a:lnRef>
-      <a:fillRef idx="2">
-        <a:scrgbClr r="0" g="0" b="0"/>
-      </a:fillRef>
-      <a:effectRef idx="0">
-        <a:scrgbClr r="0" g="0" b="0"/>
-      </a:effectRef>
-      <a:fontRef idx="minor">
-        <a:schemeClr val="tx1"/>
-      </a:fontRef>
-    </dgm:style>
-  </dgm:styleLbl>
-  <dgm:styleLbl name="alignNode1">
-    <dgm:scene3d>
-      <a:camera prst="orthographicFront"/>
-      <a:lightRig rig="threePt" dir="t"/>
-    </dgm:scene3d>
-    <dgm:sp3d/>
-    <dgm:txPr/>
-    <dgm:style>
-      <a:lnRef idx="1">
-        <a:scrgbClr r="0" g="0" b="0"/>
-      </a:lnRef>
-      <a:fillRef idx="2">
-        <a:scrgbClr r="0" g="0" b="0"/>
-      </a:fillRef>
-      <a:effectRef idx="1">
-        <a:scrgbClr r="0" g="0" b="0"/>
-      </a:effectRef>
-      <a:fontRef idx="minor">
-        <a:schemeClr val="dk1"/>
-      </a:fontRef>
-    </dgm:style>
-  </dgm:styleLbl>
-  <dgm:styleLbl name="node1">
-    <dgm:scene3d>
-      <a:camera prst="orthographicFront"/>
-      <a:lightRig rig="flat" dir="t"/>
-    </dgm:scene3d>
-    <dgm:sp3d prstMaterial="dkEdge">
-      <a:bevelT w="8200" h="38100"/>
-    </dgm:sp3d>
-    <dgm:txPr/>
-    <dgm:style>
-      <a:lnRef idx="0">
-        <a:scrgbClr r="0" g="0" b="0"/>
-      </a:lnRef>
-      <a:fillRef idx="2">
-        <a:scrgbClr r="0" g="0" b="0"/>
-      </a:fillRef>
-      <a:effectRef idx="1">
-        <a:scrgbClr r="0" g="0" b="0"/>
-      </a:effectRef>
-      <a:fontRef idx="minor">
-        <a:schemeClr val="dk1"/>
-      </a:fontRef>
-    </dgm:style>
-  </dgm:styleLbl>
-  <dgm:styleLbl name="node2">
-    <dgm:scene3d>
-      <a:camera prst="orthographicFront"/>
-      <a:lightRig rig="flat" dir="t"/>
-    </dgm:scene3d>
-    <dgm:sp3d prstMaterial="dkEdge">
-      <a:bevelT w="8200" h="38100"/>
-    </dgm:sp3d>
-    <dgm:txPr/>
-    <dgm:style>
-      <a:lnRef idx="0">
-        <a:scrgbClr r="0" g="0" b="0"/>
-      </a:lnRef>
-      <a:fillRef idx="2">
-        <a:scrgbClr r="0" g="0" b="0"/>
-      </a:fillRef>
-      <a:effectRef idx="1">
-        <a:scrgbClr r="0" g="0" b="0"/>
-      </a:effectRef>
-      <a:fontRef idx="minor">
-        <a:schemeClr val="dk1"/>
-      </a:fontRef>
-    </dgm:style>
-  </dgm:styleLbl>
-  <dgm:styleLbl name="node3">
-    <dgm:scene3d>
-      <a:camera prst="orthographicFront"/>
-      <a:lightRig rig="flat" dir="t"/>
-    </dgm:scene3d>
-    <dgm:sp3d prstMaterial="dkEdge">
-      <a:bevelT w="8200" h="38100"/>
-    </dgm:sp3d>
-    <dgm:txPr/>
-    <dgm:style>
-      <a:lnRef idx="0">
-        <a:scrgbClr r="0" g="0" b="0"/>
-      </a:lnRef>
-      <a:fillRef idx="2">
-        <a:scrgbClr r="0" g="0" b="0"/>
-      </a:fillRef>
-      <a:effectRef idx="1">
-        <a:scrgbClr r="0" g="0" b="0"/>
-      </a:effectRef>
-      <a:fontRef idx="minor">
-        <a:schemeClr val="dk1"/>
-      </a:fontRef>
-    </dgm:style>
-  </dgm:styleLbl>
-  <dgm:styleLbl name="node4">
-    <dgm:scene3d>
-      <a:camera prst="orthographicFront"/>
-      <a:lightRig rig="flat" dir="t"/>
-    </dgm:scene3d>
-    <dgm:sp3d prstMaterial="dkEdge">
-      <a:bevelT w="8200" h="38100"/>
-    </dgm:sp3d>
-    <dgm:txPr/>
-    <dgm:style>
-      <a:lnRef idx="0">
-        <a:scrgbClr r="0" g="0" b="0"/>
-      </a:lnRef>
-      <a:fillRef idx="2">
-        <a:scrgbClr r="0" g="0" b="0"/>
-      </a:fillRef>
-      <a:effectRef idx="1">
-        <a:scrgbClr r="0" g="0" b="0"/>
-      </a:effectRef>
-      <a:fontRef idx="minor">
-        <a:schemeClr val="dk1"/>
-      </a:fontRef>
-    </dgm:style>
-  </dgm:styleLbl>
-  <dgm:styleLbl name="fgImgPlace1">
-    <dgm:scene3d>
-      <a:camera prst="orthographicFront"/>
-      <a:lightRig rig="threePt" dir="t"/>
-    </dgm:scene3d>
-    <dgm:sp3d/>
-    <dgm:txPr/>
-    <dgm:style>
-      <a:lnRef idx="1">
-        <a:scrgbClr r="0" g="0" b="0"/>
-      </a:lnRef>
-      <a:fillRef idx="1">
-        <a:scrgbClr r="0" g="0" b="0"/>
-      </a:fillRef>
-      <a:effectRef idx="1">
-        <a:scrgbClr r="0" g="0" b="0"/>
-      </a:effectRef>
-      <a:fontRef idx="minor"/>
-    </dgm:style>
-  </dgm:styleLbl>
-  <dgm:styleLbl name="alignImgPlace1">
-    <dgm:scene3d>
-      <a:camera prst="orthographicFront"/>
-      <a:lightRig rig="threePt" dir="t"/>
-    </dgm:scene3d>
-    <dgm:sp3d/>
-    <dgm:txPr/>
-    <dgm:style>
-      <a:lnRef idx="1">
-        <a:scrgbClr r="0" g="0" b="0"/>
-      </a:lnRef>
-      <a:fillRef idx="1">
-        <a:scrgbClr r="0" g="0" b="0"/>
-      </a:fillRef>
-      <a:effectRef idx="1">
-        <a:scrgbClr r="0" g="0" b="0"/>
-      </a:effectRef>
-      <a:fontRef idx="minor"/>
-    </dgm:style>
-  </dgm:styleLbl>
-  <dgm:styleLbl name="bgImgPlace1">
-    <dgm:scene3d>
-      <a:camera prst="orthographicFront"/>
-      <a:lightRig rig="threePt" dir="t"/>
-    </dgm:scene3d>
-    <dgm:sp3d/>
-    <dgm:txPr/>
-    <dgm:style>
-      <a:lnRef idx="1">
-        <a:scrgbClr r="0" g="0" b="0"/>
-      </a:lnRef>
-      <a:fillRef idx="1">
-        <a:scrgbClr r="0" g="0" b="0"/>
-      </a:fillRef>
-      <a:effectRef idx="1">
-        <a:scrgbClr r="0" g="0" b="0"/>
-      </a:effectRef>
-      <a:fontRef idx="minor"/>
-    </dgm:style>
-  </dgm:styleLbl>
-  <dgm:styleLbl name="sibTrans2D1">
-    <dgm:scene3d>
-      <a:camera prst="orthographicFront"/>
-      <a:lightRig rig="threePt" dir="t"/>
-    </dgm:scene3d>
-    <dgm:sp3d/>
-    <dgm:txPr/>
-    <dgm:style>
-      <a:lnRef idx="0">
-        <a:scrgbClr r="0" g="0" b="0"/>
-      </a:lnRef>
-      <a:fillRef idx="2">
-        <a:scrgbClr r="0" g="0" b="0"/>
-      </a:fillRef>
-      <a:effectRef idx="1">
-        <a:scrgbClr r="0" g="0" b="0"/>
-      </a:effectRef>
-      <a:fontRef idx="minor">
-        <a:schemeClr val="dk1"/>
-      </a:fontRef>
-    </dgm:style>
-  </dgm:styleLbl>
-  <dgm:styleLbl name="fgSibTrans2D1">
-    <dgm:scene3d>
-      <a:camera prst="orthographicFront"/>
-      <a:lightRig rig="threePt" dir="t"/>
-    </dgm:scene3d>
-    <dgm:sp3d/>
-    <dgm:txPr/>
-    <dgm:style>
-      <a:lnRef idx="0">
-        <a:scrgbClr r="0" g="0" b="0"/>
-      </a:lnRef>
-      <a:fillRef idx="2">
-        <a:scrgbClr r="0" g="0" b="0"/>
-      </a:fillRef>
-      <a:effectRef idx="1">
-        <a:scrgbClr r="0" g="0" b="0"/>
-      </a:effectRef>
-      <a:fontRef idx="minor">
-        <a:schemeClr val="dk1"/>
-      </a:fontRef>
-    </dgm:style>
-  </dgm:styleLbl>
-  <dgm:styleLbl name="bgSibTrans2D1">
-    <dgm:scene3d>
-      <a:camera prst="orthographicFront"/>
-      <a:lightRig rig="threePt" dir="t"/>
-    </dgm:scene3d>
-    <dgm:sp3d/>
-    <dgm:txPr/>
-    <dgm:style>
-      <a:lnRef idx="0">
-        <a:scrgbClr r="0" g="0" b="0"/>
-      </a:lnRef>
-      <a:fillRef idx="2">
-        <a:scrgbClr r="0" g="0" b="0"/>
-      </a:fillRef>
-      <a:effectRef idx="1">
-        <a:scrgbClr r="0" g="0" b="0"/>
-      </a:effectRef>
-      <a:fontRef idx="minor">
-        <a:schemeClr val="dk1"/>
-      </a:fontRef>
-    </dgm:style>
-  </dgm:styleLbl>
-  <dgm:styleLbl name="sibTrans1D1">
-    <dgm:scene3d>
-      <a:camera prst="orthographicFront"/>
-      <a:lightRig rig="threePt" dir="t"/>
-    </dgm:scene3d>
-    <dgm:sp3d/>
-    <dgm:txPr/>
-    <dgm:style>
-      <a:lnRef idx="1">
-        <a:scrgbClr r="0" g="0" b="0"/>
-      </a:lnRef>
-      <a:fillRef idx="0">
-        <a:scrgbClr r="0" g="0" b="0"/>
-      </a:fillRef>
-      <a:effectRef idx="0">
-        <a:scrgbClr r="0" g="0" b="0"/>
-      </a:effectRef>
-      <a:fontRef idx="minor"/>
-    </dgm:style>
-  </dgm:styleLbl>
-  <dgm:styleLbl name="callout">
-    <dgm:scene3d>
-      <a:camera prst="orthographicFront"/>
-      <a:lightRig rig="threePt" dir="t"/>
-    </dgm:scene3d>
-    <dgm:sp3d/>
-    <dgm:txPr/>
-    <dgm:style>
-      <a:lnRef idx="1">
-        <a:scrgbClr r="0" g="0" b="0"/>
-      </a:lnRef>
-      <a:fillRef idx="2">
-        <a:scrgbClr r="0" g="0" b="0"/>
-      </a:fillRef>
-      <a:effectRef idx="1">
-        <a:scrgbClr r="0" g="0" b="0"/>
-      </a:effectRef>
-      <a:fontRef idx="minor"/>
-    </dgm:style>
-  </dgm:styleLbl>
-  <dgm:styleLbl name="asst0">
-    <dgm:scene3d>
-      <a:camera prst="orthographicFront"/>
-      <a:lightRig rig="flat" dir="t"/>
-    </dgm:scene3d>
-    <dgm:sp3d prstMaterial="dkEdge">
-      <a:bevelT w="8200" h="38100"/>
-    </dgm:sp3d>
-    <dgm:txPr/>
-    <dgm:style>
-      <a:lnRef idx="0">
-        <a:scrgbClr r="0" g="0" b="0"/>
-      </a:lnRef>
-      <a:fillRef idx="2">
-        <a:scrgbClr r="0" g="0" b="0"/>
-      </a:fillRef>
-      <a:effectRef idx="1">
-        <a:scrgbClr r="0" g="0" b="0"/>
-      </a:effectRef>
-      <a:fontRef idx="minor">
-        <a:schemeClr val="dk1"/>
-      </a:fontRef>
-    </dgm:style>
-  </dgm:styleLbl>
-  <dgm:styleLbl name="asst1">
-    <dgm:scene3d>
-      <a:camera prst="orthographicFront"/>
-      <a:lightRig rig="flat" dir="t"/>
-    </dgm:scene3d>
-    <dgm:sp3d prstMaterial="dkEdge">
-      <a:bevelT w="8200" h="38100"/>
-    </dgm:sp3d>
-    <dgm:txPr/>
-    <dgm:style>
-      <a:lnRef idx="0">
-        <a:scrgbClr r="0" g="0" b="0"/>
-      </a:lnRef>
-      <a:fillRef idx="2">
-        <a:scrgbClr r="0" g="0" b="0"/>
-      </a:fillRef>
-      <a:effectRef idx="1">
-        <a:scrgbClr r="0" g="0" b="0"/>
-      </a:effectRef>
-      <a:fontRef idx="minor">
-        <a:schemeClr val="dk1"/>
-      </a:fontRef>
-    </dgm:style>
-  </dgm:styleLbl>
-  <dgm:styleLbl name="asst2">
-    <dgm:scene3d>
-      <a:camera prst="orthographicFront"/>
-      <a:lightRig rig="flat" dir="t"/>
-    </dgm:scene3d>
-    <dgm:sp3d prstMaterial="dkEdge">
-      <a:bevelT w="8200" h="38100"/>
-    </dgm:sp3d>
-    <dgm:txPr/>
-    <dgm:style>
-      <a:lnRef idx="0">
-        <a:scrgbClr r="0" g="0" b="0"/>
-      </a:lnRef>
-      <a:fillRef idx="2">
-        <a:scrgbClr r="0" g="0" b="0"/>
-      </a:fillRef>
-      <a:effectRef idx="1">
-        <a:scrgbClr r="0" g="0" b="0"/>
-      </a:effectRef>
-      <a:fontRef idx="minor">
-        <a:schemeClr val="dk1"/>
-      </a:fontRef>
-    </dgm:style>
-  </dgm:styleLbl>
-  <dgm:styleLbl name="asst3">
-    <dgm:scene3d>
-      <a:camera prst="orthographicFront"/>
-      <a:lightRig rig="flat" dir="t"/>
-    </dgm:scene3d>
-    <dgm:sp3d prstMaterial="dkEdge">
-      <a:bevelT w="8200" h="38100"/>
-    </dgm:sp3d>
-    <dgm:txPr/>
-    <dgm:style>
-      <a:lnRef idx="0">
-        <a:scrgbClr r="0" g="0" b="0"/>
-      </a:lnRef>
-      <a:fillRef idx="2">
-        <a:scrgbClr r="0" g="0" b="0"/>
-      </a:fillRef>
-      <a:effectRef idx="1">
-        <a:scrgbClr r="0" g="0" b="0"/>
-      </a:effectRef>
-      <a:fontRef idx="minor">
-        <a:schemeClr val="dk1"/>
-      </a:fontRef>
-    </dgm:style>
-  </dgm:styleLbl>
-  <dgm:styleLbl name="asst4">
-    <dgm:scene3d>
-      <a:camera prst="orthographicFront"/>
-      <a:lightRig rig="flat" dir="t"/>
-    </dgm:scene3d>
-    <dgm:sp3d prstMaterial="dkEdge">
-      <a:bevelT w="8200" h="38100"/>
-    </dgm:sp3d>
-    <dgm:txPr/>
-    <dgm:style>
-      <a:lnRef idx="0">
-        <a:scrgbClr r="0" g="0" b="0"/>
-      </a:lnRef>
-      <a:fillRef idx="2">
-        <a:scrgbClr r="0" g="0" b="0"/>
-      </a:fillRef>
-      <a:effectRef idx="1">
-        <a:scrgbClr r="0" g="0" b="0"/>
-      </a:effectRef>
-      <a:fontRef idx="minor">
-        <a:schemeClr val="dk1"/>
-      </a:fontRef>
-    </dgm:style>
-  </dgm:styleLbl>
-  <dgm:styleLbl name="parChTrans2D1">
-    <dgm:scene3d>
-      <a:camera prst="orthographicFront"/>
-      <a:lightRig rig="threePt" dir="t"/>
-    </dgm:scene3d>
-    <dgm:sp3d/>
-    <dgm:txPr/>
-    <dgm:style>
-      <a:lnRef idx="1">
-        <a:scrgbClr r="0" g="0" b="0"/>
-      </a:lnRef>
-      <a:fillRef idx="2">
-        <a:scrgbClr r="0" g="0" b="0"/>
-      </a:fillRef>
-      <a:effectRef idx="1">
-        <a:scrgbClr r="0" g="0" b="0"/>
-      </a:effectRef>
-      <a:fontRef idx="minor">
-        <a:schemeClr val="dk1"/>
-      </a:fontRef>
-    </dgm:style>
-  </dgm:styleLbl>
-  <dgm:styleLbl name="parChTrans2D2">
-    <dgm:scene3d>
-      <a:camera prst="orthographicFront"/>
-      <a:lightRig rig="threePt" dir="t"/>
-    </dgm:scene3d>
-    <dgm:sp3d/>
-    <dgm:txPr/>
-    <dgm:style>
-      <a:lnRef idx="1">
-        <a:scrgbClr r="0" g="0" b="0"/>
-      </a:lnRef>
-      <a:fillRef idx="2">
-        <a:scrgbClr r="0" g="0" b="0"/>
-      </a:fillRef>
-      <a:effectRef idx="1">
-        <a:scrgbClr r="0" g="0" b="0"/>
-      </a:effectRef>
-      <a:fontRef idx="minor">
-        <a:schemeClr val="dk1"/>
-      </a:fontRef>
-    </dgm:style>
-  </dgm:styleLbl>
-  <dgm:styleLbl name="parChTrans2D3">
-    <dgm:scene3d>
-      <a:camera prst="orthographicFront"/>
-      <a:lightRig rig="threePt" dir="t"/>
-    </dgm:scene3d>
-    <dgm:sp3d/>
-    <dgm:txPr/>
-    <dgm:style>
-      <a:lnRef idx="1">
-        <a:scrgbClr r="0" g="0" b="0"/>
-      </a:lnRef>
-      <a:fillRef idx="2">
-        <a:scrgbClr r="0" g="0" b="0"/>
-      </a:fillRef>
-      <a:effectRef idx="1">
-        <a:scrgbClr r="0" g="0" b="0"/>
-      </a:effectRef>
-      <a:fontRef idx="minor">
-        <a:schemeClr val="dk1"/>
-      </a:fontRef>
-    </dgm:style>
-  </dgm:styleLbl>
-  <dgm:styleLbl name="parChTrans2D4">
-    <dgm:scene3d>
-      <a:camera prst="orthographicFront"/>
-      <a:lightRig rig="threePt" dir="t"/>
-    </dgm:scene3d>
-    <dgm:sp3d/>
-    <dgm:txPr/>
-    <dgm:style>
-      <a:lnRef idx="1">
-        <a:scrgbClr r="0" g="0" b="0"/>
-      </a:lnRef>
-      <a:fillRef idx="2">
-        <a:scrgbClr r="0" g="0" b="0"/>
-      </a:fillRef>
-      <a:effectRef idx="1">
-        <a:scrgbClr r="0" g="0" b="0"/>
-      </a:effectRef>
-      <a:fontRef idx="minor">
-        <a:schemeClr val="dk1"/>
-      </a:fontRef>
-    </dgm:style>
-  </dgm:styleLbl>
-  <dgm:styleLbl name="parChTrans1D1">
-    <dgm:scene3d>
-      <a:camera prst="orthographicFront"/>
-      <a:lightRig rig="threePt" dir="t"/>
-    </dgm:scene3d>
-    <dgm:sp3d/>
-    <dgm:txPr/>
-    <dgm:style>
-      <a:lnRef idx="2">
-        <a:scrgbClr r="0" g="0" b="0"/>
-      </a:lnRef>
-      <a:fillRef idx="0">
-        <a:scrgbClr r="0" g="0" b="0"/>
-      </a:fillRef>
-      <a:effectRef idx="0">
-        <a:scrgbClr r="0" g="0" b="0"/>
-      </a:effectRef>
-      <a:fontRef idx="minor"/>
-    </dgm:style>
-  </dgm:styleLbl>
-  <dgm:styleLbl name="parChTrans1D2">
-    <dgm:scene3d>
-      <a:camera prst="orthographicFront"/>
-      <a:lightRig rig="threePt" dir="t"/>
-    </dgm:scene3d>
-    <dgm:sp3d/>
-    <dgm:txPr/>
-    <dgm:style>
-      <a:lnRef idx="2">
-        <a:scrgbClr r="0" g="0" b="0"/>
-      </a:lnRef>
-      <a:fillRef idx="0">
-        <a:scrgbClr r="0" g="0" b="0"/>
-      </a:fillRef>
-      <a:effectRef idx="0">
-        <a:scrgbClr r="0" g="0" b="0"/>
-      </a:effectRef>
-      <a:fontRef idx="minor"/>
-    </dgm:style>
-  </dgm:styleLbl>
-  <dgm:styleLbl name="parChTrans1D3">
-    <dgm:scene3d>
-      <a:camera prst="orthographicFront"/>
-      <a:lightRig rig="threePt" dir="t"/>
-    </dgm:scene3d>
-    <dgm:sp3d/>
-    <dgm:txPr/>
-    <dgm:style>
-      <a:lnRef idx="2">
-        <a:scrgbClr r="0" g="0" b="0"/>
-      </a:lnRef>
-      <a:fillRef idx="0">
-        <a:scrgbClr r="0" g="0" b="0"/>
-      </a:fillRef>
-      <a:effectRef idx="0">
-        <a:scrgbClr r="0" g="0" b="0"/>
-      </a:effectRef>
-      <a:fontRef idx="minor"/>
-    </dgm:style>
-  </dgm:styleLbl>
-  <dgm:styleLbl name="parChTrans1D4">
-    <dgm:scene3d>
-      <a:camera prst="orthographicFront"/>
-      <a:lightRig rig="threePt" dir="t"/>
-    </dgm:scene3d>
-    <dgm:sp3d/>
-    <dgm:txPr/>
-    <dgm:style>
-      <a:lnRef idx="2">
-        <a:scrgbClr r="0" g="0" b="0"/>
-      </a:lnRef>
-      <a:fillRef idx="0">
-        <a:scrgbClr r="0" g="0" b="0"/>
-      </a:fillRef>
-      <a:effectRef idx="0">
-        <a:scrgbClr r="0" g="0" b="0"/>
-      </a:effectRef>
-      <a:fontRef idx="minor"/>
-    </dgm:style>
-  </dgm:styleLbl>
-  <dgm:styleLbl name="fgAcc1">
-    <dgm:scene3d>
-      <a:camera prst="orthographicFront"/>
-      <a:lightRig rig="threePt" dir="t"/>
-    </dgm:scene3d>
-    <dgm:sp3d/>
-    <dgm:txPr/>
-    <dgm:style>
-      <a:lnRef idx="1">
-        <a:scrgbClr r="0" g="0" b="0"/>
-      </a:lnRef>
-      <a:fillRef idx="1">
-        <a:scrgbClr r="0" g="0" b="0"/>
-      </a:fillRef>
-      <a:effectRef idx="0">
-        <a:scrgbClr r="0" g="0" b="0"/>
-      </a:effectRef>
-      <a:fontRef idx="minor"/>
-    </dgm:style>
-  </dgm:styleLbl>
-  <dgm:styleLbl name="conFgAcc1">
-    <dgm:scene3d>
-      <a:camera prst="orthographicFront"/>
-      <a:lightRig rig="threePt" dir="t"/>
-    </dgm:scene3d>
-    <dgm:sp3d/>
-    <dgm:txPr/>
-    <dgm:style>
-      <a:lnRef idx="1">
-        <a:scrgbClr r="0" g="0" b="0"/>
-      </a:lnRef>
-      <a:fillRef idx="1">
-        <a:scrgbClr r="0" g="0" b="0"/>
-      </a:fillRef>
-      <a:effectRef idx="0">
-        <a:scrgbClr r="0" g="0" b="0"/>
-      </a:effectRef>
-      <a:fontRef idx="minor"/>
-    </dgm:style>
-  </dgm:styleLbl>
-  <dgm:styleLbl name="alignAcc1">
-    <dgm:scene3d>
-      <a:camera prst="orthographicFront"/>
-      <a:lightRig rig="threePt" dir="t"/>
-    </dgm:scene3d>
-    <dgm:sp3d/>
-    <dgm:txPr/>
-    <dgm:style>
-      <a:lnRef idx="1">
-        <a:scrgbClr r="0" g="0" b="0"/>
-      </a:lnRef>
-      <a:fillRef idx="1">
-        <a:scrgbClr r="0" g="0" b="0"/>
-      </a:fillRef>
-      <a:effectRef idx="0">
-        <a:scrgbClr r="0" g="0" b="0"/>
-      </a:effectRef>
-      <a:fontRef idx="minor"/>
-    </dgm:style>
-  </dgm:styleLbl>
-  <dgm:styleLbl name="trAlignAcc1">
-    <dgm:scene3d>
-      <a:camera prst="orthographicFront"/>
-      <a:lightRig rig="threePt" dir="t"/>
-    </dgm:scene3d>
-    <dgm:sp3d/>
-    <dgm:txPr/>
-    <dgm:style>
-      <a:lnRef idx="1">
-        <a:scrgbClr r="0" g="0" b="0"/>
-      </a:lnRef>
-      <a:fillRef idx="1">
-        <a:scrgbClr r="0" g="0" b="0"/>
-      </a:fillRef>
-      <a:effectRef idx="0">
-        <a:scrgbClr r="0" g="0" b="0"/>
-      </a:effectRef>
-      <a:fontRef idx="minor"/>
-    </dgm:style>
-  </dgm:styleLbl>
-  <dgm:styleLbl name="bgAcc1">
-    <dgm:scene3d>
-      <a:camera prst="orthographicFront"/>
-      <a:lightRig rig="threePt" dir="t"/>
-    </dgm:scene3d>
-    <dgm:sp3d/>
-    <dgm:txPr/>
-    <dgm:style>
-      <a:lnRef idx="1">
-        <a:scrgbClr r="0" g="0" b="0"/>
-      </a:lnRef>
-      <a:fillRef idx="1">
-        <a:scrgbClr r="0" g="0" b="0"/>
-      </a:fillRef>
-      <a:effectRef idx="0">
-        <a:scrgbClr r="0" g="0" b="0"/>
-      </a:effectRef>
-      <a:fontRef idx="minor"/>
-    </dgm:style>
-  </dgm:styleLbl>
-  <dgm:styleLbl name="solidFgAcc1">
-    <dgm:scene3d>
-      <a:camera prst="orthographicFront"/>
-      <a:lightRig rig="threePt" dir="t"/>
-    </dgm:scene3d>
-    <dgm:sp3d/>
-    <dgm:txPr/>
-    <dgm:style>
-      <a:lnRef idx="1">
-        <a:scrgbClr r="0" g="0" b="0"/>
-      </a:lnRef>
-      <a:fillRef idx="2">
-        <a:scrgbClr r="0" g="0" b="0"/>
-      </a:fillRef>
-      <a:effectRef idx="0">
-        <a:scrgbClr r="0" g="0" b="0"/>
-      </a:effectRef>
-      <a:fontRef idx="minor"/>
-    </dgm:style>
-  </dgm:styleLbl>
-  <dgm:styleLbl name="solidAlignAcc1">
-    <dgm:scene3d>
-      <a:camera prst="orthographicFront"/>
-      <a:lightRig rig="threePt" dir="t"/>
-    </dgm:scene3d>
-    <dgm:sp3d/>
-    <dgm:txPr/>
-    <dgm:style>
-      <a:lnRef idx="1">
-        <a:scrgbClr r="0" g="0" b="0"/>
-      </a:lnRef>
-      <a:fillRef idx="1">
-        <a:scrgbClr r="0" g="0" b="0"/>
-      </a:fillRef>
-      <a:effectRef idx="0">
-        <a:scrgbClr r="0" g="0" b="0"/>
-      </a:effectRef>
-      <a:fontRef idx="minor"/>
-    </dgm:style>
-  </dgm:styleLbl>
-  <dgm:styleLbl name="solidBgAcc1">
-    <dgm:scene3d>
-      <a:camera prst="orthographicFront"/>
-      <a:lightRig rig="threePt" dir="t"/>
-    </dgm:scene3d>
-    <dgm:sp3d/>
-    <dgm:txPr/>
-    <dgm:style>
-      <a:lnRef idx="1">
-        <a:scrgbClr r="0" g="0" b="0"/>
-      </a:lnRef>
-      <a:fillRef idx="1">
-        <a:scrgbClr r="0" g="0" b="0"/>
-      </a:fillRef>
-      <a:effectRef idx="0">
-        <a:scrgbClr r="0" g="0" b="0"/>
-      </a:effectRef>
-      <a:fontRef idx="minor"/>
-    </dgm:style>
-  </dgm:styleLbl>
-  <dgm:styleLbl name="fgAccFollowNode1">
-    <dgm:scene3d>
-      <a:camera prst="orthographicFront"/>
-      <a:lightRig rig="threePt" dir="t"/>
-    </dgm:scene3d>
-    <dgm:sp3d/>
-    <dgm:txPr/>
-    <dgm:style>
-      <a:lnRef idx="1">
-        <a:scrgbClr r="0" g="0" b="0"/>
-      </a:lnRef>
-      <a:fillRef idx="1">
-        <a:scrgbClr r="0" g="0" b="0"/>
-      </a:fillRef>
-      <a:effectRef idx="0">
-        <a:scrgbClr r="0" g="0" b="0"/>
-      </a:effectRef>
-      <a:fontRef idx="minor"/>
-    </dgm:style>
-  </dgm:styleLbl>
-  <dgm:styleLbl name="alignAccFollowNode1">
-    <dgm:scene3d>
-      <a:camera prst="orthographicFront"/>
-      <a:lightRig rig="threePt" dir="t"/>
-    </dgm:scene3d>
-    <dgm:sp3d/>
-    <dgm:txPr/>
-    <dgm:style>
-      <a:lnRef idx="1">
-        <a:scrgbClr r="0" g="0" b="0"/>
-      </a:lnRef>
-      <a:fillRef idx="1">
-        <a:scrgbClr r="0" g="0" b="0"/>
-      </a:fillRef>
-      <a:effectRef idx="0">
-        <a:scrgbClr r="0" g="0" b="0"/>
-      </a:effectRef>
-      <a:fontRef idx="minor"/>
-    </dgm:style>
-  </dgm:styleLbl>
-  <dgm:styleLbl name="bgAccFollowNode1">
-    <dgm:scene3d>
-      <a:camera prst="orthographicFront"/>
-      <a:lightRig rig="threePt" dir="t"/>
-    </dgm:scene3d>
-    <dgm:sp3d/>
-    <dgm:txPr/>
-    <dgm:style>
-      <a:lnRef idx="1">
-        <a:scrgbClr r="0" g="0" b="0"/>
-      </a:lnRef>
-      <a:fillRef idx="1">
-        <a:scrgbClr r="0" g="0" b="0"/>
-      </a:fillRef>
-      <a:effectRef idx="0">
-        <a:scrgbClr r="0" g="0" b="0"/>
-      </a:effectRef>
-      <a:fontRef idx="minor"/>
-    </dgm:style>
-  </dgm:styleLbl>
-  <dgm:styleLbl name="fgAcc0">
-    <dgm:scene3d>
-      <a:camera prst="orthographicFront"/>
-      <a:lightRig rig="threePt" dir="t"/>
-    </dgm:scene3d>
-    <dgm:sp3d/>
-    <dgm:txPr/>
-    <dgm:style>
-      <a:lnRef idx="1">
-        <a:scrgbClr r="0" g="0" b="0"/>
-      </a:lnRef>
-      <a:fillRef idx="1">
-        <a:scrgbClr r="0" g="0" b="0"/>
-      </a:fillRef>
-      <a:effectRef idx="0">
-        <a:scrgbClr r="0" g="0" b="0"/>
-      </a:effectRef>
-      <a:fontRef idx="minor"/>
-    </dgm:style>
-  </dgm:styleLbl>
-  <dgm:styleLbl name="fgAcc2">
-    <dgm:scene3d>
-      <a:camera prst="orthographicFront"/>
-      <a:lightRig rig="threePt" dir="t"/>
-    </dgm:scene3d>
-    <dgm:sp3d/>
-    <dgm:txPr/>
-    <dgm:style>
-      <a:lnRef idx="1">
-        <a:scrgbClr r="0" g="0" b="0"/>
-      </a:lnRef>
-      <a:fillRef idx="1">
-        <a:scrgbClr r="0" g="0" b="0"/>
-      </a:fillRef>
-      <a:effectRef idx="0">
-        <a:scrgbClr r="0" g="0" b="0"/>
-      </a:effectRef>
-      <a:fontRef idx="minor"/>
-    </dgm:style>
-  </dgm:styleLbl>
-  <dgm:styleLbl name="fgAcc3">
-    <dgm:scene3d>
-      <a:camera prst="orthographicFront"/>
-      <a:lightRig rig="threePt" dir="t"/>
-    </dgm:scene3d>
-    <dgm:sp3d/>
-    <dgm:txPr/>
-    <dgm:style>
-      <a:lnRef idx="1">
-        <a:scrgbClr r="0" g="0" b="0"/>
-      </a:lnRef>
-      <a:fillRef idx="1">
-        <a:scrgbClr r="0" g="0" b="0"/>
-      </a:fillRef>
-      <a:effectRef idx="0">
-        <a:scrgbClr r="0" g="0" b="0"/>
-      </a:effectRef>
-      <a:fontRef idx="minor"/>
-    </dgm:style>
-  </dgm:styleLbl>
-  <dgm:styleLbl name="fgAcc4">
-    <dgm:scene3d>
-      <a:camera prst="orthographicFront"/>
-      <a:lightRig rig="threePt" dir="t"/>
-    </dgm:scene3d>
-    <dgm:sp3d/>
-    <dgm:txPr/>
-    <dgm:style>
-      <a:lnRef idx="1">
-        <a:scrgbClr r="0" g="0" b="0"/>
-      </a:lnRef>
-      <a:fillRef idx="1">
-        <a:scrgbClr r="0" g="0" b="0"/>
-      </a:fillRef>
-      <a:effectRef idx="0">
-        <a:scrgbClr r="0" g="0" b="0"/>
-      </a:effectRef>
-      <a:fontRef idx="minor"/>
-    </dgm:style>
-  </dgm:styleLbl>
-  <dgm:styleLbl name="bgShp">
-    <dgm:scene3d>
-      <a:camera prst="orthographicFront"/>
-      <a:lightRig rig="threePt" dir="t"/>
-    </dgm:scene3d>
-    <dgm:sp3d/>
-    <dgm:txPr/>
-    <dgm:style>
-      <a:lnRef idx="0">
-        <a:scrgbClr r="0" g="0" b="0"/>
-      </a:lnRef>
-      <a:fillRef idx="1">
-        <a:scrgbClr r="0" g="0" b="0"/>
-      </a:fillRef>
-      <a:effectRef idx="1">
-        <a:scrgbClr r="0" g="0" b="0"/>
-      </a:effectRef>
-      <a:fontRef idx="minor"/>
-    </dgm:style>
-  </dgm:styleLbl>
-  <dgm:styleLbl name="dkBgShp">
-    <dgm:scene3d>
-      <a:camera prst="orthographicFront"/>
-      <a:lightRig rig="threePt" dir="t"/>
-    </dgm:scene3d>
-    <dgm:sp3d/>
-    <dgm:txPr/>
-    <dgm:style>
-      <a:lnRef idx="0">
-        <a:scrgbClr r="0" g="0" b="0"/>
-      </a:lnRef>
-      <a:fillRef idx="1">
-        <a:scrgbClr r="0" g="0" b="0"/>
-      </a:fillRef>
-      <a:effectRef idx="1">
-        <a:scrgbClr r="0" g="0" b="0"/>
-      </a:effectRef>
-      <a:fontRef idx="minor"/>
-    </dgm:style>
-  </dgm:styleLbl>
-  <dgm:styleLbl name="trBgShp">
-    <dgm:scene3d>
-      <a:camera prst="orthographicFront"/>
-      <a:lightRig rig="threePt" dir="t"/>
-    </dgm:scene3d>
-    <dgm:sp3d/>
-    <dgm:txPr/>
-    <dgm:style>
-      <a:lnRef idx="0">
-        <a:scrgbClr r="0" g="0" b="0"/>
-      </a:lnRef>
-      <a:fillRef idx="1">
-        <a:scrgbClr r="0" g="0" b="0"/>
-      </a:fillRef>
-      <a:effectRef idx="0">
-        <a:scrgbClr r="0" g="0" b="0"/>
-      </a:effectRef>
-      <a:fontRef idx="minor"/>
-    </dgm:style>
-  </dgm:styleLbl>
-  <dgm:styleLbl name="fgShp">
-    <dgm:scene3d>
-      <a:camera prst="orthographicFront"/>
-      <a:lightRig rig="flat" dir="t"/>
-    </dgm:scene3d>
-    <dgm:sp3d prstMaterial="dkEdge">
-      <a:bevelT w="8200" h="38100"/>
-    </dgm:sp3d>
-    <dgm:txPr/>
-    <dgm:style>
-      <a:lnRef idx="1">
-        <a:scrgbClr r="0" g="0" b="0"/>
-      </a:lnRef>
-      <a:fillRef idx="2">
-        <a:scrgbClr r="0" g="0" b="0"/>
-      </a:fillRef>
-      <a:effectRef idx="1">
-        <a:scrgbClr r="0" g="0" b="0"/>
-      </a:effectRef>
-      <a:fontRef idx="minor"/>
-    </dgm:style>
-  </dgm:styleLbl>
-  <dgm:styleLbl name="revTx">
-    <dgm:scene3d>
-      <a:camera prst="orthographicFront"/>
-      <a:lightRig rig="threePt" dir="t"/>
-    </dgm:scene3d>
-    <dgm:sp3d/>
-    <dgm:txPr/>
-    <dgm:style>
-      <a:lnRef idx="0">
-        <a:scrgbClr r="0" g="0" b="0"/>
-      </a:lnRef>
-      <a:fillRef idx="0">
-        <a:scrgbClr r="0" g="0" b="0"/>
-      </a:fillRef>
-      <a:effectRef idx="0">
-        <a:scrgbClr r="0" g="0" b="0"/>
-      </a:effectRef>
-      <a:fontRef idx="minor"/>
-    </dgm:style>
-  </dgm:styleLbl>
-</dgm:styleDef>
+      </p:grpSpPr>
+      <p:sp>
+        <p:nvSpPr>
+          <p:cNvPr id="2" name="Header Placeholder 1">
+            <a:extLst>
+              <a:ext uri="{FF2B5EF4-FFF2-40B4-BE49-F238E27FC236}">
+                <a16:creationId xmlns:a16="http://schemas.microsoft.com/office/drawing/2014/main" id="{98750B7E-8966-4E68-B1A7-DB607467B13B}"/>
+              </a:ext>
+            </a:extLst>
+          </p:cNvPr>
+          <p:cNvSpPr>
+            <a:spLocks noGrp="1"/>
+          </p:cNvSpPr>
+          <p:nvPr>
+            <p:ph type="hdr" sz="quarter"/>
+          </p:nvPr>
+        </p:nvSpPr>
+        <p:spPr>
+          <a:xfrm>
+            <a:off x="0" y="0"/>
+            <a:ext cx="2971800" cy="458788"/>
+          </a:xfrm>
+          <a:prstGeom prst="rect">
+            <a:avLst/>
+          </a:prstGeom>
+        </p:spPr>
+        <p:txBody>
+          <a:bodyPr vert="horz" lIns="91440" tIns="45720" rIns="91440" bIns="45720" rtlCol="0"/>
+          <a:lstStyle>
+            <a:lvl1pPr algn="l">
+              <a:defRPr sz="1200"/>
+            </a:lvl1pPr>
+          </a:lstStyle>
+          <a:p>
+            <a:endParaRPr lang="bs-Latn-BA"/>
+          </a:p>
+        </p:txBody>
+      </p:sp>
+      <p:sp>
+        <p:nvSpPr>
+          <p:cNvPr id="3" name="Date Placeholder 2">
+            <a:extLst>
+              <a:ext uri="{FF2B5EF4-FFF2-40B4-BE49-F238E27FC236}">
+                <a16:creationId xmlns:a16="http://schemas.microsoft.com/office/drawing/2014/main" id="{B18635EB-7BD9-44BE-8DDD-7A3BC1D30E42}"/>
+              </a:ext>
+            </a:extLst>
+          </p:cNvPr>
+          <p:cNvSpPr>
+            <a:spLocks noGrp="1"/>
+          </p:cNvSpPr>
+          <p:nvPr>
+            <p:ph type="dt" sz="quarter" idx="1"/>
+          </p:nvPr>
+        </p:nvSpPr>
+        <p:spPr>
+          <a:xfrm>
+            <a:off x="3884613" y="0"/>
+            <a:ext cx="2971800" cy="458788"/>
+          </a:xfrm>
+          <a:prstGeom prst="rect">
+            <a:avLst/>
+          </a:prstGeom>
+        </p:spPr>
+        <p:txBody>
+          <a:bodyPr vert="horz" lIns="91440" tIns="45720" rIns="91440" bIns="45720" rtlCol="0"/>
+          <a:lstStyle>
+            <a:lvl1pPr algn="r">
+              <a:defRPr sz="1200"/>
+            </a:lvl1pPr>
+          </a:lstStyle>
+          <a:p>
+            <a:fld id="{F9997940-467C-4FD3-B661-A15DF9BB6F9B}" type="datetimeFigureOut">
+              <a:rPr lang="bs-Latn-BA" smtClean="0"/>
+              <a:t>21.2.2018</a:t>
+            </a:fld>
+            <a:endParaRPr lang="bs-Latn-BA"/>
+          </a:p>
+        </p:txBody>
+      </p:sp>
+      <p:sp>
+        <p:nvSpPr>
+          <p:cNvPr id="4" name="Footer Placeholder 3">
+            <a:extLst>
+              <a:ext uri="{FF2B5EF4-FFF2-40B4-BE49-F238E27FC236}">
+                <a16:creationId xmlns:a16="http://schemas.microsoft.com/office/drawing/2014/main" id="{65B21517-7FC4-46DE-AD34-4DF400BD0308}"/>
+              </a:ext>
+            </a:extLst>
+          </p:cNvPr>
+          <p:cNvSpPr>
+            <a:spLocks noGrp="1"/>
+          </p:cNvSpPr>
+          <p:nvPr>
+            <p:ph type="ftr" sz="quarter" idx="2"/>
+          </p:nvPr>
+        </p:nvSpPr>
+        <p:spPr>
+          <a:xfrm>
+            <a:off x="0" y="8685213"/>
+            <a:ext cx="2971800" cy="458787"/>
+          </a:xfrm>
+          <a:prstGeom prst="rect">
+            <a:avLst/>
+          </a:prstGeom>
+        </p:spPr>
+        <p:txBody>
+          <a:bodyPr vert="horz" lIns="91440" tIns="45720" rIns="91440" bIns="45720" rtlCol="0" anchor="b"/>
+          <a:lstStyle>
+            <a:lvl1pPr algn="l">
+              <a:defRPr sz="1200"/>
+            </a:lvl1pPr>
+          </a:lstStyle>
+          <a:p>
+            <a:endParaRPr lang="bs-Latn-BA"/>
+          </a:p>
+        </p:txBody>
+      </p:sp>
+      <p:sp>
+        <p:nvSpPr>
+          <p:cNvPr id="5" name="Slide Number Placeholder 4">
+            <a:extLst>
+              <a:ext uri="{FF2B5EF4-FFF2-40B4-BE49-F238E27FC236}">
+                <a16:creationId xmlns:a16="http://schemas.microsoft.com/office/drawing/2014/main" id="{BAD3A4F3-98EF-49B1-A802-78C1DEC70109}"/>
+              </a:ext>
+            </a:extLst>
+          </p:cNvPr>
+          <p:cNvSpPr>
+            <a:spLocks noGrp="1"/>
+          </p:cNvSpPr>
+          <p:nvPr>
+            <p:ph type="sldNum" sz="quarter" idx="3"/>
+          </p:nvPr>
+        </p:nvSpPr>
+        <p:spPr>
+          <a:xfrm>
+            <a:off x="3884613" y="8685213"/>
+            <a:ext cx="2971800" cy="458787"/>
+          </a:xfrm>
+          <a:prstGeom prst="rect">
+            <a:avLst/>
+          </a:prstGeom>
+        </p:spPr>
+        <p:txBody>
+          <a:bodyPr vert="horz" lIns="91440" tIns="45720" rIns="91440" bIns="45720" rtlCol="0" anchor="b"/>
+          <a:lstStyle>
+            <a:lvl1pPr algn="r">
+              <a:defRPr sz="1200"/>
+            </a:lvl1pPr>
+          </a:lstStyle>
+          <a:p>
+            <a:fld id="{AAE7FFD8-A6E6-4FA1-89BD-D035969DBD20}" type="slidenum">
+              <a:rPr lang="bs-Latn-BA" smtClean="0"/>
+              <a:t>‹#›</a:t>
+            </a:fld>
+            <a:endParaRPr lang="bs-Latn-BA"/>
+          </a:p>
+        </p:txBody>
+      </p:sp>
+    </p:spTree>
+    <p:extLst>
+      <p:ext uri="{BB962C8B-B14F-4D97-AF65-F5344CB8AC3E}">
+        <p14:creationId xmlns:p14="http://schemas.microsoft.com/office/powerpoint/2010/main" val="1231227169"/>
+      </p:ext>
+    </p:extLst>
+  </p:cSld>
+  <p:clrMap bg1="lt1" tx1="dk1" bg2="lt2" tx2="dk2" accent1="accent1" accent2="accent2" accent3="accent3" accent4="accent4" accent5="accent5" accent6="accent6" hlink="hlink" folHlink="folHlink"/>
+</p:handoutMaster>
 </file>
 
 <file path=ppt/notesMasters/notesMaster1.xml><?xml version="1.0" encoding="utf-8"?>
@@ -6185,38 +3923,37 @@
           <a:p>
             <a:pPr lvl="0"/>
             <a:r>
-              <a:rPr lang="en-US"/>
+              <a:rPr lang="en-US" dirty="0"/>
               <a:t>Edit Master text styles</a:t>
             </a:r>
           </a:p>
           <a:p>
             <a:pPr lvl="1"/>
             <a:r>
-              <a:rPr lang="en-US"/>
+              <a:rPr lang="en-US" dirty="0"/>
               <a:t>Second level</a:t>
             </a:r>
           </a:p>
           <a:p>
             <a:pPr lvl="2"/>
             <a:r>
-              <a:rPr lang="en-US"/>
+              <a:rPr lang="en-US" dirty="0"/>
               <a:t>Third level</a:t>
             </a:r>
           </a:p>
           <a:p>
             <a:pPr lvl="3"/>
             <a:r>
-              <a:rPr lang="en-US"/>
+              <a:rPr lang="en-US" dirty="0"/>
               <a:t>Fourth level</a:t>
             </a:r>
           </a:p>
           <a:p>
             <a:pPr lvl="4"/>
             <a:r>
-              <a:rPr lang="en-US"/>
+              <a:rPr lang="en-US" dirty="0"/>
               <a:t>Fifth level</a:t>
             </a:r>
-            <a:endParaRPr lang="en-US" dirty="0"/>
           </a:p>
         </p:txBody>
       </p:sp>
@@ -6230,7 +3967,12 @@
             <p:ph type="dt" sz="half" idx="10"/>
           </p:nvPr>
         </p:nvSpPr>
-        <p:spPr/>
+        <p:spPr>
+          <a:xfrm>
+            <a:off x="8595360" y="307967"/>
+            <a:ext cx="2910840" cy="365125"/>
+          </a:xfrm>
+        </p:spPr>
         <p:txBody>
           <a:bodyPr/>
           <a:lstStyle/>
@@ -6272,15 +4014,24 @@
             <p:ph type="sldNum" sz="quarter" idx="12"/>
           </p:nvPr>
         </p:nvSpPr>
-        <p:spPr/>
+        <p:spPr>
+          <a:xfrm>
+            <a:off x="8763000" y="6343822"/>
+            <a:ext cx="2743200" cy="365125"/>
+          </a:xfrm>
+        </p:spPr>
         <p:txBody>
           <a:bodyPr/>
-          <a:lstStyle/>
-          <a:p>
-            <a:fld id="{6D22F896-40B5-4ADD-8801-0D06FADFA095}" type="slidenum">
-              <a:rPr lang="en-US" dirty="0"/>
-              <a:t>‹#›</a:t>
-            </a:fld>
+          <a:lstStyle>
+            <a:lvl1pPr>
+              <a:defRPr sz="1200"/>
+            </a:lvl1pPr>
+          </a:lstStyle>
+          <a:p>
+            <a:r>
+              <a:rPr lang="bs-Latn-BA" dirty="0"/>
+              <a:t>(#)</a:t>
+            </a:r>
             <a:endParaRPr lang="en-US" dirty="0"/>
           </a:p>
         </p:txBody>
@@ -8495,20 +6246,20 @@
         </p:nvSpPr>
         <p:spPr>
           <a:xfrm>
-            <a:off x="2391355" y="2554812"/>
-            <a:ext cx="7409275" cy="874188"/>
+            <a:off x="1585765" y="2321840"/>
+            <a:ext cx="9020454" cy="874188"/>
           </a:xfrm>
         </p:spPr>
         <p:txBody>
           <a:bodyPr>
-            <a:normAutofit fontScale="90000"/>
+            <a:noAutofit/>
           </a:bodyPr>
           <a:lstStyle/>
           <a:p>
             <a:pPr algn="ctr"/>
             <a:r>
-              <a:rPr lang="bs-Latn-BA" b="1" i="1" dirty="0"/>
-              <a:t>Demo presentation</a:t>
+              <a:rPr lang="bs-Latn-BA" sz="3600" b="1" i="1" dirty="0"/>
+              <a:t>Data science internship – month 1</a:t>
             </a:r>
           </a:p>
         </p:txBody>
@@ -8535,49 +6286,14 @@
         </p:blipFill>
         <p:spPr>
           <a:xfrm>
-            <a:off x="5343525" y="1287702"/>
-            <a:ext cx="1504950" cy="342900"/>
+            <a:off x="5462587" y="1341958"/>
+            <a:ext cx="1266825" cy="288644"/>
           </a:xfrm>
           <a:prstGeom prst="rect">
             <a:avLst/>
           </a:prstGeom>
         </p:spPr>
       </p:pic>
-      <p:sp>
-        <p:nvSpPr>
-          <p:cNvPr id="7" name="TextBox 6">
-            <a:extLst>
-              <a:ext uri="{FF2B5EF4-FFF2-40B4-BE49-F238E27FC236}">
-                <a16:creationId xmlns:a16="http://schemas.microsoft.com/office/drawing/2014/main" id="{A0E691A7-2713-41B3-9240-931C55DBE68B}"/>
-              </a:ext>
-            </a:extLst>
-          </p:cNvPr>
-          <p:cNvSpPr txBox="1"/>
-          <p:nvPr/>
-        </p:nvSpPr>
-        <p:spPr>
-          <a:xfrm>
-            <a:off x="4654732" y="1732990"/>
-            <a:ext cx="2882520" cy="369332"/>
-          </a:xfrm>
-          <a:prstGeom prst="rect">
-            <a:avLst/>
-          </a:prstGeom>
-          <a:noFill/>
-        </p:spPr>
-        <p:txBody>
-          <a:bodyPr wrap="none" rtlCol="0">
-            <a:spAutoFit/>
-          </a:bodyPr>
-          <a:lstStyle/>
-          <a:p>
-            <a:r>
-              <a:rPr lang="bs-Latn-BA" dirty="0"/>
-              <a:t>DATA SCIENCE PROJECT</a:t>
-            </a:r>
-          </a:p>
-        </p:txBody>
-      </p:sp>
       <p:sp>
         <p:nvSpPr>
           <p:cNvPr id="8" name="TextBox 7">
@@ -8764,51 +6480,17 @@
           <a:lstStyle/>
           <a:p>
             <a:r>
-              <a:rPr lang="bs-Latn-BA" b="1" cap="none" dirty="0">
-                <a:ln/>
-                <a:pattFill prst="dkUpDiag">
-                  <a:fgClr>
-                    <a:schemeClr val="bg1">
-                      <a:lumMod val="50000"/>
-                    </a:schemeClr>
-                  </a:fgClr>
-                  <a:bgClr>
-                    <a:schemeClr val="tx1">
-                      <a:lumMod val="75000"/>
-                      <a:lumOff val="25000"/>
-                    </a:schemeClr>
-                  </a:bgClr>
-                </a:pattFill>
+              <a:rPr lang="bs-Latn-BA" cap="none" dirty="0">
+                <a:ln w="0"/>
                 <a:effectLst>
                   <a:outerShdw blurRad="38100" dist="19050" dir="2700000" algn="tl" rotWithShape="0">
                     <a:schemeClr val="dk1">
-                      <a:lumMod val="50000"/>
                       <a:alpha val="40000"/>
                     </a:schemeClr>
                   </a:outerShdw>
                 </a:effectLst>
               </a:rPr>
-              <a:t>Anomaly</a:t>
-            </a:r>
-            <a:r>
-              <a:rPr lang="bs-Latn-BA" dirty="0"/>
-              <a:t> </a:t>
-            </a:r>
-            <a:r>
-              <a:rPr lang="bs-Latn-BA" cap="none" dirty="0">
-                <a:ln w="0"/>
-                <a:solidFill>
-                  <a:schemeClr val="tx2"/>
-                </a:solidFill>
-                <a:effectLst>
-                  <a:outerShdw blurRad="38100" dist="25400" dir="5400000" algn="ctr" rotWithShape="0">
-                    <a:srgbClr val="6E747A">
-                      <a:alpha val="43000"/>
-                    </a:srgbClr>
-                  </a:outerShdw>
-                </a:effectLst>
-              </a:rPr>
-              <a:t>detection</a:t>
+              <a:t>Anomaly detection</a:t>
             </a:r>
             <a:endParaRPr lang="bs-Latn-BA" dirty="0">
               <a:solidFill>
@@ -8832,7 +6514,7 @@
         </p:nvGrpSpPr>
         <p:grpSpPr>
           <a:xfrm>
-            <a:off x="685800" y="3724275"/>
+            <a:off x="4171950" y="2959417"/>
             <a:ext cx="3848100" cy="2695575"/>
             <a:chOff x="3571875" y="3105150"/>
             <a:chExt cx="3848100" cy="2695575"/>
@@ -8927,8 +6609,8 @@
         </p:nvSpPr>
         <p:spPr>
           <a:xfrm>
-            <a:off x="5610225" y="3092440"/>
-            <a:ext cx="6000750" cy="3416320"/>
+            <a:off x="2314575" y="6036045"/>
+            <a:ext cx="7562850" cy="307777"/>
           </a:xfrm>
           <a:prstGeom prst="rect">
             <a:avLst/>
@@ -8941,82 +6623,14 @@
           </a:bodyPr>
           <a:lstStyle/>
           <a:p>
-            <a:pPr marL="285750" indent="-285750">
-              <a:buFont typeface="Arial" panose="020B0604020202020204" pitchFamily="34" charset="0"/>
-              <a:buChar char="•"/>
-            </a:pPr>
-            <a:r>
-              <a:rPr lang="bs-Latn-BA" dirty="0"/>
-              <a:t>Advantages:</a:t>
-            </a:r>
-          </a:p>
-          <a:p>
-            <a:pPr marL="742950" lvl="1" indent="-285750">
-              <a:buFont typeface="Arial" panose="020B0604020202020204" pitchFamily="34" charset="0"/>
-              <a:buChar char="•"/>
-            </a:pPr>
-            <a:r>
-              <a:rPr lang="bs-Latn-BA" dirty="0"/>
-              <a:t>Does not require number of clusters</a:t>
-            </a:r>
-          </a:p>
-          <a:p>
-            <a:pPr marL="742950" lvl="1" indent="-285750">
-              <a:buFont typeface="Arial" panose="020B0604020202020204" pitchFamily="34" charset="0"/>
-              <a:buChar char="•"/>
-            </a:pPr>
-            <a:r>
-              <a:rPr lang="bs-Latn-BA" dirty="0"/>
-              <a:t>Can find arbitrarily shaped clusters</a:t>
-            </a:r>
-          </a:p>
-          <a:p>
-            <a:pPr marL="742950" lvl="1" indent="-285750">
-              <a:buFont typeface="Arial" panose="020B0604020202020204" pitchFamily="34" charset="0"/>
-              <a:buChar char="•"/>
-            </a:pPr>
-            <a:r>
-              <a:rPr lang="bs-Latn-BA" dirty="0"/>
-              <a:t>Requires two parameters</a:t>
-            </a:r>
-          </a:p>
-          <a:p>
-            <a:pPr marL="285750" indent="-285750">
-              <a:buFont typeface="Arial" panose="020B0604020202020204" pitchFamily="34" charset="0"/>
-              <a:buChar char="•"/>
-            </a:pPr>
-            <a:endParaRPr lang="bs-Latn-BA" dirty="0"/>
-          </a:p>
-          <a:p>
-            <a:pPr marL="285750" indent="-285750">
-              <a:buFont typeface="Arial" panose="020B0604020202020204" pitchFamily="34" charset="0"/>
-              <a:buChar char="•"/>
-            </a:pPr>
-            <a:r>
-              <a:rPr lang="bs-Latn-BA" dirty="0"/>
-              <a:t>Disadvantages:</a:t>
-            </a:r>
-          </a:p>
-          <a:p>
-            <a:pPr marL="742950" lvl="1" indent="-285750">
-              <a:buFont typeface="Arial" panose="020B0604020202020204" pitchFamily="34" charset="0"/>
-              <a:buChar char="•"/>
-            </a:pPr>
-            <a:r>
-              <a:rPr lang="en-US" dirty="0"/>
-              <a:t>border points that are reachable from more than one cluster can be part of either cluster, depending on the order the data are processed</a:t>
-            </a:r>
-            <a:endParaRPr lang="bs-Latn-BA" dirty="0"/>
-          </a:p>
-          <a:p>
-            <a:pPr marL="742950" lvl="1" indent="-285750">
-              <a:buFont typeface="Arial" panose="020B0604020202020204" pitchFamily="34" charset="0"/>
-              <a:buChar char="•"/>
-            </a:pPr>
-            <a:r>
-              <a:rPr lang="bs-Latn-BA" dirty="0"/>
-              <a:t>Can‘t cluster data sets well with large differences in densities</a:t>
-            </a:r>
+            <a:pPr algn="ctr"/>
+            <a:r>
+              <a:rPr lang="bs-Latn-BA" sz="1400" dirty="0">
+                <a:hlinkClick r:id="rId3"/>
+              </a:rPr>
+              <a:t>https://www.naftaliharris.com/blog/visualizing-dbscan-clustering/</a:t>
+            </a:r>
+            <a:endParaRPr lang="bs-Latn-BA" sz="1400" dirty="0"/>
           </a:p>
         </p:txBody>
       </p:sp>
@@ -9042,10 +6656,14 @@
           <a:lstStyle/>
           <a:p>
             <a:fld id="{6D22F896-40B5-4ADD-8801-0D06FADFA095}" type="slidenum">
-              <a:rPr lang="en-US" smtClean="0"/>
+              <a:rPr lang="en-US" sz="1400" smtClean="0"/>
               <a:t>10</a:t>
             </a:fld>
-            <a:endParaRPr lang="en-US" dirty="0"/>
+            <a:r>
+              <a:rPr lang="bs-Latn-BA" sz="1400" dirty="0"/>
+              <a:t>/14</a:t>
+            </a:r>
+            <a:endParaRPr lang="en-US" sz="1400" dirty="0"/>
           </a:p>
         </p:txBody>
       </p:sp>
@@ -9114,27 +6732,7 @@
             <a:pPr lvl="1"/>
             <a:r>
               <a:rPr lang="bs-Latn-BA" dirty="0"/>
-              <a:t>In DBSCAN learning algorithm, thare are two parameters: </a:t>
-            </a:r>
-            <a:r>
-              <a:rPr lang="bs-Latn-BA" dirty="0">
-                <a:solidFill>
-                  <a:schemeClr val="accent4"/>
-                </a:solidFill>
-              </a:rPr>
-              <a:t>eps </a:t>
-            </a:r>
-            <a:r>
-              <a:rPr lang="bs-Latn-BA" dirty="0"/>
-              <a:t>and </a:t>
-            </a:r>
-            <a:r>
-              <a:rPr lang="bs-Latn-BA" dirty="0">
-                <a:solidFill>
-                  <a:schemeClr val="accent4"/>
-                </a:solidFill>
-              </a:rPr>
-              <a:t>minPts</a:t>
+              <a:t>In DBSCAN learning algorithm, thare are two parameters: eps and minPts</a:t>
             </a:r>
           </a:p>
         </p:txBody>
@@ -9166,51 +6764,17 @@
           <a:lstStyle/>
           <a:p>
             <a:r>
-              <a:rPr lang="bs-Latn-BA" b="1" cap="none">
-                <a:ln/>
-                <a:pattFill prst="dkUpDiag">
-                  <a:fgClr>
-                    <a:schemeClr val="bg1">
-                      <a:lumMod val="50000"/>
-                    </a:schemeClr>
-                  </a:fgClr>
-                  <a:bgClr>
-                    <a:schemeClr val="tx1">
-                      <a:lumMod val="75000"/>
-                      <a:lumOff val="25000"/>
-                    </a:schemeClr>
-                  </a:bgClr>
-                </a:pattFill>
+              <a:rPr lang="bs-Latn-BA" cap="none" dirty="0">
+                <a:ln w="0"/>
                 <a:effectLst>
                   <a:outerShdw blurRad="38100" dist="19050" dir="2700000" algn="tl" rotWithShape="0">
                     <a:schemeClr val="dk1">
-                      <a:lumMod val="50000"/>
                       <a:alpha val="40000"/>
                     </a:schemeClr>
                   </a:outerShdw>
                 </a:effectLst>
               </a:rPr>
-              <a:t>Anomaly</a:t>
-            </a:r>
-            <a:r>
-              <a:rPr lang="bs-Latn-BA"/>
-              <a:t> </a:t>
-            </a:r>
-            <a:r>
-              <a:rPr lang="bs-Latn-BA" cap="none">
-                <a:ln w="0"/>
-                <a:solidFill>
-                  <a:schemeClr val="tx2"/>
-                </a:solidFill>
-                <a:effectLst>
-                  <a:outerShdw blurRad="38100" dist="25400" dir="5400000" algn="ctr" rotWithShape="0">
-                    <a:srgbClr val="6E747A">
-                      <a:alpha val="43000"/>
-                    </a:srgbClr>
-                  </a:outerShdw>
-                </a:effectLst>
-              </a:rPr>
-              <a:t>detection</a:t>
+              <a:t>Anomaly detection</a:t>
             </a:r>
             <a:endParaRPr lang="bs-Latn-BA" dirty="0">
               <a:solidFill>
@@ -9372,10 +6936,14 @@
           <a:lstStyle/>
           <a:p>
             <a:fld id="{6D22F896-40B5-4ADD-8801-0D06FADFA095}" type="slidenum">
-              <a:rPr lang="en-US" smtClean="0"/>
+              <a:rPr lang="en-US" sz="1400" smtClean="0"/>
               <a:t>11</a:t>
             </a:fld>
-            <a:endParaRPr lang="en-US" dirty="0"/>
+            <a:r>
+              <a:rPr lang="bs-Latn-BA" sz="1400" dirty="0"/>
+              <a:t>/14</a:t>
+            </a:r>
+            <a:endParaRPr lang="en-US" sz="1400" dirty="0"/>
           </a:p>
         </p:txBody>
       </p:sp>
@@ -9436,6 +7004,12 @@
             </a:r>
           </a:p>
           <a:p>
+            <a:r>
+              <a:rPr lang="bs-Latn-BA" dirty="0"/>
+              <a:t>It‘s important to detect the fault in a timely manner</a:t>
+            </a:r>
+          </a:p>
+          <a:p>
             <a:endParaRPr lang="bs-Latn-BA" dirty="0"/>
           </a:p>
         </p:txBody>
@@ -9455,20 +7029,20 @@
           <p:nvPr>
             <p:extLst>
               <p:ext uri="{D42A27DB-BD31-4B8C-83A1-F6EECF244321}">
-                <p14:modId xmlns:p14="http://schemas.microsoft.com/office/powerpoint/2010/main" val="3024109685"/>
+                <p14:modId xmlns:p14="http://schemas.microsoft.com/office/powerpoint/2010/main" val="2438688813"/>
               </p:ext>
             </p:extLst>
           </p:nvPr>
         </p:nvGraphicFramePr>
         <p:xfrm>
-          <a:off x="2032000" y="3075516"/>
+          <a:off x="2032000" y="3464942"/>
           <a:ext cx="8128000" cy="1483360"/>
         </p:xfrm>
         <a:graphic>
           <a:graphicData uri="http://schemas.openxmlformats.org/drawingml/2006/table">
             <a:tbl>
               <a:tblPr firstRow="1" bandRow="1">
-                <a:tableStyleId>{5C22544A-7EE6-4342-B048-85BDC9FD1C3A}</a:tableStyleId>
+                <a:tableStyleId>{073A0DAA-6AF3-43AB-8588-CEC1D06C72B9}</a:tableStyleId>
               </a:tblPr>
               <a:tblGrid>
                 <a:gridCol w="1625600">
@@ -9590,7 +7164,7 @@
                       <a:pPr algn="ctr"/>
                       <a:r>
                         <a:rPr lang="bs-Latn-BA" dirty="0"/>
-                        <a:t>-1</a:t>
+                        <a:t>Outlier</a:t>
                       </a:r>
                     </a:p>
                   </a:txBody>
@@ -9667,7 +7241,7 @@
                       <a:pPr algn="ctr"/>
                       <a:r>
                         <a:rPr lang="bs-Latn-BA" dirty="0"/>
-                        <a:t>0</a:t>
+                        <a:t>Not outlier</a:t>
                       </a:r>
                     </a:p>
                   </a:txBody>
@@ -9838,51 +7412,17 @@
           <a:lstStyle/>
           <a:p>
             <a:r>
-              <a:rPr lang="bs-Latn-BA" b="1" cap="none" dirty="0">
-                <a:ln/>
-                <a:pattFill prst="dkUpDiag">
-                  <a:fgClr>
-                    <a:schemeClr val="bg1">
-                      <a:lumMod val="50000"/>
-                    </a:schemeClr>
-                  </a:fgClr>
-                  <a:bgClr>
-                    <a:schemeClr val="tx1">
-                      <a:lumMod val="75000"/>
-                      <a:lumOff val="25000"/>
-                    </a:schemeClr>
-                  </a:bgClr>
-                </a:pattFill>
+              <a:rPr lang="bs-Latn-BA" cap="none" dirty="0">
+                <a:ln w="0"/>
                 <a:effectLst>
                   <a:outerShdw blurRad="38100" dist="19050" dir="2700000" algn="tl" rotWithShape="0">
                     <a:schemeClr val="dk1">
-                      <a:lumMod val="50000"/>
                       <a:alpha val="40000"/>
                     </a:schemeClr>
                   </a:outerShdw>
                 </a:effectLst>
               </a:rPr>
-              <a:t>Anomaly</a:t>
-            </a:r>
-            <a:r>
-              <a:rPr lang="bs-Latn-BA" dirty="0"/>
-              <a:t> </a:t>
-            </a:r>
-            <a:r>
-              <a:rPr lang="bs-Latn-BA" cap="none" dirty="0">
-                <a:ln w="0"/>
-                <a:solidFill>
-                  <a:schemeClr val="tx2"/>
-                </a:solidFill>
-                <a:effectLst>
-                  <a:outerShdw blurRad="38100" dist="25400" dir="5400000" algn="ctr" rotWithShape="0">
-                    <a:srgbClr val="6E747A">
-                      <a:alpha val="43000"/>
-                    </a:srgbClr>
-                  </a:outerShdw>
-                </a:effectLst>
-              </a:rPr>
-              <a:t>detection</a:t>
+              <a:t>Anomaly detection</a:t>
             </a:r>
             <a:endParaRPr lang="bs-Latn-BA" dirty="0">
               <a:solidFill>
@@ -9914,10 +7454,14 @@
           <a:lstStyle/>
           <a:p>
             <a:fld id="{6D22F896-40B5-4ADD-8801-0D06FADFA095}" type="slidenum">
-              <a:rPr lang="en-US" smtClean="0"/>
+              <a:rPr lang="en-US" sz="1400" smtClean="0"/>
               <a:t>12</a:t>
             </a:fld>
-            <a:endParaRPr lang="en-US" dirty="0"/>
+            <a:r>
+              <a:rPr lang="bs-Latn-BA" sz="1400" dirty="0"/>
+              <a:t>/14</a:t>
+            </a:r>
+            <a:endParaRPr lang="en-US" sz="1400" dirty="0"/>
           </a:p>
         </p:txBody>
       </p:sp>
@@ -9974,37 +7518,37 @@
           </a:xfrm>
         </p:spPr>
         <p:txBody>
-          <a:bodyPr/>
+          <a:bodyPr>
+            <a:normAutofit lnSpcReduction="10000"/>
+          </a:bodyPr>
           <a:lstStyle/>
           <a:p>
             <a:r>
               <a:rPr lang="bs-Latn-BA" dirty="0"/>
-              <a:t>Possible applications:</a:t>
-            </a:r>
-          </a:p>
-          <a:p>
-            <a:pPr lvl="1"/>
+              <a:t>Learn while working</a:t>
+            </a:r>
+          </a:p>
+          <a:p>
             <a:r>
               <a:rPr lang="bs-Latn-BA" dirty="0"/>
-              <a:t>Fraud detection</a:t>
-            </a:r>
-          </a:p>
-          <a:p>
-            <a:pPr lvl="1"/>
+              <a:t>Math is fun</a:t>
+            </a:r>
+          </a:p>
+          <a:p>
             <a:r>
               <a:rPr lang="bs-Latn-BA" dirty="0"/>
-              <a:t>Fault detection</a:t>
-            </a:r>
-          </a:p>
-          <a:p>
-            <a:pPr lvl="1"/>
+              <a:t>Advantage of creative mindset</a:t>
+            </a:r>
+          </a:p>
+          <a:p>
             <a:r>
               <a:rPr lang="bs-Latn-BA" dirty="0"/>
-              <a:t>System health monitoring </a:t>
-            </a:r>
-          </a:p>
-          <a:p>
-            <a:pPr lvl="1"/>
+              <a:t>T</a:t>
+            </a:r>
+            <a:r>
+              <a:rPr lang="en-US" dirty="0"/>
+              <a:t>here is no general approach for solving machine learning problems</a:t>
+            </a:r>
             <a:endParaRPr lang="bs-Latn-BA" dirty="0"/>
           </a:p>
         </p:txBody>
@@ -10031,51 +7575,20 @@
           <a:lstStyle/>
           <a:p>
             <a:r>
-              <a:rPr lang="bs-Latn-BA" b="1" cap="none" dirty="0">
-                <a:ln/>
-                <a:pattFill prst="dkUpDiag">
-                  <a:fgClr>
-                    <a:schemeClr val="bg1">
-                      <a:lumMod val="50000"/>
-                    </a:schemeClr>
-                  </a:fgClr>
-                  <a:bgClr>
-                    <a:schemeClr val="tx1">
-                      <a:lumMod val="75000"/>
-                      <a:lumOff val="25000"/>
-                    </a:schemeClr>
-                  </a:bgClr>
-                </a:pattFill>
-                <a:effectLst>
-                  <a:outerShdw blurRad="38100" dist="19050" dir="2700000" algn="tl" rotWithShape="0">
-                    <a:schemeClr val="dk1">
-                      <a:lumMod val="50000"/>
-                      <a:alpha val="40000"/>
-                    </a:schemeClr>
-                  </a:outerShdw>
-                </a:effectLst>
-              </a:rPr>
-              <a:t>Anomaly</a:t>
-            </a:r>
-            <a:r>
-              <a:rPr lang="bs-Latn-BA" dirty="0"/>
-              <a:t> </a:t>
-            </a:r>
-            <a:r>
               <a:rPr lang="bs-Latn-BA" cap="none" dirty="0">
                 <a:ln w="0"/>
                 <a:solidFill>
                   <a:schemeClr val="tx2"/>
                 </a:solidFill>
                 <a:effectLst>
-                  <a:outerShdw blurRad="38100" dist="25400" dir="5400000" algn="ctr" rotWithShape="0">
-                    <a:srgbClr val="6E747A">
-                      <a:alpha val="43000"/>
-                    </a:srgbClr>
+                  <a:outerShdw blurRad="38100" dist="19050" dir="2700000" algn="tl" rotWithShape="0">
+                    <a:schemeClr val="dk1">
+                      <a:alpha val="40000"/>
+                    </a:schemeClr>
                   </a:outerShdw>
                 </a:effectLst>
               </a:rPr>
-              <a:t>detection</a:t>
+              <a:t>CONCLUSION</a:t>
             </a:r>
             <a:endParaRPr lang="bs-Latn-BA" dirty="0">
               <a:solidFill>
@@ -10107,10 +7620,14 @@
           <a:lstStyle/>
           <a:p>
             <a:fld id="{6D22F896-40B5-4ADD-8801-0D06FADFA095}" type="slidenum">
-              <a:rPr lang="en-US" smtClean="0"/>
+              <a:rPr lang="en-US" sz="1400" smtClean="0"/>
               <a:t>13</a:t>
             </a:fld>
-            <a:endParaRPr lang="en-US" dirty="0"/>
+            <a:r>
+              <a:rPr lang="bs-Latn-BA" sz="1400" dirty="0"/>
+              <a:t>/14</a:t>
+            </a:r>
+            <a:endParaRPr lang="en-US" sz="1400" dirty="0"/>
           </a:p>
         </p:txBody>
       </p:sp>
@@ -10162,7 +7679,7 @@
         </p:nvSpPr>
         <p:spPr>
           <a:xfrm>
-            <a:off x="1790700" y="4485473"/>
+            <a:off x="1790700" y="3429000"/>
             <a:ext cx="8610600" cy="1293028"/>
           </a:xfrm>
         </p:spPr>
@@ -10172,21 +7689,12 @@
           <a:p>
             <a:pPr algn="ctr"/>
             <a:r>
-              <a:rPr lang="bs-Latn-BA" b="1" cap="none" dirty="0">
-                <a:ln w="9525">
-                  <a:solidFill>
-                    <a:schemeClr val="bg1"/>
-                  </a:solidFill>
-                  <a:prstDash val="solid"/>
-                </a:ln>
-                <a:solidFill>
-                  <a:schemeClr val="accent5"/>
-                </a:solidFill>
+              <a:rPr lang="bs-Latn-BA" cap="none" dirty="0">
+                <a:ln w="0"/>
                 <a:effectLst>
-                  <a:outerShdw blurRad="12700" dist="38100" dir="2700000" algn="tl" rotWithShape="0">
-                    <a:schemeClr val="accent5">
-                      <a:lumMod val="60000"/>
-                      <a:lumOff val="40000"/>
+                  <a:outerShdw blurRad="38100" dist="19050" dir="2700000" algn="tl" rotWithShape="0">
+                    <a:schemeClr val="dk1">
+                      <a:alpha val="40000"/>
                     </a:schemeClr>
                   </a:outerShdw>
                 </a:effectLst>
@@ -10218,10 +7726,14 @@
           <a:lstStyle/>
           <a:p>
             <a:fld id="{6D22F896-40B5-4ADD-8801-0D06FADFA095}" type="slidenum">
-              <a:rPr lang="en-US" smtClean="0"/>
+              <a:rPr lang="en-US" sz="1400" smtClean="0"/>
               <a:t>14</a:t>
             </a:fld>
-            <a:endParaRPr lang="en-US" dirty="0"/>
+            <a:r>
+              <a:rPr lang="bs-Latn-BA" sz="1400" dirty="0"/>
+              <a:t>/14</a:t>
+            </a:r>
+            <a:endParaRPr lang="en-US" sz="1400" dirty="0"/>
           </a:p>
         </p:txBody>
       </p:sp>
@@ -10325,45 +7837,6 @@
       </p:sp>
       <p:pic>
         <p:nvPicPr>
-          <p:cNvPr id="13" name="Picture 12">
-            <a:extLst>
-              <a:ext uri="{FF2B5EF4-FFF2-40B4-BE49-F238E27FC236}">
-                <a16:creationId xmlns:a16="http://schemas.microsoft.com/office/drawing/2014/main" id="{8E46F697-56DA-4A0F-84C7-12B2021735CF}"/>
-              </a:ext>
-            </a:extLst>
-          </p:cNvPr>
-          <p:cNvPicPr>
-            <a:picLocks noChangeAspect="1"/>
-          </p:cNvPicPr>
-          <p:nvPr/>
-        </p:nvPicPr>
-        <p:blipFill rotWithShape="1">
-          <a:blip r:embed="rId2">
-            <a:duotone>
-              <a:prstClr val="black"/>
-              <a:schemeClr val="tx2">
-                <a:tint val="45000"/>
-                <a:satMod val="400000"/>
-              </a:schemeClr>
-            </a:duotone>
-            <a:alphaModFix amt="30000"/>
-            <a:extLst/>
-          </a:blip>
-          <a:srcRect/>
-          <a:stretch/>
-        </p:blipFill>
-        <p:spPr>
-          <a:xfrm>
-            <a:off x="20" y="10"/>
-            <a:ext cx="12191980" cy="6857990"/>
-          </a:xfrm>
-          <a:prstGeom prst="rect">
-            <a:avLst/>
-          </a:prstGeom>
-        </p:spPr>
-      </p:pic>
-      <p:pic>
-        <p:nvPicPr>
           <p:cNvPr id="33" name="Picture 32">
             <a:extLst>
               <a:ext uri="{FF2B5EF4-FFF2-40B4-BE49-F238E27FC236}">
@@ -10383,7 +7856,7 @@
           </p:nvPr>
         </p:nvPicPr>
         <p:blipFill>
-          <a:blip r:embed="rId3">
+          <a:blip r:embed="rId2">
             <a:extLst>
               <a:ext uri="{28A0092B-C50C-407E-A947-70E740481C1C}">
                 <a14:useLocalDpi xmlns:a14="http://schemas.microsoft.com/office/drawing/2010/main" val="0"/>
@@ -10433,48 +7906,21 @@
           <a:lstStyle/>
           <a:p>
             <a:r>
-              <a:rPr lang="en-US" b="1" dirty="0">
-                <a:ln w="12700">
-                  <a:solidFill>
-                    <a:schemeClr val="accent5"/>
-                  </a:solidFill>
-                  <a:prstDash val="solid"/>
-                </a:ln>
+              <a:rPr lang="en-US" cap="none" dirty="0">
+                <a:ln w="0"/>
+                <a:effectLst>
+                  <a:outerShdw blurRad="38100" dist="19050" dir="2700000" algn="tl" rotWithShape="0">
+                    <a:schemeClr val="dk1">
+                      <a:alpha val="40000"/>
+                    </a:schemeClr>
+                  </a:outerShdw>
+                </a:effectLst>
               </a:rPr>
               <a:t>MOTIVATION</a:t>
             </a:r>
-            <a:endParaRPr lang="en-US" dirty="0"/>
-          </a:p>
-        </p:txBody>
-      </p:sp>
-      <p:graphicFrame>
-        <p:nvGraphicFramePr>
-          <p:cNvPr id="14" name="Diagram 13">
-            <a:extLst>
-              <a:ext uri="{FF2B5EF4-FFF2-40B4-BE49-F238E27FC236}">
-                <a16:creationId xmlns:a16="http://schemas.microsoft.com/office/drawing/2014/main" id="{DF76771C-CCEE-4C3A-AFAD-FEEB9120281B}"/>
-              </a:ext>
-            </a:extLst>
-          </p:cNvPr>
-          <p:cNvGraphicFramePr/>
-          <p:nvPr>
-            <p:extLst>
-              <p:ext uri="{D42A27DB-BD31-4B8C-83A1-F6EECF244321}">
-                <p14:modId xmlns:p14="http://schemas.microsoft.com/office/powerpoint/2010/main" val="2390441480"/>
-              </p:ext>
-            </p:extLst>
-          </p:nvPr>
-        </p:nvGraphicFramePr>
-        <p:xfrm>
-          <a:off x="145110" y="2057382"/>
-          <a:ext cx="4548479" cy="2002414"/>
-        </p:xfrm>
-        <a:graphic>
-          <a:graphicData uri="http://schemas.openxmlformats.org/drawingml/2006/diagram">
-            <dgm:relIds xmlns:dgm="http://schemas.openxmlformats.org/drawingml/2006/diagram" xmlns:r="http://schemas.openxmlformats.org/officeDocument/2006/relationships" r:dm="rId4" r:lo="rId5" r:qs="rId6" r:cs="rId7"/>
-          </a:graphicData>
-        </a:graphic>
-      </p:graphicFrame>
+          </a:p>
+        </p:txBody>
+      </p:sp>
       <p:pic>
         <p:nvPicPr>
           <p:cNvPr id="16" name="Picture 15">
@@ -10490,15 +7936,15 @@
           <p:nvPr/>
         </p:nvPicPr>
         <p:blipFill>
-          <a:blip r:embed="rId9"/>
+          <a:blip r:embed="rId3"/>
           <a:stretch>
             <a:fillRect/>
           </a:stretch>
         </p:blipFill>
         <p:spPr>
           <a:xfrm>
-            <a:off x="828675" y="4516189"/>
-            <a:ext cx="3181350" cy="1885418"/>
+            <a:off x="6600825" y="3410942"/>
+            <a:ext cx="4429125" cy="2624909"/>
           </a:xfrm>
           <a:prstGeom prst="ellipse">
             <a:avLst/>
@@ -10551,10 +7997,73 @@
           <a:lstStyle/>
           <a:p>
             <a:fld id="{6D22F896-40B5-4ADD-8801-0D06FADFA095}" type="slidenum">
-              <a:rPr lang="en-US" smtClean="0"/>
+              <a:rPr lang="en-US" sz="1400" smtClean="0"/>
               <a:t>2</a:t>
             </a:fld>
-            <a:endParaRPr lang="en-US" dirty="0"/>
+            <a:r>
+              <a:rPr lang="bs-Latn-BA" sz="1400" dirty="0"/>
+              <a:t>/14</a:t>
+            </a:r>
+            <a:endParaRPr lang="en-US" sz="1400" dirty="0"/>
+          </a:p>
+        </p:txBody>
+      </p:sp>
+      <p:sp>
+        <p:nvSpPr>
+          <p:cNvPr id="4" name="TextBox 3">
+            <a:extLst>
+              <a:ext uri="{FF2B5EF4-FFF2-40B4-BE49-F238E27FC236}">
+                <a16:creationId xmlns:a16="http://schemas.microsoft.com/office/drawing/2014/main" id="{78EB957C-ADB8-425E-AE99-591E359CC4B2}"/>
+              </a:ext>
+            </a:extLst>
+          </p:cNvPr>
+          <p:cNvSpPr txBox="1"/>
+          <p:nvPr/>
+        </p:nvSpPr>
+        <p:spPr>
+          <a:xfrm>
+            <a:off x="638175" y="2173589"/>
+            <a:ext cx="6680034" cy="923330"/>
+          </a:xfrm>
+          <a:prstGeom prst="rect">
+            <a:avLst/>
+          </a:prstGeom>
+          <a:noFill/>
+        </p:spPr>
+        <p:txBody>
+          <a:bodyPr wrap="none" rtlCol="0">
+            <a:spAutoFit/>
+          </a:bodyPr>
+          <a:lstStyle/>
+          <a:p>
+            <a:pPr marL="285750" indent="-285750">
+              <a:buFont typeface="Arial" panose="020B0604020202020204" pitchFamily="34" charset="0"/>
+              <a:buChar char="•"/>
+            </a:pPr>
+            <a:r>
+              <a:rPr lang="bs-Latn-BA" dirty="0"/>
+              <a:t>Effects of machine learning algorithms are all around us</a:t>
+            </a:r>
+          </a:p>
+          <a:p>
+            <a:pPr marL="285750" indent="-285750">
+              <a:buFont typeface="Arial" panose="020B0604020202020204" pitchFamily="34" charset="0"/>
+              <a:buChar char="•"/>
+            </a:pPr>
+            <a:r>
+              <a:rPr lang="bs-Latn-BA" dirty="0"/>
+              <a:t>Curiosity</a:t>
+            </a:r>
+          </a:p>
+          <a:p>
+            <a:pPr marL="285750" indent="-285750">
+              <a:buFont typeface="Arial" panose="020B0604020202020204" pitchFamily="34" charset="0"/>
+              <a:buChar char="•"/>
+            </a:pPr>
+            <a:r>
+              <a:rPr lang="bs-Latn-BA" dirty="0"/>
+              <a:t>Digit recognition</a:t>
+            </a:r>
           </a:p>
         </p:txBody>
       </p:sp>
@@ -10646,30 +8155,14 @@
           </a:p>
           <a:p>
             <a:r>
-              <a:rPr lang="bs-Latn-BA" sz="2400" dirty="0">
-                <a:solidFill>
-                  <a:schemeClr val="accent4"/>
-                </a:solidFill>
-              </a:rPr>
-              <a:t>TASK 2: </a:t>
-            </a:r>
-            <a:r>
               <a:rPr lang="bs-Latn-BA" sz="2400" dirty="0"/>
-              <a:t>Classification in Data Science</a:t>
-            </a:r>
-          </a:p>
-          <a:p>
-            <a:r>
-              <a:rPr lang="bs-Latn-BA" sz="2400" dirty="0">
-                <a:solidFill>
-                  <a:schemeClr val="accent1"/>
-                </a:solidFill>
-              </a:rPr>
-              <a:t>TASK 3: </a:t>
-            </a:r>
+              <a:t>TASK 2: Classification in Data Science</a:t>
+            </a:r>
+          </a:p>
+          <a:p>
             <a:r>
               <a:rPr lang="bs-Latn-BA" sz="2400" dirty="0"/>
-              <a:t>Anomaly Detection</a:t>
+              <a:t>TASK 3: Anomaly Detection</a:t>
             </a:r>
           </a:p>
           <a:p>
@@ -10702,10 +8195,14 @@
           <a:lstStyle/>
           <a:p>
             <a:fld id="{6D22F896-40B5-4ADD-8801-0D06FADFA095}" type="slidenum">
-              <a:rPr lang="en-US" smtClean="0"/>
+              <a:rPr lang="en-US" sz="1400" smtClean="0"/>
               <a:t>3</a:t>
             </a:fld>
-            <a:endParaRPr lang="en-US" dirty="0"/>
+            <a:r>
+              <a:rPr lang="bs-Latn-BA" sz="1400" dirty="0"/>
+              <a:t>/14</a:t>
+            </a:r>
+            <a:endParaRPr lang="en-US" sz="1400" dirty="0"/>
           </a:p>
         </p:txBody>
       </p:sp>
@@ -10762,29 +8259,13 @@
           <a:p>
             <a:r>
               <a:rPr lang="bs-Latn-BA" dirty="0"/>
-              <a:t>Important for </a:t>
-            </a:r>
-            <a:r>
-              <a:rPr lang="bs-Latn-BA" dirty="0">
-                <a:solidFill>
-                  <a:schemeClr val="accent4"/>
-                </a:solidFill>
-              </a:rPr>
-              <a:t>DS</a:t>
-            </a:r>
-          </a:p>
-          <a:p>
-            <a:r>
-              <a:rPr lang="bs-Latn-BA" dirty="0">
-                <a:solidFill>
-                  <a:schemeClr val="accent3"/>
-                </a:solidFill>
-              </a:rPr>
-              <a:t>Easy to use </a:t>
-            </a:r>
+              <a:t>Important for DS</a:t>
+            </a:r>
+          </a:p>
+          <a:p>
             <a:r>
               <a:rPr lang="bs-Latn-BA" dirty="0"/>
-              <a:t>language</a:t>
+              <a:t>Easy to use language</a:t>
             </a:r>
           </a:p>
           <a:p>
@@ -10873,7 +8354,7 @@
         </p:nvSpPr>
         <p:spPr>
           <a:xfrm>
-            <a:off x="3753051" y="6218685"/>
+            <a:off x="3753051" y="5261525"/>
             <a:ext cx="4685898" cy="369332"/>
           </a:xfrm>
           <a:prstGeom prst="rect">
@@ -10890,9 +8371,8 @@
             <a:r>
               <a:rPr lang="bs-Latn-BA" dirty="0">
                 <a:solidFill>
-                  <a:schemeClr val="bg2">
-                    <a:lumMod val="60000"/>
-                    <a:lumOff val="40000"/>
+                  <a:schemeClr val="tx1">
+                    <a:lumMod val="85000"/>
                   </a:schemeClr>
                 </a:solidFill>
               </a:rPr>
@@ -10956,10 +8436,14 @@
           <a:lstStyle/>
           <a:p>
             <a:fld id="{6D22F896-40B5-4ADD-8801-0D06FADFA095}" type="slidenum">
-              <a:rPr lang="en-US" smtClean="0"/>
+              <a:rPr lang="en-US" sz="1400" smtClean="0"/>
               <a:t>4</a:t>
             </a:fld>
-            <a:endParaRPr lang="en-US" dirty="0"/>
+            <a:r>
+              <a:rPr lang="bs-Latn-BA" sz="1400" dirty="0"/>
+              <a:t>/14</a:t>
+            </a:r>
+            <a:endParaRPr lang="en-US" sz="1400" dirty="0"/>
           </a:p>
         </p:txBody>
       </p:sp>
@@ -11015,24 +8499,8 @@
           <a:lstStyle/>
           <a:p>
             <a:r>
-              <a:rPr lang="bs-Latn-BA" dirty="0">
-                <a:solidFill>
-                  <a:schemeClr val="accent6"/>
-                </a:solidFill>
-              </a:rPr>
-              <a:t>CLASSIFICATION</a:t>
-            </a:r>
-            <a:r>
               <a:rPr lang="bs-Latn-BA" dirty="0"/>
-              <a:t> IN </a:t>
-            </a:r>
-            <a:r>
-              <a:rPr lang="bs-Latn-BA" dirty="0">
-                <a:solidFill>
-                  <a:schemeClr val="accent4"/>
-                </a:solidFill>
-              </a:rPr>
-              <a:t>DATA SCIENCE</a:t>
+              <a:t>CLASSIFICATION IN DATA SCIENCE</a:t>
             </a:r>
           </a:p>
         </p:txBody>
@@ -11059,11 +8527,7 @@
           <a:lstStyle/>
           <a:p>
             <a:r>
-              <a:rPr lang="bs-Latn-BA" dirty="0">
-                <a:solidFill>
-                  <a:schemeClr val="accent6"/>
-                </a:solidFill>
-              </a:rPr>
+              <a:rPr lang="bs-Latn-BA" dirty="0"/>
               <a:t>Use-case scenario:</a:t>
             </a:r>
           </a:p>
@@ -11083,11 +8547,7 @@
           </a:p>
           <a:p>
             <a:r>
-              <a:rPr lang="bs-Latn-BA" dirty="0">
-                <a:solidFill>
-                  <a:schemeClr val="accent4"/>
-                </a:solidFill>
-              </a:rPr>
+              <a:rPr lang="bs-Latn-BA" dirty="0"/>
               <a:t>Goal:</a:t>
             </a:r>
           </a:p>
@@ -11102,6 +8562,12 @@
             <a:r>
               <a:rPr lang="bs-Latn-BA" dirty="0"/>
               <a:t>Dataset was given</a:t>
+            </a:r>
+          </a:p>
+          <a:p>
+            <a:r>
+              <a:rPr lang="bs-Latn-BA" dirty="0"/>
+              <a:t>Supervised learning</a:t>
             </a:r>
           </a:p>
         </p:txBody>
@@ -11128,7 +8594,7 @@
         </p:blipFill>
         <p:spPr>
           <a:xfrm>
-            <a:off x="7734300" y="5273780"/>
+            <a:off x="7734300" y="4904665"/>
             <a:ext cx="3771900" cy="1082064"/>
           </a:xfrm>
           <a:prstGeom prst="rect">
@@ -11158,10 +8624,14 @@
           <a:lstStyle/>
           <a:p>
             <a:fld id="{6D22F896-40B5-4ADD-8801-0D06FADFA095}" type="slidenum">
-              <a:rPr lang="en-US" smtClean="0"/>
+              <a:rPr lang="en-US" sz="1400" smtClean="0"/>
               <a:t>5</a:t>
             </a:fld>
-            <a:endParaRPr lang="en-US" dirty="0"/>
+            <a:r>
+              <a:rPr lang="bs-Latn-BA" sz="1400" dirty="0"/>
+              <a:t>/14</a:t>
+            </a:r>
+            <a:endParaRPr lang="en-US" sz="1400" dirty="0"/>
           </a:p>
         </p:txBody>
       </p:sp>
@@ -11224,13 +8694,12 @@
             <a:r>
               <a:rPr lang="bs-Latn-BA" cap="none" dirty="0">
                 <a:ln w="0"/>
-                <a:solidFill>
-                  <a:schemeClr val="tx1">
-                    <a:lumMod val="95000"/>
-                  </a:schemeClr>
-                </a:solidFill>
                 <a:effectLst>
-                  <a:reflection blurRad="6350" stA="53000" endA="300" endPos="35500" dir="5400000" sy="-90000" algn="bl" rotWithShape="0"/>
+                  <a:outerShdw blurRad="38100" dist="19050" dir="2700000" algn="tl" rotWithShape="0">
+                    <a:schemeClr val="dk1">
+                      <a:alpha val="40000"/>
+                    </a:schemeClr>
+                  </a:outerShdw>
                 </a:effectLst>
               </a:rPr>
               <a:t>TITANIC</a:t>
@@ -11253,20 +8722,20 @@
           <p:nvPr>
             <p:extLst>
               <p:ext uri="{D42A27DB-BD31-4B8C-83A1-F6EECF244321}">
-                <p14:modId xmlns:p14="http://schemas.microsoft.com/office/powerpoint/2010/main" val="2293272800"/>
+                <p14:modId xmlns:p14="http://schemas.microsoft.com/office/powerpoint/2010/main" val="2372072227"/>
               </p:ext>
             </p:extLst>
           </p:nvPr>
         </p:nvGraphicFramePr>
         <p:xfrm>
-          <a:off x="1981201" y="2886285"/>
+          <a:off x="1981201" y="3696411"/>
           <a:ext cx="8229598" cy="731520"/>
         </p:xfrm>
         <a:graphic>
           <a:graphicData uri="http://schemas.openxmlformats.org/drawingml/2006/table">
             <a:tbl>
               <a:tblPr firstRow="1" bandRow="1">
-                <a:tableStyleId>{5C22544A-7EE6-4342-B048-85BDC9FD1C3A}</a:tableStyleId>
+                <a:tableStyleId>{073A0DAA-6AF3-43AB-8588-CEC1D06C72B9}</a:tableStyleId>
               </a:tblPr>
               <a:tblGrid>
                 <a:gridCol w="337432">
@@ -11290,21 +8759,21 @@
                     </a:ext>
                   </a:extLst>
                 </a:gridCol>
-                <a:gridCol w="810922">
+                <a:gridCol w="1341616">
                   <a:extLst>
                     <a:ext uri="{9D8B030D-6E8A-4147-A177-3AD203B41FA5}">
                       <a16:colId xmlns:a16="http://schemas.microsoft.com/office/drawing/2014/main" val="1382453557"/>
                     </a:ext>
                   </a:extLst>
                 </a:gridCol>
-                <a:gridCol w="1393773">
+                <a:gridCol w="989901">
                   <a:extLst>
                     <a:ext uri="{9D8B030D-6E8A-4147-A177-3AD203B41FA5}">
                       <a16:colId xmlns:a16="http://schemas.microsoft.com/office/drawing/2014/main" val="2410385688"/>
                     </a:ext>
                   </a:extLst>
                 </a:gridCol>
-                <a:gridCol w="1260733">
+                <a:gridCol w="1133911">
                   <a:extLst>
                     <a:ext uri="{9D8B030D-6E8A-4147-A177-3AD203B41FA5}">
                       <a16:colId xmlns:a16="http://schemas.microsoft.com/office/drawing/2014/main" val="2672964142"/>
@@ -11387,9 +8856,10 @@
                     <a:p>
                       <a:pPr algn="ctr"/>
                       <a:r>
-                        <a:rPr lang="bs-Latn-BA" i="1" dirty="0"/>
+                        <a:rPr lang="bs-Latn-BA" dirty="0"/>
                         <a:t>Survived</a:t>
                       </a:r>
+                      <a:endParaRPr lang="bs-Latn-BA" i="1" dirty="0"/>
                     </a:p>
                   </a:txBody>
                   <a:tcPr/>
@@ -11422,14 +8892,8 @@
                     <a:p>
                       <a:pPr algn="ctr"/>
                       <a:r>
-                        <a:rPr lang="bs-Latn-BA" sz="1800" b="0" i="0" kern="1200" dirty="0">
-                          <a:solidFill>
-                            <a:schemeClr val="dk1"/>
-                          </a:solidFill>
+                        <a:rPr lang="bs-Latn-BA" sz="1800" kern="1200" dirty="0">
                           <a:effectLst/>
-                          <a:latin typeface="+mn-lt"/>
-                          <a:ea typeface="+mn-ea"/>
-                          <a:cs typeface="+mn-cs"/>
                         </a:rPr>
                         <a:t>Allen, Miss Elisabeth Walton</a:t>
                       </a:r>
@@ -11504,89 +8968,6 @@
           </a:graphicData>
         </a:graphic>
       </p:graphicFrame>
-      <p:sp>
-        <p:nvSpPr>
-          <p:cNvPr id="7" name="TextBox 6">
-            <a:extLst>
-              <a:ext uri="{FF2B5EF4-FFF2-40B4-BE49-F238E27FC236}">
-                <a16:creationId xmlns:a16="http://schemas.microsoft.com/office/drawing/2014/main" id="{5BA91E89-C1AE-4F2A-96E4-37973B20E5E3}"/>
-              </a:ext>
-            </a:extLst>
-          </p:cNvPr>
-          <p:cNvSpPr txBox="1"/>
-          <p:nvPr/>
-        </p:nvSpPr>
-        <p:spPr>
-          <a:xfrm>
-            <a:off x="685800" y="3766898"/>
-            <a:ext cx="7175500" cy="1015663"/>
-          </a:xfrm>
-          <a:prstGeom prst="rect">
-            <a:avLst/>
-          </a:prstGeom>
-          <a:noFill/>
-        </p:spPr>
-        <p:txBody>
-          <a:bodyPr wrap="square" rtlCol="0">
-            <a:spAutoFit/>
-          </a:bodyPr>
-          <a:lstStyle/>
-          <a:p>
-            <a:pPr marL="285750" indent="-285750">
-              <a:buFont typeface="Arial" panose="020B0604020202020204" pitchFamily="34" charset="0"/>
-              <a:buChar char="•"/>
-            </a:pPr>
-            <a:r>
-              <a:rPr lang="bs-Latn-BA" sz="2000" dirty="0">
-                <a:solidFill>
-                  <a:schemeClr val="accent1"/>
-                </a:solidFill>
-              </a:rPr>
-              <a:t>Missing values </a:t>
-            </a:r>
-            <a:r>
-              <a:rPr lang="bs-Latn-BA" sz="2000" dirty="0"/>
-              <a:t>in Age column and PClass column</a:t>
-            </a:r>
-          </a:p>
-          <a:p>
-            <a:pPr marL="285750" indent="-285750">
-              <a:buFont typeface="Arial" panose="020B0604020202020204" pitchFamily="34" charset="0"/>
-              <a:buChar char="•"/>
-            </a:pPr>
-            <a:r>
-              <a:rPr lang="bs-Latn-BA" sz="2000" dirty="0"/>
-              <a:t>Only </a:t>
-            </a:r>
-            <a:r>
-              <a:rPr lang="bs-Latn-BA" sz="2000" dirty="0">
-                <a:solidFill>
-                  <a:schemeClr val="accent1"/>
-                </a:solidFill>
-              </a:rPr>
-              <a:t>one </a:t>
-            </a:r>
-            <a:r>
-              <a:rPr lang="bs-Latn-BA" sz="2000" dirty="0"/>
-              <a:t>outlier in PClass column</a:t>
-            </a:r>
-          </a:p>
-          <a:p>
-            <a:pPr marL="285750" indent="-285750">
-              <a:buFont typeface="Arial" panose="020B0604020202020204" pitchFamily="34" charset="0"/>
-              <a:buChar char="•"/>
-            </a:pPr>
-            <a:r>
-              <a:rPr lang="bs-Latn-BA" sz="2000" dirty="0">
-                <a:solidFill>
-                  <a:schemeClr val="accent4"/>
-                </a:solidFill>
-              </a:rPr>
-              <a:t>Dimensionality reduction</a:t>
-            </a:r>
-          </a:p>
-        </p:txBody>
-      </p:sp>
       <p:graphicFrame>
         <p:nvGraphicFramePr>
           <p:cNvPr id="9" name="Table 8">
@@ -11602,51 +8983,51 @@
           <p:nvPr>
             <p:extLst>
               <p:ext uri="{D42A27DB-BD31-4B8C-83A1-F6EECF244321}">
-                <p14:modId xmlns:p14="http://schemas.microsoft.com/office/powerpoint/2010/main" val="2014439677"/>
+                <p14:modId xmlns:p14="http://schemas.microsoft.com/office/powerpoint/2010/main" val="4110502502"/>
               </p:ext>
             </p:extLst>
           </p:nvPr>
         </p:nvGraphicFramePr>
         <p:xfrm>
-          <a:off x="3740150" y="4875515"/>
-          <a:ext cx="4711700" cy="741680"/>
+          <a:off x="1981201" y="4736294"/>
+          <a:ext cx="8229599" cy="741680"/>
         </p:xfrm>
         <a:graphic>
           <a:graphicData uri="http://schemas.openxmlformats.org/drawingml/2006/table">
             <a:tbl>
               <a:tblPr firstRow="1" bandRow="1">
-                <a:tableStyleId>{00A15C55-8517-42AA-B614-E9B94910E393}</a:tableStyleId>
+                <a:tableStyleId>{073A0DAA-6AF3-43AB-8588-CEC1D06C72B9}</a:tableStyleId>
               </a:tblPr>
               <a:tblGrid>
-                <a:gridCol w="257671">
+                <a:gridCol w="450057">
                   <a:extLst>
                     <a:ext uri="{9D8B030D-6E8A-4147-A177-3AD203B41FA5}">
                       <a16:colId xmlns:a16="http://schemas.microsoft.com/office/drawing/2014/main" val="2254113796"/>
                     </a:ext>
                   </a:extLst>
                 </a:gridCol>
-                <a:gridCol w="809129">
+                <a:gridCol w="3248089">
                   <a:extLst>
                     <a:ext uri="{9D8B030D-6E8A-4147-A177-3AD203B41FA5}">
                       <a16:colId xmlns:a16="http://schemas.microsoft.com/office/drawing/2014/main" val="2365998318"/>
                     </a:ext>
                   </a:extLst>
                 </a:gridCol>
-                <a:gridCol w="964520">
+                <a:gridCol w="1073791">
                   <a:extLst>
                     <a:ext uri="{9D8B030D-6E8A-4147-A177-3AD203B41FA5}">
                       <a16:colId xmlns:a16="http://schemas.microsoft.com/office/drawing/2014/main" val="2691046941"/>
                     </a:ext>
                   </a:extLst>
                 </a:gridCol>
-                <a:gridCol w="1334180">
+                <a:gridCol w="1317071">
                   <a:extLst>
                     <a:ext uri="{9D8B030D-6E8A-4147-A177-3AD203B41FA5}">
                       <a16:colId xmlns:a16="http://schemas.microsoft.com/office/drawing/2014/main" val="1296118771"/>
                     </a:ext>
                   </a:extLst>
                 </a:gridCol>
-                <a:gridCol w="1346200">
+                <a:gridCol w="2140591">
                   <a:extLst>
                     <a:ext uri="{9D8B030D-6E8A-4147-A177-3AD203B41FA5}">
                       <a16:colId xmlns:a16="http://schemas.microsoft.com/office/drawing/2014/main" val="175467885"/>
@@ -11715,9 +9096,10 @@
                     <a:p>
                       <a:pPr algn="ctr"/>
                       <a:r>
-                        <a:rPr lang="bs-Latn-BA" i="1" dirty="0"/>
+                        <a:rPr lang="bs-Latn-BA" dirty="0"/>
                         <a:t>Survived</a:t>
                       </a:r>
+                      <a:endParaRPr lang="bs-Latn-BA" i="1" dirty="0"/>
                     </a:p>
                   </a:txBody>
                   <a:tcPr/>
@@ -11823,8 +9205,8 @@
         </p:nvSpPr>
         <p:spPr>
           <a:xfrm>
-            <a:off x="685800" y="1756832"/>
-            <a:ext cx="7175500" cy="1015663"/>
+            <a:off x="677411" y="1756832"/>
+            <a:ext cx="7175500" cy="1631216"/>
           </a:xfrm>
           <a:prstGeom prst="rect">
             <a:avLst/>
@@ -11837,13 +9219,19 @@
           </a:bodyPr>
           <a:lstStyle/>
           <a:p>
+            <a:r>
+              <a:rPr lang="bs-Latn-BA" sz="2000" b="1" dirty="0"/>
+              <a:t>Preprocessing</a:t>
+            </a:r>
+          </a:p>
+          <a:p>
             <a:pPr marL="285750" indent="-285750">
               <a:buFont typeface="Arial" panose="020B0604020202020204" pitchFamily="34" charset="0"/>
               <a:buChar char="•"/>
             </a:pPr>
             <a:r>
               <a:rPr lang="bs-Latn-BA" sz="2000" dirty="0"/>
-              <a:t>Supervised learning</a:t>
+              <a:t>1303 examples, 4 features</a:t>
             </a:r>
           </a:p>
           <a:p>
@@ -11853,37 +9241,27 @@
             </a:pPr>
             <a:r>
               <a:rPr lang="bs-Latn-BA" sz="2000" dirty="0"/>
-              <a:t>Preprocessing:</a:t>
-            </a:r>
-          </a:p>
-          <a:p>
-            <a:pPr marL="742950" lvl="1" indent="-285750">
+              <a:t>Missing values in Age column and PClass column</a:t>
+            </a:r>
+          </a:p>
+          <a:p>
+            <a:pPr marL="285750" indent="-285750">
               <a:buFont typeface="Arial" panose="020B0604020202020204" pitchFamily="34" charset="0"/>
               <a:buChar char="•"/>
             </a:pPr>
             <a:r>
-              <a:rPr lang="bs-Latn-BA" sz="2000" dirty="0">
-                <a:solidFill>
-                  <a:schemeClr val="accent3"/>
-                </a:solidFill>
-              </a:rPr>
-              <a:t>1303</a:t>
-            </a:r>
-            <a:r>
               <a:rPr lang="bs-Latn-BA" sz="2000" dirty="0"/>
-              <a:t> examples, </a:t>
-            </a:r>
-            <a:r>
-              <a:rPr lang="bs-Latn-BA" sz="2000" dirty="0">
-                <a:solidFill>
-                  <a:schemeClr val="accent3"/>
-                </a:solidFill>
-              </a:rPr>
-              <a:t>4</a:t>
-            </a:r>
+              <a:t>Only one outlier in PClass column</a:t>
+            </a:r>
+          </a:p>
+          <a:p>
+            <a:pPr marL="285750" indent="-285750">
+              <a:buFont typeface="Arial" panose="020B0604020202020204" pitchFamily="34" charset="0"/>
+              <a:buChar char="•"/>
+            </a:pPr>
             <a:r>
               <a:rPr lang="bs-Latn-BA" sz="2000" dirty="0"/>
-              <a:t> features</a:t>
+              <a:t>Dimensionality reduction</a:t>
             </a:r>
           </a:p>
         </p:txBody>
@@ -11910,10 +9288,14 @@
           <a:lstStyle/>
           <a:p>
             <a:fld id="{6D22F896-40B5-4ADD-8801-0D06FADFA095}" type="slidenum">
-              <a:rPr lang="en-US" smtClean="0"/>
+              <a:rPr lang="en-US" sz="1400" smtClean="0"/>
               <a:t>6</a:t>
             </a:fld>
-            <a:endParaRPr lang="en-US" dirty="0"/>
+            <a:r>
+              <a:rPr lang="bs-Latn-BA" sz="1400" dirty="0"/>
+              <a:t>/14</a:t>
+            </a:r>
+            <a:endParaRPr lang="en-US" sz="1400" dirty="0"/>
           </a:p>
         </p:txBody>
       </p:sp>
@@ -11996,16 +9378,8 @@
           </a:p>
           <a:p>
             <a:r>
-              <a:rPr lang="bs-Latn-BA" dirty="0">
-                <a:solidFill>
-                  <a:schemeClr val="accent4"/>
-                </a:solidFill>
-              </a:rPr>
-              <a:t>Support Vector Machine Classifier </a:t>
-            </a:r>
-            <a:r>
               <a:rPr lang="bs-Latn-BA" dirty="0"/>
-              <a:t>gave the best results</a:t>
+              <a:t>Support Vector Machine Classifier gave the best results</a:t>
             </a:r>
           </a:p>
           <a:p>
@@ -12037,26 +9411,122 @@
             <a:r>
               <a:rPr lang="bs-Latn-BA" cap="none" dirty="0">
                 <a:ln w="0"/>
-                <a:solidFill>
-                  <a:schemeClr val="tx1">
-                    <a:lumMod val="95000"/>
-                  </a:schemeClr>
-                </a:solidFill>
                 <a:effectLst>
-                  <a:reflection blurRad="6350" stA="53000" endA="300" endPos="35500" dir="5400000" sy="-90000" algn="bl" rotWithShape="0"/>
+                  <a:outerShdw blurRad="38100" dist="19050" dir="2700000" algn="tl" rotWithShape="0">
+                    <a:schemeClr val="dk1">
+                      <a:alpha val="40000"/>
+                    </a:schemeClr>
+                  </a:outerShdw>
                 </a:effectLst>
               </a:rPr>
               <a:t>TITANIC</a:t>
             </a:r>
+            <a:endParaRPr lang="bs-Latn-BA" cap="none" dirty="0">
+              <a:ln w="0"/>
+              <a:solidFill>
+                <a:schemeClr val="tx1">
+                  <a:lumMod val="95000"/>
+                </a:schemeClr>
+              </a:solidFill>
+              <a:effectLst>
+                <a:reflection blurRad="6350" stA="53000" endA="300" endPos="35500" dir="5400000" sy="-90000" algn="bl" rotWithShape="0"/>
+              </a:effectLst>
+            </a:endParaRPr>
+          </a:p>
+        </p:txBody>
+      </p:sp>
+      <p:sp>
+        <p:nvSpPr>
+          <p:cNvPr id="6" name="TextBox 5">
+            <a:extLst>
+              <a:ext uri="{FF2B5EF4-FFF2-40B4-BE49-F238E27FC236}">
+                <a16:creationId xmlns:a16="http://schemas.microsoft.com/office/drawing/2014/main" id="{542312A2-1DCD-446D-8ABF-3CCA74518D82}"/>
+              </a:ext>
+            </a:extLst>
+          </p:cNvPr>
+          <p:cNvSpPr txBox="1"/>
+          <p:nvPr/>
+        </p:nvSpPr>
+        <p:spPr>
+          <a:xfrm>
+            <a:off x="9487628" y="4184368"/>
+            <a:ext cx="1293944" cy="1200329"/>
+          </a:xfrm>
+          <a:prstGeom prst="rect">
+            <a:avLst/>
+          </a:prstGeom>
+          <a:noFill/>
+        </p:spPr>
+        <p:txBody>
+          <a:bodyPr wrap="none" rtlCol="0">
+            <a:spAutoFit/>
+          </a:bodyPr>
+          <a:lstStyle/>
+          <a:p>
+            <a:r>
+              <a:rPr lang="bs-Latn-BA" i="1" dirty="0"/>
+              <a:t>Accuracy</a:t>
+            </a:r>
+          </a:p>
+          <a:p>
+            <a:r>
+              <a:rPr lang="bs-Latn-BA" i="1" dirty="0"/>
+              <a:t>Precision</a:t>
+            </a:r>
+          </a:p>
+          <a:p>
+            <a:r>
+              <a:rPr lang="bs-Latn-BA" i="1" dirty="0"/>
+              <a:t>Recall</a:t>
+            </a:r>
+          </a:p>
+          <a:p>
+            <a:r>
+              <a:rPr lang="bs-Latn-BA" i="1" dirty="0"/>
+              <a:t>F1-score</a:t>
+            </a:r>
+          </a:p>
+        </p:txBody>
+      </p:sp>
+      <p:sp>
+        <p:nvSpPr>
+          <p:cNvPr id="7" name="Slide Number Placeholder 6">
+            <a:extLst>
+              <a:ext uri="{FF2B5EF4-FFF2-40B4-BE49-F238E27FC236}">
+                <a16:creationId xmlns:a16="http://schemas.microsoft.com/office/drawing/2014/main" id="{15C536DA-27DE-4A76-AA9D-429258EEDA71}"/>
+              </a:ext>
+            </a:extLst>
+          </p:cNvPr>
+          <p:cNvSpPr>
+            <a:spLocks noGrp="1"/>
+          </p:cNvSpPr>
+          <p:nvPr>
+            <p:ph type="sldNum" sz="quarter" idx="12"/>
+          </p:nvPr>
+        </p:nvSpPr>
+        <p:spPr/>
+        <p:txBody>
+          <a:bodyPr/>
+          <a:lstStyle/>
+          <a:p>
+            <a:fld id="{6D22F896-40B5-4ADD-8801-0D06FADFA095}" type="slidenum">
+              <a:rPr lang="en-US" sz="1400" smtClean="0"/>
+              <a:t>7</a:t>
+            </a:fld>
+            <a:r>
+              <a:rPr lang="bs-Latn-BA" sz="1400" dirty="0"/>
+              <a:t>/14</a:t>
+            </a:r>
+            <a:endParaRPr lang="en-US" sz="1400" dirty="0"/>
           </a:p>
         </p:txBody>
       </p:sp>
       <p:graphicFrame>
         <p:nvGraphicFramePr>
-          <p:cNvPr id="5" name="Table 4">
+          <p:cNvPr id="8" name="Table 7">
             <a:extLst>
               <a:ext uri="{FF2B5EF4-FFF2-40B4-BE49-F238E27FC236}">
-                <a16:creationId xmlns:a16="http://schemas.microsoft.com/office/drawing/2014/main" id="{7E8C1EA4-9B0B-41E6-8F69-10E0605BD2FB}"/>
+                <a16:creationId xmlns:a16="http://schemas.microsoft.com/office/drawing/2014/main" id="{951088E3-42E4-4A4F-B2BA-05AFE9BE0FAD}"/>
               </a:ext>
             </a:extLst>
           </p:cNvPr>
@@ -12066,140 +9536,291 @@
           <p:nvPr>
             <p:extLst>
               <p:ext uri="{D42A27DB-BD31-4B8C-83A1-F6EECF244321}">
-                <p14:modId xmlns:p14="http://schemas.microsoft.com/office/powerpoint/2010/main" val="2233102862"/>
+                <p14:modId xmlns:p14="http://schemas.microsoft.com/office/powerpoint/2010/main" val="1115194950"/>
               </p:ext>
             </p:extLst>
           </p:nvPr>
         </p:nvGraphicFramePr>
         <p:xfrm>
-          <a:off x="685800" y="3716184"/>
-          <a:ext cx="6565900" cy="2377443"/>
+          <a:off x="819151" y="3644620"/>
+          <a:ext cx="7877174" cy="2279826"/>
         </p:xfrm>
         <a:graphic>
           <a:graphicData uri="http://schemas.openxmlformats.org/drawingml/2006/table">
             <a:tbl>
               <a:tblPr firstRow="1" bandRow="1">
-                <a:tableStyleId>{3C2FFA5D-87B4-456A-9821-1D502468CF0F}</a:tableStyleId>
+                <a:tableStyleId>{5202B0CA-FC54-4496-8BCA-5EF66A818D29}</a:tableStyleId>
               </a:tblPr>
               <a:tblGrid>
-                <a:gridCol w="1641475">
+                <a:gridCol w="3646467">
                   <a:extLst>
                     <a:ext uri="{9D8B030D-6E8A-4147-A177-3AD203B41FA5}">
-                      <a16:colId xmlns:a16="http://schemas.microsoft.com/office/drawing/2014/main" val="718826044"/>
+                      <a16:colId xmlns:a16="http://schemas.microsoft.com/office/drawing/2014/main" val="805726778"/>
                     </a:ext>
                   </a:extLst>
                 </a:gridCol>
-                <a:gridCol w="1641475">
+                <a:gridCol w="2377255">
                   <a:extLst>
                     <a:ext uri="{9D8B030D-6E8A-4147-A177-3AD203B41FA5}">
-                      <a16:colId xmlns:a16="http://schemas.microsoft.com/office/drawing/2014/main" val="868997013"/>
+                      <a16:colId xmlns:a16="http://schemas.microsoft.com/office/drawing/2014/main" val="2965796033"/>
                     </a:ext>
                   </a:extLst>
                 </a:gridCol>
-                <a:gridCol w="1641475">
+                <a:gridCol w="1853452">
                   <a:extLst>
                     <a:ext uri="{9D8B030D-6E8A-4147-A177-3AD203B41FA5}">
-                      <a16:colId xmlns:a16="http://schemas.microsoft.com/office/drawing/2014/main" val="2827552852"/>
-                    </a:ext>
-                  </a:extLst>
-                </a:gridCol>
-                <a:gridCol w="1641475">
-                  <a:extLst>
-                    <a:ext uri="{9D8B030D-6E8A-4147-A177-3AD203B41FA5}">
-                      <a16:colId xmlns:a16="http://schemas.microsoft.com/office/drawing/2014/main" val="3778997794"/>
+                      <a16:colId xmlns:a16="http://schemas.microsoft.com/office/drawing/2014/main" val="823921807"/>
                     </a:ext>
                   </a:extLst>
                 </a:gridCol>
               </a:tblGrid>
-              <a:tr h="352213">
+              <a:tr h="300422">
                 <a:tc>
                   <a:txBody>
                     <a:bodyPr/>
                     <a:lstStyle/>
                     <a:p>
-                      <a:pPr algn="ctr"/>
+                      <a:pPr algn="ctr" fontAlgn="b"/>
                       <a:r>
-                        <a:rPr lang="bs-Latn-BA" sz="1600" b="1" dirty="0"/>
-                        <a:t>Actual output</a:t>
+                        <a:rPr lang="bs-Latn-BA" sz="1600" u="none" strike="noStrike" dirty="0">
+                          <a:effectLst/>
+                        </a:rPr>
+                        <a:t>Name</a:t>
                       </a:r>
+                      <a:endParaRPr lang="bs-Latn-BA" sz="1600" b="1" i="0" u="none" strike="noStrike" dirty="0">
+                        <a:solidFill>
+                          <a:schemeClr val="bg1"/>
+                        </a:solidFill>
+                        <a:effectLst/>
+                        <a:latin typeface="Calibri" panose="020F0502020204030204" pitchFamily="34" charset="0"/>
+                      </a:endParaRPr>
                     </a:p>
                   </a:txBody>
-                  <a:tcPr/>
+                  <a:tcPr marL="9525" marR="9525" marT="9525" marB="0" anchor="b">
+                    <a:lnL w="12700" cap="flat" cmpd="sng" algn="ctr">
+                      <a:solidFill>
+                        <a:schemeClr val="tx1"/>
+                      </a:solidFill>
+                      <a:prstDash val="solid"/>
+                      <a:round/>
+                      <a:headEnd type="none" w="med" len="med"/>
+                      <a:tailEnd type="none" w="med" len="med"/>
+                    </a:lnL>
+                    <a:lnR w="12700" cap="flat" cmpd="sng" algn="ctr">
+                      <a:solidFill>
+                        <a:schemeClr val="tx1"/>
+                      </a:solidFill>
+                      <a:prstDash val="solid"/>
+                      <a:round/>
+                      <a:headEnd type="none" w="med" len="med"/>
+                      <a:tailEnd type="none" w="med" len="med"/>
+                    </a:lnR>
+                    <a:lnT w="12700" cap="flat" cmpd="sng" algn="ctr">
+                      <a:solidFill>
+                        <a:schemeClr val="tx1"/>
+                      </a:solidFill>
+                      <a:prstDash val="solid"/>
+                      <a:round/>
+                      <a:headEnd type="none" w="med" len="med"/>
+                      <a:tailEnd type="none" w="med" len="med"/>
+                    </a:lnT>
+                    <a:lnB w="12700" cap="flat" cmpd="sng" algn="ctr">
+                      <a:solidFill>
+                        <a:schemeClr val="tx1"/>
+                      </a:solidFill>
+                      <a:prstDash val="solid"/>
+                      <a:round/>
+                      <a:headEnd type="none" w="med" len="med"/>
+                      <a:tailEnd type="none" w="med" len="med"/>
+                    </a:lnB>
+                  </a:tcPr>
                 </a:tc>
                 <a:tc>
                   <a:txBody>
                     <a:bodyPr/>
                     <a:lstStyle/>
                     <a:p>
-                      <a:pPr algn="ctr"/>
+                      <a:pPr algn="ctr" fontAlgn="b"/>
                       <a:r>
-                        <a:rPr lang="bs-Latn-BA" sz="1600" b="1" dirty="0"/>
-                        <a:t>Model output</a:t>
+                        <a:rPr lang="bs-Latn-BA" sz="1600" u="none" strike="noStrike" dirty="0">
+                          <a:effectLst/>
+                        </a:rPr>
+                        <a:t>Probability of survival</a:t>
                       </a:r>
+                      <a:endParaRPr lang="bs-Latn-BA" sz="1600" b="1" i="0" u="none" strike="noStrike" dirty="0">
+                        <a:solidFill>
+                          <a:schemeClr val="bg1"/>
+                        </a:solidFill>
+                        <a:effectLst/>
+                        <a:latin typeface="Calibri" panose="020F0502020204030204" pitchFamily="34" charset="0"/>
+                      </a:endParaRPr>
                     </a:p>
                   </a:txBody>
-                  <a:tcPr/>
+                  <a:tcPr marL="9525" marR="9525" marT="9525" marB="0" anchor="b">
+                    <a:lnL w="12700" cap="flat" cmpd="sng" algn="ctr">
+                      <a:solidFill>
+                        <a:schemeClr val="tx1"/>
+                      </a:solidFill>
+                      <a:prstDash val="solid"/>
+                      <a:round/>
+                      <a:headEnd type="none" w="med" len="med"/>
+                      <a:tailEnd type="none" w="med" len="med"/>
+                    </a:lnL>
+                    <a:lnR w="12700" cap="flat" cmpd="sng" algn="ctr">
+                      <a:solidFill>
+                        <a:schemeClr val="tx1"/>
+                      </a:solidFill>
+                      <a:prstDash val="solid"/>
+                      <a:round/>
+                      <a:headEnd type="none" w="med" len="med"/>
+                      <a:tailEnd type="none" w="med" len="med"/>
+                    </a:lnR>
+                    <a:lnT w="12700" cap="flat" cmpd="sng" algn="ctr">
+                      <a:solidFill>
+                        <a:schemeClr val="tx1"/>
+                      </a:solidFill>
+                      <a:prstDash val="solid"/>
+                      <a:round/>
+                      <a:headEnd type="none" w="med" len="med"/>
+                      <a:tailEnd type="none" w="med" len="med"/>
+                    </a:lnT>
+                    <a:lnB w="12700" cap="flat" cmpd="sng" algn="ctr">
+                      <a:solidFill>
+                        <a:schemeClr val="tx1"/>
+                      </a:solidFill>
+                      <a:prstDash val="solid"/>
+                      <a:round/>
+                      <a:headEnd type="none" w="med" len="med"/>
+                      <a:tailEnd type="none" w="med" len="med"/>
+                    </a:lnB>
+                  </a:tcPr>
                 </a:tc>
                 <a:tc>
                   <a:txBody>
                     <a:bodyPr/>
                     <a:lstStyle/>
                     <a:p>
-                      <a:pPr algn="ctr"/>
+                      <a:pPr algn="ctr" fontAlgn="b"/>
                       <a:r>
-                        <a:rPr lang="bs-Latn-BA" sz="1600" b="1" dirty="0"/>
-                        <a:t>Probability 0</a:t>
+                        <a:rPr lang="bs-Latn-BA" sz="1600" u="none" strike="noStrike" dirty="0">
+                          <a:effectLst/>
+                        </a:rPr>
+                        <a:t>Actually survived</a:t>
                       </a:r>
+                      <a:endParaRPr lang="bs-Latn-BA" sz="1600" b="1" i="0" u="none" strike="noStrike" dirty="0">
+                        <a:solidFill>
+                          <a:schemeClr val="bg1"/>
+                        </a:solidFill>
+                        <a:effectLst/>
+                        <a:latin typeface="Calibri" panose="020F0502020204030204" pitchFamily="34" charset="0"/>
+                      </a:endParaRPr>
                     </a:p>
                   </a:txBody>
-                  <a:tcPr/>
+                  <a:tcPr marL="9525" marR="9525" marT="9525" marB="0" anchor="b">
+                    <a:lnL w="12700" cap="flat" cmpd="sng" algn="ctr">
+                      <a:solidFill>
+                        <a:schemeClr val="tx1"/>
+                      </a:solidFill>
+                      <a:prstDash val="solid"/>
+                      <a:round/>
+                      <a:headEnd type="none" w="med" len="med"/>
+                      <a:tailEnd type="none" w="med" len="med"/>
+                    </a:lnL>
+                    <a:lnR w="12700" cap="flat" cmpd="sng" algn="ctr">
+                      <a:solidFill>
+                        <a:schemeClr val="tx1"/>
+                      </a:solidFill>
+                      <a:prstDash val="solid"/>
+                      <a:round/>
+                      <a:headEnd type="none" w="med" len="med"/>
+                      <a:tailEnd type="none" w="med" len="med"/>
+                    </a:lnR>
+                    <a:lnT w="12700" cap="flat" cmpd="sng" algn="ctr">
+                      <a:solidFill>
+                        <a:schemeClr val="tx1"/>
+                      </a:solidFill>
+                      <a:prstDash val="solid"/>
+                      <a:round/>
+                      <a:headEnd type="none" w="med" len="med"/>
+                      <a:tailEnd type="none" w="med" len="med"/>
+                    </a:lnT>
+                    <a:lnB w="12700" cap="flat" cmpd="sng" algn="ctr">
+                      <a:solidFill>
+                        <a:schemeClr val="tx1"/>
+                      </a:solidFill>
+                      <a:prstDash val="solid"/>
+                      <a:round/>
+                      <a:headEnd type="none" w="med" len="med"/>
+                      <a:tailEnd type="none" w="med" len="med"/>
+                    </a:lnB>
+                  </a:tcPr>
                 </a:tc>
+                <a:extLst>
+                  <a:ext uri="{0D108BD9-81ED-4DB2-BD59-A6C34878D82A}">
+                    <a16:rowId xmlns:a16="http://schemas.microsoft.com/office/drawing/2014/main" val="2040518095"/>
+                  </a:ext>
+                </a:extLst>
+              </a:tr>
+              <a:tr h="196785">
                 <a:tc>
                   <a:txBody>
                     <a:bodyPr/>
                     <a:lstStyle/>
                     <a:p>
-                      <a:pPr algn="ctr"/>
+                      <a:pPr algn="ctr" fontAlgn="b"/>
                       <a:r>
-                        <a:rPr lang="bs-Latn-BA" sz="1600" b="1" dirty="0"/>
-                        <a:t>Probability 1</a:t>
+                        <a:rPr lang="bs-Latn-BA" sz="1100" u="none" strike="noStrike" dirty="0">
+                          <a:effectLst/>
+                        </a:rPr>
+                        <a:t>Sage, Miss Constance</a:t>
                       </a:r>
+                      <a:endParaRPr lang="bs-Latn-BA" sz="1100" b="0" i="0" u="none" strike="noStrike" dirty="0">
+                        <a:solidFill>
+                          <a:srgbClr val="000000"/>
+                        </a:solidFill>
+                        <a:effectLst/>
+                        <a:latin typeface="Calibri" panose="020F0502020204030204" pitchFamily="34" charset="0"/>
+                      </a:endParaRPr>
                     </a:p>
                   </a:txBody>
-                  <a:tcPr/>
-                </a:tc>
-                <a:extLst>
-                  <a:ext uri="{0D108BD9-81ED-4DB2-BD59-A6C34878D82A}">
-                    <a16:rowId xmlns:a16="http://schemas.microsoft.com/office/drawing/2014/main" val="1300492530"/>
-                  </a:ext>
-                </a:extLst>
-              </a:tr>
-              <a:tr h="202523">
-                <a:tc>
-                  <a:txBody>
-                    <a:bodyPr/>
-                    <a:lstStyle/>
-                    <a:p>
-                      <a:pPr algn="ctr">
-                        <a:lnSpc>
-                          <a:spcPct val="115000"/>
-                        </a:lnSpc>
-                        <a:spcAft>
-                          <a:spcPts val="0"/>
-                        </a:spcAft>
-                      </a:pPr>
-                      <a:r>
-                        <a:rPr lang="bs-Latn-BA" sz="1100" b="0" dirty="0">
-                          <a:effectLst/>
-                          <a:latin typeface="Calibri" panose="020F0502020204030204" pitchFamily="34" charset="0"/>
-                          <a:ea typeface="Calibri" panose="020F0502020204030204" pitchFamily="34" charset="0"/>
-                          <a:cs typeface="Times New Roman" panose="02020603050405020304" pitchFamily="18" charset="0"/>
-                        </a:rPr>
-                        <a:t>0</a:t>
-                      </a:r>
-                    </a:p>
-                  </a:txBody>
-                  <a:tcPr marL="68580" marR="68580" marT="0" marB="0"/>
+                  <a:tcPr marL="9525" marR="9525" marT="9525" marB="0" anchor="b">
+                    <a:lnL w="12700" cap="flat" cmpd="sng" algn="ctr">
+                      <a:solidFill>
+                        <a:schemeClr val="tx1"/>
+                      </a:solidFill>
+                      <a:prstDash val="solid"/>
+                      <a:round/>
+                      <a:headEnd type="none" w="med" len="med"/>
+                      <a:tailEnd type="none" w="med" len="med"/>
+                    </a:lnL>
+                    <a:lnR w="12700" cap="flat" cmpd="sng" algn="ctr">
+                      <a:solidFill>
+                        <a:schemeClr val="tx1"/>
+                      </a:solidFill>
+                      <a:prstDash val="solid"/>
+                      <a:round/>
+                      <a:headEnd type="none" w="med" len="med"/>
+                      <a:tailEnd type="none" w="med" len="med"/>
+                    </a:lnR>
+                    <a:lnT w="12700" cap="flat" cmpd="sng" algn="ctr">
+                      <a:solidFill>
+                        <a:schemeClr val="tx1"/>
+                      </a:solidFill>
+                      <a:prstDash val="solid"/>
+                      <a:round/>
+                      <a:headEnd type="none" w="med" len="med"/>
+                      <a:tailEnd type="none" w="med" len="med"/>
+                    </a:lnT>
+                    <a:lnB w="12700" cap="flat" cmpd="sng" algn="ctr">
+                      <a:solidFill>
+                        <a:schemeClr val="tx1"/>
+                      </a:solidFill>
+                      <a:prstDash val="solid"/>
+                      <a:round/>
+                      <a:headEnd type="none" w="med" len="med"/>
+                      <a:tailEnd type="none" w="med" len="med"/>
+                    </a:lnB>
+                  </a:tcPr>
                 </a:tc>
                 <a:tc>
                   <a:txBody>
@@ -12215,17 +9836,57 @@
                         </a:spcAft>
                       </a:pPr>
                       <a:r>
-                        <a:rPr lang="bs-Latn-BA" sz="1100" b="0">
+                        <a:rPr lang="bs-Latn-BA" sz="1100" dirty="0">
                           <a:effectLst/>
-                          <a:latin typeface="Calibri" panose="020F0502020204030204" pitchFamily="34" charset="0"/>
-                          <a:ea typeface="Calibri" panose="020F0502020204030204" pitchFamily="34" charset="0"/>
-                          <a:cs typeface="Times New Roman" panose="02020603050405020304" pitchFamily="18" charset="0"/>
                         </a:rPr>
-                        <a:t>0</a:t>
+                        <a:t>0.0148</a:t>
                       </a:r>
+                      <a:endParaRPr lang="bs-Latn-BA" sz="1100" b="0" dirty="0">
+                        <a:effectLst/>
+                        <a:latin typeface="Calibri" panose="020F0502020204030204" pitchFamily="34" charset="0"/>
+                        <a:ea typeface="Calibri" panose="020F0502020204030204" pitchFamily="34" charset="0"/>
+                        <a:cs typeface="Times New Roman" panose="02020603050405020304" pitchFamily="18" charset="0"/>
+                      </a:endParaRPr>
                     </a:p>
                   </a:txBody>
-                  <a:tcPr marL="68580" marR="68580" marT="0" marB="0"/>
+                  <a:tcPr marL="68580" marR="68580" marT="0" marB="0">
+                    <a:lnL w="12700" cap="flat" cmpd="sng" algn="ctr">
+                      <a:solidFill>
+                        <a:schemeClr val="tx1"/>
+                      </a:solidFill>
+                      <a:prstDash val="solid"/>
+                      <a:round/>
+                      <a:headEnd type="none" w="med" len="med"/>
+                      <a:tailEnd type="none" w="med" len="med"/>
+                    </a:lnL>
+                    <a:lnR w="12700" cap="flat" cmpd="sng" algn="ctr">
+                      <a:solidFill>
+                        <a:schemeClr val="tx1"/>
+                      </a:solidFill>
+                      <a:prstDash val="solid"/>
+                      <a:round/>
+                      <a:headEnd type="none" w="med" len="med"/>
+                      <a:tailEnd type="none" w="med" len="med"/>
+                    </a:lnR>
+                    <a:lnT w="12700" cap="flat" cmpd="sng" algn="ctr">
+                      <a:solidFill>
+                        <a:schemeClr val="tx1"/>
+                      </a:solidFill>
+                      <a:prstDash val="solid"/>
+                      <a:round/>
+                      <a:headEnd type="none" w="med" len="med"/>
+                      <a:tailEnd type="none" w="med" len="med"/>
+                    </a:lnT>
+                    <a:lnB w="12700" cap="flat" cmpd="sng" algn="ctr">
+                      <a:solidFill>
+                        <a:schemeClr val="tx1"/>
+                      </a:solidFill>
+                      <a:prstDash val="solid"/>
+                      <a:round/>
+                      <a:headEnd type="none" w="med" len="med"/>
+                      <a:tailEnd type="none" w="med" len="med"/>
+                    </a:lnB>
+                  </a:tcPr>
                 </a:tc>
                 <a:tc>
                   <a:txBody>
@@ -12241,17 +9902,124 @@
                         </a:spcAft>
                       </a:pPr>
                       <a:r>
-                        <a:rPr lang="bs-Latn-BA" sz="1100" b="0" dirty="0">
+                        <a:rPr lang="bs-Latn-BA" sz="1100" dirty="0">
                           <a:effectLst/>
-                          <a:latin typeface="Calibri" panose="020F0502020204030204" pitchFamily="34" charset="0"/>
-                          <a:ea typeface="Calibri" panose="020F0502020204030204" pitchFamily="34" charset="0"/>
-                          <a:cs typeface="Times New Roman" panose="02020603050405020304" pitchFamily="18" charset="0"/>
                         </a:rPr>
-                        <a:t>0.98511669</a:t>
+                        <a:t>0</a:t>
                       </a:r>
+                      <a:endParaRPr lang="bs-Latn-BA" sz="1100" b="0" dirty="0">
+                        <a:effectLst/>
+                        <a:latin typeface="Calibri" panose="020F0502020204030204" pitchFamily="34" charset="0"/>
+                        <a:ea typeface="Calibri" panose="020F0502020204030204" pitchFamily="34" charset="0"/>
+                        <a:cs typeface="Times New Roman" panose="02020603050405020304" pitchFamily="18" charset="0"/>
+                      </a:endParaRPr>
                     </a:p>
                   </a:txBody>
-                  <a:tcPr marL="68580" marR="68580" marT="0" marB="0"/>
+                  <a:tcPr marL="68580" marR="68580" marT="0" marB="0">
+                    <a:lnL w="12700" cap="flat" cmpd="sng" algn="ctr">
+                      <a:solidFill>
+                        <a:schemeClr val="tx1"/>
+                      </a:solidFill>
+                      <a:prstDash val="solid"/>
+                      <a:round/>
+                      <a:headEnd type="none" w="med" len="med"/>
+                      <a:tailEnd type="none" w="med" len="med"/>
+                    </a:lnL>
+                    <a:lnR w="12700" cap="flat" cmpd="sng" algn="ctr">
+                      <a:solidFill>
+                        <a:schemeClr val="tx1"/>
+                      </a:solidFill>
+                      <a:prstDash val="solid"/>
+                      <a:round/>
+                      <a:headEnd type="none" w="med" len="med"/>
+                      <a:tailEnd type="none" w="med" len="med"/>
+                    </a:lnR>
+                    <a:lnT w="12700" cap="flat" cmpd="sng" algn="ctr">
+                      <a:solidFill>
+                        <a:schemeClr val="tx1"/>
+                      </a:solidFill>
+                      <a:prstDash val="solid"/>
+                      <a:round/>
+                      <a:headEnd type="none" w="med" len="med"/>
+                      <a:tailEnd type="none" w="med" len="med"/>
+                    </a:lnT>
+                    <a:lnB w="12700" cap="flat" cmpd="sng" algn="ctr">
+                      <a:solidFill>
+                        <a:schemeClr val="tx1"/>
+                      </a:solidFill>
+                      <a:prstDash val="solid"/>
+                      <a:round/>
+                      <a:headEnd type="none" w="med" len="med"/>
+                      <a:tailEnd type="none" w="med" len="med"/>
+                    </a:lnB>
+                  </a:tcPr>
+                </a:tc>
+                <a:extLst>
+                  <a:ext uri="{0D108BD9-81ED-4DB2-BD59-A6C34878D82A}">
+                    <a16:rowId xmlns:a16="http://schemas.microsoft.com/office/drawing/2014/main" val="163003919"/>
+                  </a:ext>
+                </a:extLst>
+              </a:tr>
+              <a:tr h="196785">
+                <a:tc>
+                  <a:txBody>
+                    <a:bodyPr/>
+                    <a:lstStyle/>
+                    <a:p>
+                      <a:pPr algn="ctr" fontAlgn="b"/>
+                      <a:r>
+                        <a:rPr lang="bs-Latn-BA" sz="1100" u="none" strike="noStrike" dirty="0">
+                          <a:effectLst/>
+                        </a:rPr>
+                        <a:t>Sage, Miss Dorothy</a:t>
+                      </a:r>
+                      <a:endParaRPr lang="bs-Latn-BA" sz="1100" b="0" i="0" u="none" strike="noStrike" dirty="0">
+                        <a:solidFill>
+                          <a:srgbClr val="000000"/>
+                        </a:solidFill>
+                        <a:effectLst/>
+                        <a:latin typeface="Calibri" panose="020F0502020204030204" pitchFamily="34" charset="0"/>
+                      </a:endParaRPr>
+                    </a:p>
+                  </a:txBody>
+                  <a:tcPr marL="9525" marR="9525" marT="9525" marB="0" anchor="b">
+                    <a:lnL w="12700" cap="flat" cmpd="sng" algn="ctr">
+                      <a:solidFill>
+                        <a:schemeClr val="tx1"/>
+                      </a:solidFill>
+                      <a:prstDash val="solid"/>
+                      <a:round/>
+                      <a:headEnd type="none" w="med" len="med"/>
+                      <a:tailEnd type="none" w="med" len="med"/>
+                    </a:lnL>
+                    <a:lnR w="12700" cap="flat" cmpd="sng" algn="ctr">
+                      <a:solidFill>
+                        <a:schemeClr val="tx1"/>
+                      </a:solidFill>
+                      <a:prstDash val="solid"/>
+                      <a:round/>
+                      <a:headEnd type="none" w="med" len="med"/>
+                      <a:tailEnd type="none" w="med" len="med"/>
+                    </a:lnR>
+                    <a:lnT w="12700" cap="flat" cmpd="sng" algn="ctr">
+                      <a:solidFill>
+                        <a:schemeClr val="tx1"/>
+                      </a:solidFill>
+                      <a:prstDash val="solid"/>
+                      <a:round/>
+                      <a:headEnd type="none" w="med" len="med"/>
+                      <a:tailEnd type="none" w="med" len="med"/>
+                    </a:lnT>
+                    <a:lnB w="12700" cap="flat" cmpd="sng" algn="ctr">
+                      <a:solidFill>
+                        <a:schemeClr val="tx1"/>
+                      </a:solidFill>
+                      <a:prstDash val="solid"/>
+                      <a:round/>
+                      <a:headEnd type="none" w="med" len="med"/>
+                      <a:tailEnd type="none" w="med" len="med"/>
+                    </a:lnB>
+                  </a:tcPr>
                 </a:tc>
                 <a:tc>
                   <a:txBody>
@@ -12267,50 +10035,57 @@
                         </a:spcAft>
                       </a:pPr>
                       <a:r>
-                        <a:rPr lang="bs-Latn-BA" sz="1100" b="0">
+                        <a:rPr lang="bs-Latn-BA" sz="1100" dirty="0">
                           <a:effectLst/>
-                          <a:latin typeface="Calibri" panose="020F0502020204030204" pitchFamily="34" charset="0"/>
-                          <a:ea typeface="Calibri" panose="020F0502020204030204" pitchFamily="34" charset="0"/>
-                          <a:cs typeface="Times New Roman" panose="02020603050405020304" pitchFamily="18" charset="0"/>
                         </a:rPr>
-                        <a:t>0.01488331</a:t>
+                        <a:t>0.0148</a:t>
                       </a:r>
+                      <a:endParaRPr lang="bs-Latn-BA" sz="1100" b="0" dirty="0">
+                        <a:effectLst/>
+                        <a:latin typeface="Calibri" panose="020F0502020204030204" pitchFamily="34" charset="0"/>
+                        <a:ea typeface="Calibri" panose="020F0502020204030204" pitchFamily="34" charset="0"/>
+                        <a:cs typeface="Times New Roman" panose="02020603050405020304" pitchFamily="18" charset="0"/>
+                      </a:endParaRPr>
                     </a:p>
                   </a:txBody>
-                  <a:tcPr marL="68580" marR="68580" marT="0" marB="0"/>
-                </a:tc>
-                <a:extLst>
-                  <a:ext uri="{0D108BD9-81ED-4DB2-BD59-A6C34878D82A}">
-                    <a16:rowId xmlns:a16="http://schemas.microsoft.com/office/drawing/2014/main" val="3084595190"/>
-                  </a:ext>
-                </a:extLst>
-              </a:tr>
-              <a:tr h="202523">
-                <a:tc>
-                  <a:txBody>
-                    <a:bodyPr/>
-                    <a:lstStyle/>
-                    <a:p>
-                      <a:pPr algn="ctr">
-                        <a:lnSpc>
-                          <a:spcPct val="115000"/>
-                        </a:lnSpc>
-                        <a:spcAft>
-                          <a:spcPts val="0"/>
-                        </a:spcAft>
-                      </a:pPr>
-                      <a:r>
-                        <a:rPr lang="bs-Latn-BA" sz="1100" b="0">
-                          <a:effectLst/>
-                          <a:latin typeface="Calibri" panose="020F0502020204030204" pitchFamily="34" charset="0"/>
-                          <a:ea typeface="Calibri" panose="020F0502020204030204" pitchFamily="34" charset="0"/>
-                          <a:cs typeface="Times New Roman" panose="02020603050405020304" pitchFamily="18" charset="0"/>
-                        </a:rPr>
-                        <a:t>0</a:t>
-                      </a:r>
-                    </a:p>
-                  </a:txBody>
-                  <a:tcPr marL="68580" marR="68580" marT="0" marB="0"/>
+                  <a:tcPr marL="68580" marR="68580" marT="0" marB="0">
+                    <a:lnL w="12700" cap="flat" cmpd="sng" algn="ctr">
+                      <a:solidFill>
+                        <a:schemeClr val="tx1"/>
+                      </a:solidFill>
+                      <a:prstDash val="solid"/>
+                      <a:round/>
+                      <a:headEnd type="none" w="med" len="med"/>
+                      <a:tailEnd type="none" w="med" len="med"/>
+                    </a:lnL>
+                    <a:lnR w="12700" cap="flat" cmpd="sng" algn="ctr">
+                      <a:solidFill>
+                        <a:schemeClr val="tx1"/>
+                      </a:solidFill>
+                      <a:prstDash val="solid"/>
+                      <a:round/>
+                      <a:headEnd type="none" w="med" len="med"/>
+                      <a:tailEnd type="none" w="med" len="med"/>
+                    </a:lnR>
+                    <a:lnT w="12700" cap="flat" cmpd="sng" algn="ctr">
+                      <a:solidFill>
+                        <a:schemeClr val="tx1"/>
+                      </a:solidFill>
+                      <a:prstDash val="solid"/>
+                      <a:round/>
+                      <a:headEnd type="none" w="med" len="med"/>
+                      <a:tailEnd type="none" w="med" len="med"/>
+                    </a:lnT>
+                    <a:lnB w="12700" cap="flat" cmpd="sng" algn="ctr">
+                      <a:solidFill>
+                        <a:schemeClr val="tx1"/>
+                      </a:solidFill>
+                      <a:prstDash val="solid"/>
+                      <a:round/>
+                      <a:headEnd type="none" w="med" len="med"/>
+                      <a:tailEnd type="none" w="med" len="med"/>
+                    </a:lnB>
+                  </a:tcPr>
                 </a:tc>
                 <a:tc>
                   <a:txBody>
@@ -12326,17 +10101,140 @@
                         </a:spcAft>
                       </a:pPr>
                       <a:r>
-                        <a:rPr lang="bs-Latn-BA" sz="1100" b="0" dirty="0">
+                        <a:rPr lang="bs-Latn-BA" sz="1100" dirty="0">
                           <a:effectLst/>
-                          <a:latin typeface="Calibri" panose="020F0502020204030204" pitchFamily="34" charset="0"/>
-                          <a:ea typeface="Calibri" panose="020F0502020204030204" pitchFamily="34" charset="0"/>
-                          <a:cs typeface="Times New Roman" panose="02020603050405020304" pitchFamily="18" charset="0"/>
                         </a:rPr>
                         <a:t>0</a:t>
                       </a:r>
+                      <a:endParaRPr lang="bs-Latn-BA" sz="1100" b="0" dirty="0">
+                        <a:effectLst/>
+                        <a:latin typeface="Calibri" panose="020F0502020204030204" pitchFamily="34" charset="0"/>
+                        <a:ea typeface="Calibri" panose="020F0502020204030204" pitchFamily="34" charset="0"/>
+                        <a:cs typeface="Times New Roman" panose="02020603050405020304" pitchFamily="18" charset="0"/>
+                      </a:endParaRPr>
                     </a:p>
                   </a:txBody>
-                  <a:tcPr marL="68580" marR="68580" marT="0" marB="0"/>
+                  <a:tcPr marL="68580" marR="68580" marT="0" marB="0">
+                    <a:lnL w="12700" cap="flat" cmpd="sng" algn="ctr">
+                      <a:solidFill>
+                        <a:schemeClr val="tx1"/>
+                      </a:solidFill>
+                      <a:prstDash val="solid"/>
+                      <a:round/>
+                      <a:headEnd type="none" w="med" len="med"/>
+                      <a:tailEnd type="none" w="med" len="med"/>
+                    </a:lnL>
+                    <a:lnR w="12700" cap="flat" cmpd="sng" algn="ctr">
+                      <a:solidFill>
+                        <a:schemeClr val="tx1"/>
+                      </a:solidFill>
+                      <a:prstDash val="solid"/>
+                      <a:round/>
+                      <a:headEnd type="none" w="med" len="med"/>
+                      <a:tailEnd type="none" w="med" len="med"/>
+                    </a:lnR>
+                    <a:lnT w="12700" cap="flat" cmpd="sng" algn="ctr">
+                      <a:solidFill>
+                        <a:schemeClr val="tx1"/>
+                      </a:solidFill>
+                      <a:prstDash val="solid"/>
+                      <a:round/>
+                      <a:headEnd type="none" w="med" len="med"/>
+                      <a:tailEnd type="none" w="med" len="med"/>
+                    </a:lnT>
+                    <a:lnB w="12700" cap="flat" cmpd="sng" algn="ctr">
+                      <a:solidFill>
+                        <a:schemeClr val="tx1"/>
+                      </a:solidFill>
+                      <a:prstDash val="solid"/>
+                      <a:round/>
+                      <a:headEnd type="none" w="med" len="med"/>
+                      <a:tailEnd type="none" w="med" len="med"/>
+                    </a:lnB>
+                  </a:tcPr>
+                </a:tc>
+                <a:extLst>
+                  <a:ext uri="{0D108BD9-81ED-4DB2-BD59-A6C34878D82A}">
+                    <a16:rowId xmlns:a16="http://schemas.microsoft.com/office/drawing/2014/main" val="1086172690"/>
+                  </a:ext>
+                </a:extLst>
+              </a:tr>
+              <a:tr h="196785">
+                <a:tc>
+                  <a:txBody>
+                    <a:bodyPr/>
+                    <a:lstStyle/>
+                    <a:p>
+                      <a:pPr marL="0" marR="0" lvl="0" indent="0" algn="ctr" defTabSz="914400" rtl="0" eaLnBrk="1" fontAlgn="b" latinLnBrk="0" hangingPunct="1">
+                        <a:lnSpc>
+                          <a:spcPct val="100000"/>
+                        </a:lnSpc>
+                        <a:spcBef>
+                          <a:spcPts val="0"/>
+                        </a:spcBef>
+                        <a:spcAft>
+                          <a:spcPts val="0"/>
+                        </a:spcAft>
+                        <a:buClrTx/>
+                        <a:buSzTx/>
+                        <a:buFontTx/>
+                        <a:buNone/>
+                        <a:tabLst/>
+                        <a:defRPr/>
+                      </a:pPr>
+                      <a:r>
+                        <a:rPr lang="bs-Latn-BA" sz="1100" u="none" strike="noStrike" dirty="0">
+                          <a:effectLst/>
+                        </a:rPr>
+                        <a:t>Wilkinson, Mrs Elizabeth Anne</a:t>
+                      </a:r>
+                      <a:endParaRPr lang="bs-Latn-BA" sz="1100" b="0" i="0" u="none" strike="noStrike" dirty="0">
+                        <a:solidFill>
+                          <a:srgbClr val="000000"/>
+                        </a:solidFill>
+                        <a:effectLst/>
+                        <a:latin typeface="Calibri" panose="020F0502020204030204" pitchFamily="34" charset="0"/>
+                      </a:endParaRPr>
+                    </a:p>
+                  </a:txBody>
+                  <a:tcPr marL="9525" marR="9525" marT="9525" marB="0" anchor="b">
+                    <a:lnL w="12700" cap="flat" cmpd="sng" algn="ctr">
+                      <a:solidFill>
+                        <a:schemeClr val="tx1"/>
+                      </a:solidFill>
+                      <a:prstDash val="solid"/>
+                      <a:round/>
+                      <a:headEnd type="none" w="med" len="med"/>
+                      <a:tailEnd type="none" w="med" len="med"/>
+                    </a:lnL>
+                    <a:lnR w="12700" cap="flat" cmpd="sng" algn="ctr">
+                      <a:solidFill>
+                        <a:schemeClr val="tx1"/>
+                      </a:solidFill>
+                      <a:prstDash val="solid"/>
+                      <a:round/>
+                      <a:headEnd type="none" w="med" len="med"/>
+                      <a:tailEnd type="none" w="med" len="med"/>
+                    </a:lnR>
+                    <a:lnT w="12700" cap="flat" cmpd="sng" algn="ctr">
+                      <a:solidFill>
+                        <a:schemeClr val="tx1"/>
+                      </a:solidFill>
+                      <a:prstDash val="solid"/>
+                      <a:round/>
+                      <a:headEnd type="none" w="med" len="med"/>
+                      <a:tailEnd type="none" w="med" len="med"/>
+                    </a:lnT>
+                    <a:lnB w="12700" cap="flat" cmpd="sng" algn="ctr">
+                      <a:solidFill>
+                        <a:schemeClr val="tx1"/>
+                      </a:solidFill>
+                      <a:prstDash val="solid"/>
+                      <a:round/>
+                      <a:headEnd type="none" w="med" len="med"/>
+                      <a:tailEnd type="none" w="med" len="med"/>
+                    </a:lnB>
+                  </a:tcPr>
                 </a:tc>
                 <a:tc>
                   <a:txBody>
@@ -12352,17 +10250,57 @@
                         </a:spcAft>
                       </a:pPr>
                       <a:r>
-                        <a:rPr lang="bs-Latn-BA" sz="1100" b="0">
+                        <a:rPr lang="bs-Latn-BA" sz="1100" b="1" dirty="0">
                           <a:effectLst/>
-                          <a:latin typeface="Calibri" panose="020F0502020204030204" pitchFamily="34" charset="0"/>
-                          <a:ea typeface="Calibri" panose="020F0502020204030204" pitchFamily="34" charset="0"/>
-                          <a:cs typeface="Times New Roman" panose="02020603050405020304" pitchFamily="18" charset="0"/>
                         </a:rPr>
-                        <a:t>0.98511669</a:t>
+                        <a:t>0.2134</a:t>
                       </a:r>
+                      <a:endParaRPr lang="bs-Latn-BA" sz="1100" b="1" dirty="0">
+                        <a:effectLst/>
+                        <a:latin typeface="Calibri" panose="020F0502020204030204" pitchFamily="34" charset="0"/>
+                        <a:ea typeface="Calibri" panose="020F0502020204030204" pitchFamily="34" charset="0"/>
+                        <a:cs typeface="Times New Roman" panose="02020603050405020304" pitchFamily="18" charset="0"/>
+                      </a:endParaRPr>
                     </a:p>
                   </a:txBody>
-                  <a:tcPr marL="68580" marR="68580" marT="0" marB="0"/>
+                  <a:tcPr marL="68580" marR="68580" marT="0" marB="0">
+                    <a:lnL w="12700" cap="flat" cmpd="sng" algn="ctr">
+                      <a:solidFill>
+                        <a:schemeClr val="tx1"/>
+                      </a:solidFill>
+                      <a:prstDash val="solid"/>
+                      <a:round/>
+                      <a:headEnd type="none" w="med" len="med"/>
+                      <a:tailEnd type="none" w="med" len="med"/>
+                    </a:lnL>
+                    <a:lnR w="12700" cap="flat" cmpd="sng" algn="ctr">
+                      <a:solidFill>
+                        <a:schemeClr val="tx1"/>
+                      </a:solidFill>
+                      <a:prstDash val="solid"/>
+                      <a:round/>
+                      <a:headEnd type="none" w="med" len="med"/>
+                      <a:tailEnd type="none" w="med" len="med"/>
+                    </a:lnR>
+                    <a:lnT w="12700" cap="flat" cmpd="sng" algn="ctr">
+                      <a:solidFill>
+                        <a:schemeClr val="tx1"/>
+                      </a:solidFill>
+                      <a:prstDash val="solid"/>
+                      <a:round/>
+                      <a:headEnd type="none" w="med" len="med"/>
+                      <a:tailEnd type="none" w="med" len="med"/>
+                    </a:lnT>
+                    <a:lnB w="12700" cap="flat" cmpd="sng" algn="ctr">
+                      <a:solidFill>
+                        <a:schemeClr val="tx1"/>
+                      </a:solidFill>
+                      <a:prstDash val="solid"/>
+                      <a:round/>
+                      <a:headEnd type="none" w="med" len="med"/>
+                      <a:tailEnd type="none" w="med" len="med"/>
+                    </a:lnB>
+                  </a:tcPr>
                 </a:tc>
                 <a:tc>
                   <a:txBody>
@@ -12378,50 +10316,124 @@
                         </a:spcAft>
                       </a:pPr>
                       <a:r>
-                        <a:rPr lang="bs-Latn-BA" sz="1100" b="0">
+                        <a:rPr lang="bs-Latn-BA" sz="1100" b="1" dirty="0">
                           <a:effectLst/>
-                          <a:latin typeface="Calibri" panose="020F0502020204030204" pitchFamily="34" charset="0"/>
-                          <a:ea typeface="Calibri" panose="020F0502020204030204" pitchFamily="34" charset="0"/>
-                          <a:cs typeface="Times New Roman" panose="02020603050405020304" pitchFamily="18" charset="0"/>
                         </a:rPr>
-                        <a:t>0.01488331</a:t>
+                        <a:t>1</a:t>
                       </a:r>
+                      <a:endParaRPr lang="bs-Latn-BA" sz="1100" b="1" dirty="0">
+                        <a:effectLst/>
+                        <a:latin typeface="Calibri" panose="020F0502020204030204" pitchFamily="34" charset="0"/>
+                        <a:ea typeface="Calibri" panose="020F0502020204030204" pitchFamily="34" charset="0"/>
+                        <a:cs typeface="Times New Roman" panose="02020603050405020304" pitchFamily="18" charset="0"/>
+                      </a:endParaRPr>
                     </a:p>
                   </a:txBody>
-                  <a:tcPr marL="68580" marR="68580" marT="0" marB="0"/>
+                  <a:tcPr marL="68580" marR="68580" marT="0" marB="0">
+                    <a:lnL w="12700" cap="flat" cmpd="sng" algn="ctr">
+                      <a:solidFill>
+                        <a:schemeClr val="tx1"/>
+                      </a:solidFill>
+                      <a:prstDash val="solid"/>
+                      <a:round/>
+                      <a:headEnd type="none" w="med" len="med"/>
+                      <a:tailEnd type="none" w="med" len="med"/>
+                    </a:lnL>
+                    <a:lnR w="12700" cap="flat" cmpd="sng" algn="ctr">
+                      <a:solidFill>
+                        <a:schemeClr val="tx1"/>
+                      </a:solidFill>
+                      <a:prstDash val="solid"/>
+                      <a:round/>
+                      <a:headEnd type="none" w="med" len="med"/>
+                      <a:tailEnd type="none" w="med" len="med"/>
+                    </a:lnR>
+                    <a:lnT w="12700" cap="flat" cmpd="sng" algn="ctr">
+                      <a:solidFill>
+                        <a:schemeClr val="tx1"/>
+                      </a:solidFill>
+                      <a:prstDash val="solid"/>
+                      <a:round/>
+                      <a:headEnd type="none" w="med" len="med"/>
+                      <a:tailEnd type="none" w="med" len="med"/>
+                    </a:lnT>
+                    <a:lnB w="12700" cap="flat" cmpd="sng" algn="ctr">
+                      <a:solidFill>
+                        <a:schemeClr val="tx1"/>
+                      </a:solidFill>
+                      <a:prstDash val="solid"/>
+                      <a:round/>
+                      <a:headEnd type="none" w="med" len="med"/>
+                      <a:tailEnd type="none" w="med" len="med"/>
+                    </a:lnB>
+                  </a:tcPr>
                 </a:tc>
                 <a:extLst>
                   <a:ext uri="{0D108BD9-81ED-4DB2-BD59-A6C34878D82A}">
-                    <a16:rowId xmlns:a16="http://schemas.microsoft.com/office/drawing/2014/main" val="1097171573"/>
+                    <a16:rowId xmlns:a16="http://schemas.microsoft.com/office/drawing/2014/main" val="2341376247"/>
                   </a:ext>
                 </a:extLst>
               </a:tr>
-              <a:tr h="202523">
+              <a:tr h="196785">
                 <a:tc>
                   <a:txBody>
                     <a:bodyPr/>
                     <a:lstStyle/>
                     <a:p>
-                      <a:pPr algn="ctr">
-                        <a:lnSpc>
-                          <a:spcPct val="115000"/>
-                        </a:lnSpc>
-                        <a:spcAft>
-                          <a:spcPts val="0"/>
-                        </a:spcAft>
-                      </a:pPr>
+                      <a:pPr algn="ctr" fontAlgn="b"/>
                       <a:r>
-                        <a:rPr lang="bs-Latn-BA" sz="1100" b="0">
+                        <a:rPr lang="bs-Latn-BA" sz="1100" u="none" strike="noStrike" dirty="0">
                           <a:effectLst/>
-                          <a:latin typeface="Calibri" panose="020F0502020204030204" pitchFamily="34" charset="0"/>
-                          <a:ea typeface="Calibri" panose="020F0502020204030204" pitchFamily="34" charset="0"/>
-                          <a:cs typeface="Times New Roman" panose="02020603050405020304" pitchFamily="18" charset="0"/>
                         </a:rPr>
-                        <a:t>1</a:t>
+                        <a:t>Thomas, Master Assad Alexander</a:t>
                       </a:r>
+                      <a:endParaRPr lang="bs-Latn-BA" sz="1100" b="0" i="0" u="none" strike="noStrike" dirty="0">
+                        <a:solidFill>
+                          <a:srgbClr val="000000"/>
+                        </a:solidFill>
+                        <a:effectLst/>
+                        <a:latin typeface="Calibri" panose="020F0502020204030204" pitchFamily="34" charset="0"/>
+                      </a:endParaRPr>
                     </a:p>
                   </a:txBody>
-                  <a:tcPr marL="68580" marR="68580" marT="0" marB="0"/>
+                  <a:tcPr marL="9525" marR="9525" marT="9525" marB="0" anchor="b">
+                    <a:lnL w="12700" cap="flat" cmpd="sng" algn="ctr">
+                      <a:solidFill>
+                        <a:schemeClr val="tx1"/>
+                      </a:solidFill>
+                      <a:prstDash val="solid"/>
+                      <a:round/>
+                      <a:headEnd type="none" w="med" len="med"/>
+                      <a:tailEnd type="none" w="med" len="med"/>
+                    </a:lnL>
+                    <a:lnR w="12700" cap="flat" cmpd="sng" algn="ctr">
+                      <a:solidFill>
+                        <a:schemeClr val="tx1"/>
+                      </a:solidFill>
+                      <a:prstDash val="solid"/>
+                      <a:round/>
+                      <a:headEnd type="none" w="med" len="med"/>
+                      <a:tailEnd type="none" w="med" len="med"/>
+                    </a:lnR>
+                    <a:lnT w="12700" cap="flat" cmpd="sng" algn="ctr">
+                      <a:solidFill>
+                        <a:schemeClr val="tx1"/>
+                      </a:solidFill>
+                      <a:prstDash val="solid"/>
+                      <a:round/>
+                      <a:headEnd type="none" w="med" len="med"/>
+                      <a:tailEnd type="none" w="med" len="med"/>
+                    </a:lnT>
+                    <a:lnB w="12700" cap="flat" cmpd="sng" algn="ctr">
+                      <a:solidFill>
+                        <a:schemeClr val="tx1"/>
+                      </a:solidFill>
+                      <a:prstDash val="solid"/>
+                      <a:round/>
+                      <a:headEnd type="none" w="med" len="med"/>
+                      <a:tailEnd type="none" w="med" len="med"/>
+                    </a:lnB>
+                  </a:tcPr>
                 </a:tc>
                 <a:tc>
                   <a:txBody>
@@ -12437,17 +10449,57 @@
                         </a:spcAft>
                       </a:pPr>
                       <a:r>
-                        <a:rPr lang="bs-Latn-BA" sz="1100" b="0" dirty="0">
+                        <a:rPr lang="bs-Latn-BA" sz="1100" dirty="0">
                           <a:effectLst/>
-                          <a:latin typeface="Calibri" panose="020F0502020204030204" pitchFamily="34" charset="0"/>
-                          <a:ea typeface="Calibri" panose="020F0502020204030204" pitchFamily="34" charset="0"/>
-                          <a:cs typeface="Times New Roman" panose="02020603050405020304" pitchFamily="18" charset="0"/>
                         </a:rPr>
-                        <a:t>0</a:t>
+                        <a:t>0.0344</a:t>
                       </a:r>
+                      <a:endParaRPr lang="bs-Latn-BA" sz="1100" b="0" dirty="0">
+                        <a:effectLst/>
+                        <a:latin typeface="Calibri" panose="020F0502020204030204" pitchFamily="34" charset="0"/>
+                        <a:ea typeface="Calibri" panose="020F0502020204030204" pitchFamily="34" charset="0"/>
+                        <a:cs typeface="Times New Roman" panose="02020603050405020304" pitchFamily="18" charset="0"/>
+                      </a:endParaRPr>
                     </a:p>
                   </a:txBody>
-                  <a:tcPr marL="68580" marR="68580" marT="0" marB="0"/>
+                  <a:tcPr marL="68580" marR="68580" marT="0" marB="0">
+                    <a:lnL w="12700" cap="flat" cmpd="sng" algn="ctr">
+                      <a:solidFill>
+                        <a:schemeClr val="tx1"/>
+                      </a:solidFill>
+                      <a:prstDash val="solid"/>
+                      <a:round/>
+                      <a:headEnd type="none" w="med" len="med"/>
+                      <a:tailEnd type="none" w="med" len="med"/>
+                    </a:lnL>
+                    <a:lnR w="12700" cap="flat" cmpd="sng" algn="ctr">
+                      <a:solidFill>
+                        <a:schemeClr val="tx1"/>
+                      </a:solidFill>
+                      <a:prstDash val="solid"/>
+                      <a:round/>
+                      <a:headEnd type="none" w="med" len="med"/>
+                      <a:tailEnd type="none" w="med" len="med"/>
+                    </a:lnR>
+                    <a:lnT w="12700" cap="flat" cmpd="sng" algn="ctr">
+                      <a:solidFill>
+                        <a:schemeClr val="tx1"/>
+                      </a:solidFill>
+                      <a:prstDash val="solid"/>
+                      <a:round/>
+                      <a:headEnd type="none" w="med" len="med"/>
+                      <a:tailEnd type="none" w="med" len="med"/>
+                    </a:lnT>
+                    <a:lnB w="12700" cap="flat" cmpd="sng" algn="ctr">
+                      <a:solidFill>
+                        <a:schemeClr val="tx1"/>
+                      </a:solidFill>
+                      <a:prstDash val="solid"/>
+                      <a:round/>
+                      <a:headEnd type="none" w="med" len="med"/>
+                      <a:tailEnd type="none" w="med" len="med"/>
+                    </a:lnB>
+                  </a:tcPr>
                 </a:tc>
                 <a:tc>
                   <a:txBody>
@@ -12463,17 +10515,124 @@
                         </a:spcAft>
                       </a:pPr>
                       <a:r>
-                        <a:rPr lang="bs-Latn-BA" sz="1100" b="0">
+                        <a:rPr lang="bs-Latn-BA" sz="1100" dirty="0">
                           <a:effectLst/>
-                          <a:latin typeface="Calibri" panose="020F0502020204030204" pitchFamily="34" charset="0"/>
-                          <a:ea typeface="Calibri" panose="020F0502020204030204" pitchFamily="34" charset="0"/>
-                          <a:cs typeface="Times New Roman" panose="02020603050405020304" pitchFamily="18" charset="0"/>
                         </a:rPr>
-                        <a:t>0.78656724</a:t>
+                        <a:t>0</a:t>
                       </a:r>
+                      <a:endParaRPr lang="bs-Latn-BA" sz="1100" b="0" dirty="0">
+                        <a:effectLst/>
+                        <a:latin typeface="Calibri" panose="020F0502020204030204" pitchFamily="34" charset="0"/>
+                        <a:ea typeface="Calibri" panose="020F0502020204030204" pitchFamily="34" charset="0"/>
+                        <a:cs typeface="Times New Roman" panose="02020603050405020304" pitchFamily="18" charset="0"/>
+                      </a:endParaRPr>
                     </a:p>
                   </a:txBody>
-                  <a:tcPr marL="68580" marR="68580" marT="0" marB="0"/>
+                  <a:tcPr marL="68580" marR="68580" marT="0" marB="0">
+                    <a:lnL w="12700" cap="flat" cmpd="sng" algn="ctr">
+                      <a:solidFill>
+                        <a:schemeClr val="tx1"/>
+                      </a:solidFill>
+                      <a:prstDash val="solid"/>
+                      <a:round/>
+                      <a:headEnd type="none" w="med" len="med"/>
+                      <a:tailEnd type="none" w="med" len="med"/>
+                    </a:lnL>
+                    <a:lnR w="12700" cap="flat" cmpd="sng" algn="ctr">
+                      <a:solidFill>
+                        <a:schemeClr val="tx1"/>
+                      </a:solidFill>
+                      <a:prstDash val="solid"/>
+                      <a:round/>
+                      <a:headEnd type="none" w="med" len="med"/>
+                      <a:tailEnd type="none" w="med" len="med"/>
+                    </a:lnR>
+                    <a:lnT w="12700" cap="flat" cmpd="sng" algn="ctr">
+                      <a:solidFill>
+                        <a:schemeClr val="tx1"/>
+                      </a:solidFill>
+                      <a:prstDash val="solid"/>
+                      <a:round/>
+                      <a:headEnd type="none" w="med" len="med"/>
+                      <a:tailEnd type="none" w="med" len="med"/>
+                    </a:lnT>
+                    <a:lnB w="12700" cap="flat" cmpd="sng" algn="ctr">
+                      <a:solidFill>
+                        <a:schemeClr val="tx1"/>
+                      </a:solidFill>
+                      <a:prstDash val="solid"/>
+                      <a:round/>
+                      <a:headEnd type="none" w="med" len="med"/>
+                      <a:tailEnd type="none" w="med" len="med"/>
+                    </a:lnB>
+                  </a:tcPr>
+                </a:tc>
+                <a:extLst>
+                  <a:ext uri="{0D108BD9-81ED-4DB2-BD59-A6C34878D82A}">
+                    <a16:rowId xmlns:a16="http://schemas.microsoft.com/office/drawing/2014/main" val="2297639846"/>
+                  </a:ext>
+                </a:extLst>
+              </a:tr>
+              <a:tr h="196785">
+                <a:tc>
+                  <a:txBody>
+                    <a:bodyPr/>
+                    <a:lstStyle/>
+                    <a:p>
+                      <a:pPr algn="ctr" fontAlgn="b"/>
+                      <a:r>
+                        <a:rPr lang="bs-Latn-BA" sz="1100" u="none" strike="noStrike" dirty="0">
+                          <a:effectLst/>
+                        </a:rPr>
+                        <a:t>Zakarian, Mr Artun</a:t>
+                      </a:r>
+                      <a:endParaRPr lang="bs-Latn-BA" sz="1100" b="0" i="0" u="none" strike="noStrike" dirty="0">
+                        <a:solidFill>
+                          <a:srgbClr val="000000"/>
+                        </a:solidFill>
+                        <a:effectLst/>
+                        <a:latin typeface="Calibri" panose="020F0502020204030204" pitchFamily="34" charset="0"/>
+                      </a:endParaRPr>
+                    </a:p>
+                  </a:txBody>
+                  <a:tcPr marL="9525" marR="9525" marT="9525" marB="0" anchor="b">
+                    <a:lnL w="12700" cap="flat" cmpd="sng" algn="ctr">
+                      <a:solidFill>
+                        <a:schemeClr val="tx1"/>
+                      </a:solidFill>
+                      <a:prstDash val="solid"/>
+                      <a:round/>
+                      <a:headEnd type="none" w="med" len="med"/>
+                      <a:tailEnd type="none" w="med" len="med"/>
+                    </a:lnL>
+                    <a:lnR w="12700" cap="flat" cmpd="sng" algn="ctr">
+                      <a:solidFill>
+                        <a:schemeClr val="tx1"/>
+                      </a:solidFill>
+                      <a:prstDash val="solid"/>
+                      <a:round/>
+                      <a:headEnd type="none" w="med" len="med"/>
+                      <a:tailEnd type="none" w="med" len="med"/>
+                    </a:lnR>
+                    <a:lnT w="12700" cap="flat" cmpd="sng" algn="ctr">
+                      <a:solidFill>
+                        <a:schemeClr val="tx1"/>
+                      </a:solidFill>
+                      <a:prstDash val="solid"/>
+                      <a:round/>
+                      <a:headEnd type="none" w="med" len="med"/>
+                      <a:tailEnd type="none" w="med" len="med"/>
+                    </a:lnT>
+                    <a:lnB w="12700" cap="flat" cmpd="sng" algn="ctr">
+                      <a:solidFill>
+                        <a:schemeClr val="tx1"/>
+                      </a:solidFill>
+                      <a:prstDash val="solid"/>
+                      <a:round/>
+                      <a:headEnd type="none" w="med" len="med"/>
+                      <a:tailEnd type="none" w="med" len="med"/>
+                    </a:lnB>
+                  </a:tcPr>
                 </a:tc>
                 <a:tc>
                   <a:txBody>
@@ -12489,50 +10648,57 @@
                         </a:spcAft>
                       </a:pPr>
                       <a:r>
-                        <a:rPr lang="bs-Latn-BA" sz="1100" b="0">
+                        <a:rPr lang="bs-Latn-BA" sz="1100" dirty="0">
                           <a:effectLst/>
-                          <a:latin typeface="Calibri" panose="020F0502020204030204" pitchFamily="34" charset="0"/>
-                          <a:ea typeface="Calibri" panose="020F0502020204030204" pitchFamily="34" charset="0"/>
-                          <a:cs typeface="Times New Roman" panose="02020603050405020304" pitchFamily="18" charset="0"/>
                         </a:rPr>
-                        <a:t>0.21343276</a:t>
+                        <a:t>0.0079</a:t>
                       </a:r>
+                      <a:endParaRPr lang="bs-Latn-BA" sz="1100" b="0" dirty="0">
+                        <a:effectLst/>
+                        <a:latin typeface="Calibri" panose="020F0502020204030204" pitchFamily="34" charset="0"/>
+                        <a:ea typeface="Calibri" panose="020F0502020204030204" pitchFamily="34" charset="0"/>
+                        <a:cs typeface="Times New Roman" panose="02020603050405020304" pitchFamily="18" charset="0"/>
+                      </a:endParaRPr>
                     </a:p>
                   </a:txBody>
-                  <a:tcPr marL="68580" marR="68580" marT="0" marB="0"/>
-                </a:tc>
-                <a:extLst>
-                  <a:ext uri="{0D108BD9-81ED-4DB2-BD59-A6C34878D82A}">
-                    <a16:rowId xmlns:a16="http://schemas.microsoft.com/office/drawing/2014/main" val="1157114380"/>
-                  </a:ext>
-                </a:extLst>
-              </a:tr>
-              <a:tr h="202523">
-                <a:tc>
-                  <a:txBody>
-                    <a:bodyPr/>
-                    <a:lstStyle/>
-                    <a:p>
-                      <a:pPr algn="ctr">
-                        <a:lnSpc>
-                          <a:spcPct val="115000"/>
-                        </a:lnSpc>
-                        <a:spcAft>
-                          <a:spcPts val="0"/>
-                        </a:spcAft>
-                      </a:pPr>
-                      <a:r>
-                        <a:rPr lang="bs-Latn-BA" sz="1100" b="0">
-                          <a:effectLst/>
-                          <a:latin typeface="Calibri" panose="020F0502020204030204" pitchFamily="34" charset="0"/>
-                          <a:ea typeface="Calibri" panose="020F0502020204030204" pitchFamily="34" charset="0"/>
-                          <a:cs typeface="Times New Roman" panose="02020603050405020304" pitchFamily="18" charset="0"/>
-                        </a:rPr>
-                        <a:t>0</a:t>
-                      </a:r>
-                    </a:p>
-                  </a:txBody>
-                  <a:tcPr marL="68580" marR="68580" marT="0" marB="0"/>
+                  <a:tcPr marL="68580" marR="68580" marT="0" marB="0">
+                    <a:lnL w="12700" cap="flat" cmpd="sng" algn="ctr">
+                      <a:solidFill>
+                        <a:schemeClr val="tx1"/>
+                      </a:solidFill>
+                      <a:prstDash val="solid"/>
+                      <a:round/>
+                      <a:headEnd type="none" w="med" len="med"/>
+                      <a:tailEnd type="none" w="med" len="med"/>
+                    </a:lnL>
+                    <a:lnR w="12700" cap="flat" cmpd="sng" algn="ctr">
+                      <a:solidFill>
+                        <a:schemeClr val="tx1"/>
+                      </a:solidFill>
+                      <a:prstDash val="solid"/>
+                      <a:round/>
+                      <a:headEnd type="none" w="med" len="med"/>
+                      <a:tailEnd type="none" w="med" len="med"/>
+                    </a:lnR>
+                    <a:lnT w="12700" cap="flat" cmpd="sng" algn="ctr">
+                      <a:solidFill>
+                        <a:schemeClr val="tx1"/>
+                      </a:solidFill>
+                      <a:prstDash val="solid"/>
+                      <a:round/>
+                      <a:headEnd type="none" w="med" len="med"/>
+                      <a:tailEnd type="none" w="med" len="med"/>
+                    </a:lnT>
+                    <a:lnB w="12700" cap="flat" cmpd="sng" algn="ctr">
+                      <a:solidFill>
+                        <a:schemeClr val="tx1"/>
+                      </a:solidFill>
+                      <a:prstDash val="solid"/>
+                      <a:round/>
+                      <a:headEnd type="none" w="med" len="med"/>
+                      <a:tailEnd type="none" w="med" len="med"/>
+                    </a:lnB>
+                  </a:tcPr>
                 </a:tc>
                 <a:tc>
                   <a:txBody>
@@ -12548,17 +10714,124 @@
                         </a:spcAft>
                       </a:pPr>
                       <a:r>
-                        <a:rPr lang="bs-Latn-BA" sz="1100" b="0" dirty="0">
+                        <a:rPr lang="bs-Latn-BA" sz="1100" dirty="0">
                           <a:effectLst/>
-                          <a:latin typeface="Calibri" panose="020F0502020204030204" pitchFamily="34" charset="0"/>
-                          <a:ea typeface="Calibri" panose="020F0502020204030204" pitchFamily="34" charset="0"/>
-                          <a:cs typeface="Times New Roman" panose="02020603050405020304" pitchFamily="18" charset="0"/>
                         </a:rPr>
                         <a:t>0</a:t>
                       </a:r>
+                      <a:endParaRPr lang="bs-Latn-BA" sz="1100" b="0" dirty="0">
+                        <a:effectLst/>
+                        <a:latin typeface="Calibri" panose="020F0502020204030204" pitchFamily="34" charset="0"/>
+                        <a:ea typeface="Calibri" panose="020F0502020204030204" pitchFamily="34" charset="0"/>
+                        <a:cs typeface="Times New Roman" panose="02020603050405020304" pitchFamily="18" charset="0"/>
+                      </a:endParaRPr>
                     </a:p>
                   </a:txBody>
-                  <a:tcPr marL="68580" marR="68580" marT="0" marB="0"/>
+                  <a:tcPr marL="68580" marR="68580" marT="0" marB="0">
+                    <a:lnL w="12700" cap="flat" cmpd="sng" algn="ctr">
+                      <a:solidFill>
+                        <a:schemeClr val="tx1"/>
+                      </a:solidFill>
+                      <a:prstDash val="solid"/>
+                      <a:round/>
+                      <a:headEnd type="none" w="med" len="med"/>
+                      <a:tailEnd type="none" w="med" len="med"/>
+                    </a:lnL>
+                    <a:lnR w="12700" cap="flat" cmpd="sng" algn="ctr">
+                      <a:solidFill>
+                        <a:schemeClr val="tx1"/>
+                      </a:solidFill>
+                      <a:prstDash val="solid"/>
+                      <a:round/>
+                      <a:headEnd type="none" w="med" len="med"/>
+                      <a:tailEnd type="none" w="med" len="med"/>
+                    </a:lnR>
+                    <a:lnT w="12700" cap="flat" cmpd="sng" algn="ctr">
+                      <a:solidFill>
+                        <a:schemeClr val="tx1"/>
+                      </a:solidFill>
+                      <a:prstDash val="solid"/>
+                      <a:round/>
+                      <a:headEnd type="none" w="med" len="med"/>
+                      <a:tailEnd type="none" w="med" len="med"/>
+                    </a:lnT>
+                    <a:lnB w="12700" cap="flat" cmpd="sng" algn="ctr">
+                      <a:solidFill>
+                        <a:schemeClr val="tx1"/>
+                      </a:solidFill>
+                      <a:prstDash val="solid"/>
+                      <a:round/>
+                      <a:headEnd type="none" w="med" len="med"/>
+                      <a:tailEnd type="none" w="med" len="med"/>
+                    </a:lnB>
+                  </a:tcPr>
+                </a:tc>
+                <a:extLst>
+                  <a:ext uri="{0D108BD9-81ED-4DB2-BD59-A6C34878D82A}">
+                    <a16:rowId xmlns:a16="http://schemas.microsoft.com/office/drawing/2014/main" val="817220062"/>
+                  </a:ext>
+                </a:extLst>
+              </a:tr>
+              <a:tr h="196785">
+                <a:tc>
+                  <a:txBody>
+                    <a:bodyPr/>
+                    <a:lstStyle/>
+                    <a:p>
+                      <a:pPr algn="ctr" fontAlgn="b"/>
+                      <a:r>
+                        <a:rPr lang="bs-Latn-BA" sz="1100" u="none" strike="noStrike" dirty="0">
+                          <a:effectLst/>
+                        </a:rPr>
+                        <a:t>Zakarian, Mr Maprieder</a:t>
+                      </a:r>
+                      <a:endParaRPr lang="bs-Latn-BA" sz="1100" b="0" i="0" u="none" strike="noStrike" dirty="0">
+                        <a:solidFill>
+                          <a:srgbClr val="000000"/>
+                        </a:solidFill>
+                        <a:effectLst/>
+                        <a:latin typeface="Calibri" panose="020F0502020204030204" pitchFamily="34" charset="0"/>
+                      </a:endParaRPr>
+                    </a:p>
+                  </a:txBody>
+                  <a:tcPr marL="9525" marR="9525" marT="9525" marB="0" anchor="b">
+                    <a:lnL w="12700" cap="flat" cmpd="sng" algn="ctr">
+                      <a:solidFill>
+                        <a:schemeClr val="tx1"/>
+                      </a:solidFill>
+                      <a:prstDash val="solid"/>
+                      <a:round/>
+                      <a:headEnd type="none" w="med" len="med"/>
+                      <a:tailEnd type="none" w="med" len="med"/>
+                    </a:lnL>
+                    <a:lnR w="12700" cap="flat" cmpd="sng" algn="ctr">
+                      <a:solidFill>
+                        <a:schemeClr val="tx1"/>
+                      </a:solidFill>
+                      <a:prstDash val="solid"/>
+                      <a:round/>
+                      <a:headEnd type="none" w="med" len="med"/>
+                      <a:tailEnd type="none" w="med" len="med"/>
+                    </a:lnR>
+                    <a:lnT w="12700" cap="flat" cmpd="sng" algn="ctr">
+                      <a:solidFill>
+                        <a:schemeClr val="tx1"/>
+                      </a:solidFill>
+                      <a:prstDash val="solid"/>
+                      <a:round/>
+                      <a:headEnd type="none" w="med" len="med"/>
+                      <a:tailEnd type="none" w="med" len="med"/>
+                    </a:lnT>
+                    <a:lnB w="12700" cap="flat" cmpd="sng" algn="ctr">
+                      <a:solidFill>
+                        <a:schemeClr val="tx1"/>
+                      </a:solidFill>
+                      <a:prstDash val="solid"/>
+                      <a:round/>
+                      <a:headEnd type="none" w="med" len="med"/>
+                      <a:tailEnd type="none" w="med" len="med"/>
+                    </a:lnB>
+                  </a:tcPr>
                 </a:tc>
                 <a:tc>
                   <a:txBody>
@@ -12574,17 +10847,57 @@
                         </a:spcAft>
                       </a:pPr>
                       <a:r>
-                        <a:rPr lang="bs-Latn-BA" sz="1100" b="0">
+                        <a:rPr lang="bs-Latn-BA" sz="1100" dirty="0">
                           <a:effectLst/>
-                          <a:latin typeface="Calibri" panose="020F0502020204030204" pitchFamily="34" charset="0"/>
-                          <a:ea typeface="Calibri" panose="020F0502020204030204" pitchFamily="34" charset="0"/>
-                          <a:cs typeface="Times New Roman" panose="02020603050405020304" pitchFamily="18" charset="0"/>
                         </a:rPr>
-                        <a:t>0.96557864</a:t>
+                        <a:t>0.0079</a:t>
                       </a:r>
+                      <a:endParaRPr lang="bs-Latn-BA" sz="1100" b="0" dirty="0">
+                        <a:effectLst/>
+                        <a:latin typeface="Calibri" panose="020F0502020204030204" pitchFamily="34" charset="0"/>
+                        <a:ea typeface="Calibri" panose="020F0502020204030204" pitchFamily="34" charset="0"/>
+                        <a:cs typeface="Times New Roman" panose="02020603050405020304" pitchFamily="18" charset="0"/>
+                      </a:endParaRPr>
                     </a:p>
                   </a:txBody>
-                  <a:tcPr marL="68580" marR="68580" marT="0" marB="0"/>
+                  <a:tcPr marL="68580" marR="68580" marT="0" marB="0">
+                    <a:lnL w="12700" cap="flat" cmpd="sng" algn="ctr">
+                      <a:solidFill>
+                        <a:schemeClr val="tx1"/>
+                      </a:solidFill>
+                      <a:prstDash val="solid"/>
+                      <a:round/>
+                      <a:headEnd type="none" w="med" len="med"/>
+                      <a:tailEnd type="none" w="med" len="med"/>
+                    </a:lnL>
+                    <a:lnR w="12700" cap="flat" cmpd="sng" algn="ctr">
+                      <a:solidFill>
+                        <a:schemeClr val="tx1"/>
+                      </a:solidFill>
+                      <a:prstDash val="solid"/>
+                      <a:round/>
+                      <a:headEnd type="none" w="med" len="med"/>
+                      <a:tailEnd type="none" w="med" len="med"/>
+                    </a:lnR>
+                    <a:lnT w="12700" cap="flat" cmpd="sng" algn="ctr">
+                      <a:solidFill>
+                        <a:schemeClr val="tx1"/>
+                      </a:solidFill>
+                      <a:prstDash val="solid"/>
+                      <a:round/>
+                      <a:headEnd type="none" w="med" len="med"/>
+                      <a:tailEnd type="none" w="med" len="med"/>
+                    </a:lnT>
+                    <a:lnB w="12700" cap="flat" cmpd="sng" algn="ctr">
+                      <a:solidFill>
+                        <a:schemeClr val="tx1"/>
+                      </a:solidFill>
+                      <a:prstDash val="solid"/>
+                      <a:round/>
+                      <a:headEnd type="none" w="med" len="med"/>
+                      <a:tailEnd type="none" w="med" len="med"/>
+                    </a:lnB>
+                  </a:tcPr>
                 </a:tc>
                 <a:tc>
                   <a:txBody>
@@ -12600,50 +10913,140 @@
                         </a:spcAft>
                       </a:pPr>
                       <a:r>
-                        <a:rPr lang="bs-Latn-BA" sz="1100" b="0">
+                        <a:rPr lang="bs-Latn-BA" sz="1100" dirty="0">
                           <a:effectLst/>
-                          <a:latin typeface="Calibri" panose="020F0502020204030204" pitchFamily="34" charset="0"/>
-                          <a:ea typeface="Calibri" panose="020F0502020204030204" pitchFamily="34" charset="0"/>
-                          <a:cs typeface="Times New Roman" panose="02020603050405020304" pitchFamily="18" charset="0"/>
                         </a:rPr>
-                        <a:t>0.03442136</a:t>
+                        <a:t>0</a:t>
                       </a:r>
+                      <a:endParaRPr lang="bs-Latn-BA" sz="1100" b="0" dirty="0">
+                        <a:effectLst/>
+                        <a:latin typeface="Calibri" panose="020F0502020204030204" pitchFamily="34" charset="0"/>
+                        <a:ea typeface="Calibri" panose="020F0502020204030204" pitchFamily="34" charset="0"/>
+                        <a:cs typeface="Times New Roman" panose="02020603050405020304" pitchFamily="18" charset="0"/>
+                      </a:endParaRPr>
                     </a:p>
                   </a:txBody>
-                  <a:tcPr marL="68580" marR="68580" marT="0" marB="0"/>
+                  <a:tcPr marL="68580" marR="68580" marT="0" marB="0">
+                    <a:lnL w="12700" cap="flat" cmpd="sng" algn="ctr">
+                      <a:solidFill>
+                        <a:schemeClr val="tx1"/>
+                      </a:solidFill>
+                      <a:prstDash val="solid"/>
+                      <a:round/>
+                      <a:headEnd type="none" w="med" len="med"/>
+                      <a:tailEnd type="none" w="med" len="med"/>
+                    </a:lnL>
+                    <a:lnR w="12700" cap="flat" cmpd="sng" algn="ctr">
+                      <a:solidFill>
+                        <a:schemeClr val="tx1"/>
+                      </a:solidFill>
+                      <a:prstDash val="solid"/>
+                      <a:round/>
+                      <a:headEnd type="none" w="med" len="med"/>
+                      <a:tailEnd type="none" w="med" len="med"/>
+                    </a:lnR>
+                    <a:lnT w="12700" cap="flat" cmpd="sng" algn="ctr">
+                      <a:solidFill>
+                        <a:schemeClr val="tx1"/>
+                      </a:solidFill>
+                      <a:prstDash val="solid"/>
+                      <a:round/>
+                      <a:headEnd type="none" w="med" len="med"/>
+                      <a:tailEnd type="none" w="med" len="med"/>
+                    </a:lnT>
+                    <a:lnB w="12700" cap="flat" cmpd="sng" algn="ctr">
+                      <a:solidFill>
+                        <a:schemeClr val="tx1"/>
+                      </a:solidFill>
+                      <a:prstDash val="solid"/>
+                      <a:round/>
+                      <a:headEnd type="none" w="med" len="med"/>
+                      <a:tailEnd type="none" w="med" len="med"/>
+                    </a:lnB>
+                  </a:tcPr>
                 </a:tc>
                 <a:extLst>
                   <a:ext uri="{0D108BD9-81ED-4DB2-BD59-A6C34878D82A}">
-                    <a16:rowId xmlns:a16="http://schemas.microsoft.com/office/drawing/2014/main" val="2217111099"/>
+                    <a16:rowId xmlns:a16="http://schemas.microsoft.com/office/drawing/2014/main" val="1909568181"/>
                   </a:ext>
                 </a:extLst>
               </a:tr>
-              <a:tr h="202523">
+              <a:tr h="196785">
                 <a:tc>
                   <a:txBody>
                     <a:bodyPr/>
                     <a:lstStyle/>
                     <a:p>
-                      <a:pPr algn="ctr">
+                      <a:pPr marL="0" marR="0" lvl="0" indent="0" algn="ctr" defTabSz="914400" rtl="0" eaLnBrk="1" fontAlgn="b" latinLnBrk="0" hangingPunct="1">
                         <a:lnSpc>
-                          <a:spcPct val="115000"/>
+                          <a:spcPct val="100000"/>
                         </a:lnSpc>
+                        <a:spcBef>
+                          <a:spcPts val="0"/>
+                        </a:spcBef>
                         <a:spcAft>
                           <a:spcPts val="0"/>
                         </a:spcAft>
+                        <a:buClrTx/>
+                        <a:buSzTx/>
+                        <a:buFontTx/>
+                        <a:buNone/>
+                        <a:tabLst/>
+                        <a:defRPr/>
                       </a:pPr>
                       <a:r>
-                        <a:rPr lang="bs-Latn-BA" sz="1100" b="0">
+                        <a:rPr lang="bs-Latn-BA" sz="1100" u="none" strike="noStrike" dirty="0">
                           <a:effectLst/>
-                          <a:latin typeface="Calibri" panose="020F0502020204030204" pitchFamily="34" charset="0"/>
-                          <a:ea typeface="Calibri" panose="020F0502020204030204" pitchFamily="34" charset="0"/>
-                          <a:cs typeface="Times New Roman" panose="02020603050405020304" pitchFamily="18" charset="0"/>
                         </a:rPr>
-                        <a:t>0</a:t>
+                        <a:t>Anderson, Mr Harry</a:t>
                       </a:r>
+                      <a:endParaRPr lang="bs-Latn-BA" sz="1100" b="0" i="0" u="none" strike="noStrike" dirty="0">
+                        <a:solidFill>
+                          <a:srgbClr val="000000"/>
+                        </a:solidFill>
+                        <a:effectLst/>
+                        <a:latin typeface="Calibri" panose="020F0502020204030204" pitchFamily="34" charset="0"/>
+                      </a:endParaRPr>
                     </a:p>
                   </a:txBody>
-                  <a:tcPr marL="68580" marR="68580" marT="0" marB="0"/>
+                  <a:tcPr marL="9525" marR="9525" marT="9525" marB="0" anchor="b">
+                    <a:lnL w="12700" cap="flat" cmpd="sng" algn="ctr">
+                      <a:solidFill>
+                        <a:schemeClr val="tx1"/>
+                      </a:solidFill>
+                      <a:prstDash val="solid"/>
+                      <a:round/>
+                      <a:headEnd type="none" w="med" len="med"/>
+                      <a:tailEnd type="none" w="med" len="med"/>
+                    </a:lnL>
+                    <a:lnR w="12700" cap="flat" cmpd="sng" algn="ctr">
+                      <a:solidFill>
+                        <a:schemeClr val="tx1"/>
+                      </a:solidFill>
+                      <a:prstDash val="solid"/>
+                      <a:round/>
+                      <a:headEnd type="none" w="med" len="med"/>
+                      <a:tailEnd type="none" w="med" len="med"/>
+                    </a:lnR>
+                    <a:lnT w="12700" cap="flat" cmpd="sng" algn="ctr">
+                      <a:solidFill>
+                        <a:schemeClr val="tx1"/>
+                      </a:solidFill>
+                      <a:prstDash val="solid"/>
+                      <a:round/>
+                      <a:headEnd type="none" w="med" len="med"/>
+                      <a:tailEnd type="none" w="med" len="med"/>
+                    </a:lnT>
+                    <a:lnB w="12700" cap="flat" cmpd="sng" algn="ctr">
+                      <a:solidFill>
+                        <a:schemeClr val="tx1"/>
+                      </a:solidFill>
+                      <a:prstDash val="solid"/>
+                      <a:round/>
+                      <a:headEnd type="none" w="med" len="med"/>
+                      <a:tailEnd type="none" w="med" len="med"/>
+                    </a:lnB>
+                  </a:tcPr>
                 </a:tc>
                 <a:tc>
                   <a:txBody>
@@ -12659,17 +11062,57 @@
                         </a:spcAft>
                       </a:pPr>
                       <a:r>
-                        <a:rPr lang="bs-Latn-BA" sz="1100" b="0" dirty="0">
+                        <a:rPr lang="bs-Latn-BA" sz="1100" dirty="0">
                           <a:effectLst/>
-                          <a:latin typeface="Calibri" panose="020F0502020204030204" pitchFamily="34" charset="0"/>
-                          <a:ea typeface="Calibri" panose="020F0502020204030204" pitchFamily="34" charset="0"/>
-                          <a:cs typeface="Times New Roman" panose="02020603050405020304" pitchFamily="18" charset="0"/>
                         </a:rPr>
-                        <a:t>0</a:t>
+                        <a:t>0.8047</a:t>
                       </a:r>
+                      <a:endParaRPr lang="bs-Latn-BA" sz="1100" b="0" dirty="0">
+                        <a:effectLst/>
+                        <a:latin typeface="Calibri" panose="020F0502020204030204" pitchFamily="34" charset="0"/>
+                        <a:ea typeface="Calibri" panose="020F0502020204030204" pitchFamily="34" charset="0"/>
+                        <a:cs typeface="Times New Roman" panose="02020603050405020304" pitchFamily="18" charset="0"/>
+                      </a:endParaRPr>
                     </a:p>
                   </a:txBody>
-                  <a:tcPr marL="68580" marR="68580" marT="0" marB="0"/>
+                  <a:tcPr marL="68580" marR="68580" marT="0" marB="0">
+                    <a:lnL w="12700" cap="flat" cmpd="sng" algn="ctr">
+                      <a:solidFill>
+                        <a:schemeClr val="tx1"/>
+                      </a:solidFill>
+                      <a:prstDash val="solid"/>
+                      <a:round/>
+                      <a:headEnd type="none" w="med" len="med"/>
+                      <a:tailEnd type="none" w="med" len="med"/>
+                    </a:lnL>
+                    <a:lnR w="12700" cap="flat" cmpd="sng" algn="ctr">
+                      <a:solidFill>
+                        <a:schemeClr val="tx1"/>
+                      </a:solidFill>
+                      <a:prstDash val="solid"/>
+                      <a:round/>
+                      <a:headEnd type="none" w="med" len="med"/>
+                      <a:tailEnd type="none" w="med" len="med"/>
+                    </a:lnR>
+                    <a:lnT w="12700" cap="flat" cmpd="sng" algn="ctr">
+                      <a:solidFill>
+                        <a:schemeClr val="tx1"/>
+                      </a:solidFill>
+                      <a:prstDash val="solid"/>
+                      <a:round/>
+                      <a:headEnd type="none" w="med" len="med"/>
+                      <a:tailEnd type="none" w="med" len="med"/>
+                    </a:lnT>
+                    <a:lnB w="12700" cap="flat" cmpd="sng" algn="ctr">
+                      <a:solidFill>
+                        <a:schemeClr val="tx1"/>
+                      </a:solidFill>
+                      <a:prstDash val="solid"/>
+                      <a:round/>
+                      <a:headEnd type="none" w="med" len="med"/>
+                      <a:tailEnd type="none" w="med" len="med"/>
+                    </a:lnB>
+                  </a:tcPr>
                 </a:tc>
                 <a:tc>
                   <a:txBody>
@@ -12685,17 +11128,124 @@
                         </a:spcAft>
                       </a:pPr>
                       <a:r>
-                        <a:rPr lang="bs-Latn-BA" sz="1100" b="0" dirty="0">
+                        <a:rPr lang="bs-Latn-BA" sz="1100" dirty="0">
                           <a:effectLst/>
-                          <a:latin typeface="Calibri" panose="020F0502020204030204" pitchFamily="34" charset="0"/>
-                          <a:ea typeface="Calibri" panose="020F0502020204030204" pitchFamily="34" charset="0"/>
-                          <a:cs typeface="Times New Roman" panose="02020603050405020304" pitchFamily="18" charset="0"/>
                         </a:rPr>
-                        <a:t>0.99201528</a:t>
+                        <a:t>1</a:t>
                       </a:r>
+                      <a:endParaRPr lang="bs-Latn-BA" sz="1100" b="0" dirty="0">
+                        <a:effectLst/>
+                        <a:latin typeface="Calibri" panose="020F0502020204030204" pitchFamily="34" charset="0"/>
+                        <a:ea typeface="Calibri" panose="020F0502020204030204" pitchFamily="34" charset="0"/>
+                        <a:cs typeface="Times New Roman" panose="02020603050405020304" pitchFamily="18" charset="0"/>
+                      </a:endParaRPr>
                     </a:p>
                   </a:txBody>
-                  <a:tcPr marL="68580" marR="68580" marT="0" marB="0"/>
+                  <a:tcPr marL="68580" marR="68580" marT="0" marB="0">
+                    <a:lnL w="12700" cap="flat" cmpd="sng" algn="ctr">
+                      <a:solidFill>
+                        <a:schemeClr val="tx1"/>
+                      </a:solidFill>
+                      <a:prstDash val="solid"/>
+                      <a:round/>
+                      <a:headEnd type="none" w="med" len="med"/>
+                      <a:tailEnd type="none" w="med" len="med"/>
+                    </a:lnL>
+                    <a:lnR w="12700" cap="flat" cmpd="sng" algn="ctr">
+                      <a:solidFill>
+                        <a:schemeClr val="tx1"/>
+                      </a:solidFill>
+                      <a:prstDash val="solid"/>
+                      <a:round/>
+                      <a:headEnd type="none" w="med" len="med"/>
+                      <a:tailEnd type="none" w="med" len="med"/>
+                    </a:lnR>
+                    <a:lnT w="12700" cap="flat" cmpd="sng" algn="ctr">
+                      <a:solidFill>
+                        <a:schemeClr val="tx1"/>
+                      </a:solidFill>
+                      <a:prstDash val="solid"/>
+                      <a:round/>
+                      <a:headEnd type="none" w="med" len="med"/>
+                      <a:tailEnd type="none" w="med" len="med"/>
+                    </a:lnT>
+                    <a:lnB w="12700" cap="flat" cmpd="sng" algn="ctr">
+                      <a:solidFill>
+                        <a:schemeClr val="tx1"/>
+                      </a:solidFill>
+                      <a:prstDash val="solid"/>
+                      <a:round/>
+                      <a:headEnd type="none" w="med" len="med"/>
+                      <a:tailEnd type="none" w="med" len="med"/>
+                    </a:lnB>
+                  </a:tcPr>
+                </a:tc>
+                <a:extLst>
+                  <a:ext uri="{0D108BD9-81ED-4DB2-BD59-A6C34878D82A}">
+                    <a16:rowId xmlns:a16="http://schemas.microsoft.com/office/drawing/2014/main" val="345629872"/>
+                  </a:ext>
+                </a:extLst>
+              </a:tr>
+              <a:tr h="196785">
+                <a:tc>
+                  <a:txBody>
+                    <a:bodyPr/>
+                    <a:lstStyle/>
+                    <a:p>
+                      <a:pPr algn="ctr" fontAlgn="b"/>
+                      <a:r>
+                        <a:rPr lang="bs-Latn-BA" sz="1100" u="none" strike="noStrike" dirty="0">
+                          <a:effectLst/>
+                        </a:rPr>
+                        <a:t>Andrews, Miss Kornelia Theodosia</a:t>
+                      </a:r>
+                      <a:endParaRPr lang="bs-Latn-BA" sz="1100" b="0" i="0" u="none" strike="noStrike" dirty="0">
+                        <a:solidFill>
+                          <a:srgbClr val="000000"/>
+                        </a:solidFill>
+                        <a:effectLst/>
+                        <a:latin typeface="Calibri" panose="020F0502020204030204" pitchFamily="34" charset="0"/>
+                      </a:endParaRPr>
+                    </a:p>
+                  </a:txBody>
+                  <a:tcPr marL="9525" marR="9525" marT="9525" marB="0" anchor="b">
+                    <a:lnL w="12700" cap="flat" cmpd="sng" algn="ctr">
+                      <a:solidFill>
+                        <a:schemeClr val="tx1"/>
+                      </a:solidFill>
+                      <a:prstDash val="solid"/>
+                      <a:round/>
+                      <a:headEnd type="none" w="med" len="med"/>
+                      <a:tailEnd type="none" w="med" len="med"/>
+                    </a:lnL>
+                    <a:lnR w="12700" cap="flat" cmpd="sng" algn="ctr">
+                      <a:solidFill>
+                        <a:schemeClr val="tx1"/>
+                      </a:solidFill>
+                      <a:prstDash val="solid"/>
+                      <a:round/>
+                      <a:headEnd type="none" w="med" len="med"/>
+                      <a:tailEnd type="none" w="med" len="med"/>
+                    </a:lnR>
+                    <a:lnT w="12700" cap="flat" cmpd="sng" algn="ctr">
+                      <a:solidFill>
+                        <a:schemeClr val="tx1"/>
+                      </a:solidFill>
+                      <a:prstDash val="solid"/>
+                      <a:round/>
+                      <a:headEnd type="none" w="med" len="med"/>
+                      <a:tailEnd type="none" w="med" len="med"/>
+                    </a:lnT>
+                    <a:lnB w="12700" cap="flat" cmpd="sng" algn="ctr">
+                      <a:solidFill>
+                        <a:schemeClr val="tx1"/>
+                      </a:solidFill>
+                      <a:prstDash val="solid"/>
+                      <a:round/>
+                      <a:headEnd type="none" w="med" len="med"/>
+                      <a:tailEnd type="none" w="med" len="med"/>
+                    </a:lnB>
+                  </a:tcPr>
                 </a:tc>
                 <a:tc>
                   <a:txBody>
@@ -12711,50 +11261,57 @@
                         </a:spcAft>
                       </a:pPr>
                       <a:r>
-                        <a:rPr lang="bs-Latn-BA" sz="1100" b="0">
+                        <a:rPr lang="bs-Latn-BA" sz="1100" b="1" dirty="0">
                           <a:effectLst/>
-                          <a:latin typeface="Calibri" panose="020F0502020204030204" pitchFamily="34" charset="0"/>
-                          <a:ea typeface="Calibri" panose="020F0502020204030204" pitchFamily="34" charset="0"/>
-                          <a:cs typeface="Times New Roman" panose="02020603050405020304" pitchFamily="18" charset="0"/>
                         </a:rPr>
-                        <a:t>0.00798472</a:t>
+                        <a:t>0.2133</a:t>
                       </a:r>
+                      <a:endParaRPr lang="bs-Latn-BA" sz="1100" b="1" dirty="0">
+                        <a:effectLst/>
+                        <a:latin typeface="Calibri" panose="020F0502020204030204" pitchFamily="34" charset="0"/>
+                        <a:ea typeface="Calibri" panose="020F0502020204030204" pitchFamily="34" charset="0"/>
+                        <a:cs typeface="Times New Roman" panose="02020603050405020304" pitchFamily="18" charset="0"/>
+                      </a:endParaRPr>
                     </a:p>
                   </a:txBody>
-                  <a:tcPr marL="68580" marR="68580" marT="0" marB="0"/>
-                </a:tc>
-                <a:extLst>
-                  <a:ext uri="{0D108BD9-81ED-4DB2-BD59-A6C34878D82A}">
-                    <a16:rowId xmlns:a16="http://schemas.microsoft.com/office/drawing/2014/main" val="524558730"/>
-                  </a:ext>
-                </a:extLst>
-              </a:tr>
-              <a:tr h="202523">
-                <a:tc>
-                  <a:txBody>
-                    <a:bodyPr/>
-                    <a:lstStyle/>
-                    <a:p>
-                      <a:pPr algn="ctr">
-                        <a:lnSpc>
-                          <a:spcPct val="115000"/>
-                        </a:lnSpc>
-                        <a:spcAft>
-                          <a:spcPts val="0"/>
-                        </a:spcAft>
-                      </a:pPr>
-                      <a:r>
-                        <a:rPr lang="bs-Latn-BA" sz="1100" b="0">
-                          <a:effectLst/>
-                          <a:latin typeface="Calibri" panose="020F0502020204030204" pitchFamily="34" charset="0"/>
-                          <a:ea typeface="Calibri" panose="020F0502020204030204" pitchFamily="34" charset="0"/>
-                          <a:cs typeface="Times New Roman" panose="02020603050405020304" pitchFamily="18" charset="0"/>
-                        </a:rPr>
-                        <a:t>0</a:t>
-                      </a:r>
-                    </a:p>
-                  </a:txBody>
-                  <a:tcPr marL="68580" marR="68580" marT="0" marB="0"/>
+                  <a:tcPr marL="68580" marR="68580" marT="0" marB="0">
+                    <a:lnL w="12700" cap="flat" cmpd="sng" algn="ctr">
+                      <a:solidFill>
+                        <a:schemeClr val="tx1"/>
+                      </a:solidFill>
+                      <a:prstDash val="solid"/>
+                      <a:round/>
+                      <a:headEnd type="none" w="med" len="med"/>
+                      <a:tailEnd type="none" w="med" len="med"/>
+                    </a:lnL>
+                    <a:lnR w="12700" cap="flat" cmpd="sng" algn="ctr">
+                      <a:solidFill>
+                        <a:schemeClr val="tx1"/>
+                      </a:solidFill>
+                      <a:prstDash val="solid"/>
+                      <a:round/>
+                      <a:headEnd type="none" w="med" len="med"/>
+                      <a:tailEnd type="none" w="med" len="med"/>
+                    </a:lnR>
+                    <a:lnT w="12700" cap="flat" cmpd="sng" algn="ctr">
+                      <a:solidFill>
+                        <a:schemeClr val="tx1"/>
+                      </a:solidFill>
+                      <a:prstDash val="solid"/>
+                      <a:round/>
+                      <a:headEnd type="none" w="med" len="med"/>
+                      <a:tailEnd type="none" w="med" len="med"/>
+                    </a:lnT>
+                    <a:lnB w="12700" cap="flat" cmpd="sng" algn="ctr">
+                      <a:solidFill>
+                        <a:schemeClr val="tx1"/>
+                      </a:solidFill>
+                      <a:prstDash val="solid"/>
+                      <a:round/>
+                      <a:headEnd type="none" w="med" len="med"/>
+                      <a:tailEnd type="none" w="med" len="med"/>
+                    </a:lnB>
+                  </a:tcPr>
                 </a:tc>
                 <a:tc>
                   <a:txBody>
@@ -12770,17 +11327,148 @@
                         </a:spcAft>
                       </a:pPr>
                       <a:r>
-                        <a:rPr lang="bs-Latn-BA" sz="1100" b="0">
+                        <a:rPr lang="bs-Latn-BA" sz="1100" b="1" dirty="0">
                           <a:effectLst/>
-                          <a:latin typeface="Calibri" panose="020F0502020204030204" pitchFamily="34" charset="0"/>
-                          <a:ea typeface="Calibri" panose="020F0502020204030204" pitchFamily="34" charset="0"/>
-                          <a:cs typeface="Times New Roman" panose="02020603050405020304" pitchFamily="18" charset="0"/>
                         </a:rPr>
-                        <a:t>0</a:t>
+                        <a:t>1</a:t>
                       </a:r>
+                      <a:endParaRPr lang="bs-Latn-BA" sz="1100" b="1" dirty="0">
+                        <a:effectLst/>
+                        <a:latin typeface="Calibri" panose="020F0502020204030204" pitchFamily="34" charset="0"/>
+                        <a:ea typeface="Calibri" panose="020F0502020204030204" pitchFamily="34" charset="0"/>
+                        <a:cs typeface="Times New Roman" panose="02020603050405020304" pitchFamily="18" charset="0"/>
+                      </a:endParaRPr>
                     </a:p>
                   </a:txBody>
-                  <a:tcPr marL="68580" marR="68580" marT="0" marB="0"/>
+                  <a:tcPr marL="68580" marR="68580" marT="0" marB="0">
+                    <a:lnL w="12700" cap="flat" cmpd="sng" algn="ctr">
+                      <a:solidFill>
+                        <a:schemeClr val="tx1"/>
+                      </a:solidFill>
+                      <a:prstDash val="solid"/>
+                      <a:round/>
+                      <a:headEnd type="none" w="med" len="med"/>
+                      <a:tailEnd type="none" w="med" len="med"/>
+                    </a:lnL>
+                    <a:lnR w="12700" cap="flat" cmpd="sng" algn="ctr">
+                      <a:solidFill>
+                        <a:schemeClr val="tx1"/>
+                      </a:solidFill>
+                      <a:prstDash val="solid"/>
+                      <a:round/>
+                      <a:headEnd type="none" w="med" len="med"/>
+                      <a:tailEnd type="none" w="med" len="med"/>
+                    </a:lnR>
+                    <a:lnT w="12700" cap="flat" cmpd="sng" algn="ctr">
+                      <a:solidFill>
+                        <a:schemeClr val="tx1"/>
+                      </a:solidFill>
+                      <a:prstDash val="solid"/>
+                      <a:round/>
+                      <a:headEnd type="none" w="med" len="med"/>
+                      <a:tailEnd type="none" w="med" len="med"/>
+                    </a:lnT>
+                    <a:lnB w="12700" cap="flat" cmpd="sng" algn="ctr">
+                      <a:solidFill>
+                        <a:schemeClr val="tx1"/>
+                      </a:solidFill>
+                      <a:prstDash val="solid"/>
+                      <a:round/>
+                      <a:headEnd type="none" w="med" len="med"/>
+                      <a:tailEnd type="none" w="med" len="med"/>
+                    </a:lnB>
+                  </a:tcPr>
+                </a:tc>
+                <a:extLst>
+                  <a:ext uri="{0D108BD9-81ED-4DB2-BD59-A6C34878D82A}">
+                    <a16:rowId xmlns:a16="http://schemas.microsoft.com/office/drawing/2014/main" val="838329199"/>
+                  </a:ext>
+                </a:extLst>
+              </a:tr>
+              <a:tr h="208339">
+                <a:tc>
+                  <a:txBody>
+                    <a:bodyPr/>
+                    <a:lstStyle/>
+                    <a:p>
+                      <a:pPr algn="ctr" fontAlgn="b"/>
+                      <a:r>
+                        <a:rPr lang="bs-Latn-BA" sz="1100" u="none" strike="noStrike" dirty="0">
+                          <a:effectLst/>
+                        </a:rPr>
+                        <a:t>Brown, </a:t>
+                      </a:r>
+                      <a:r>
+                        <a:rPr lang="en-US" sz="1100" u="none" strike="noStrike" dirty="0" err="1">
+                          <a:effectLst/>
+                        </a:rPr>
+                        <a:t>Mrs</a:t>
+                      </a:r>
+                      <a:r>
+                        <a:rPr lang="en-US" sz="1100" u="none" strike="noStrike" dirty="0">
+                          <a:effectLst/>
+                        </a:rPr>
+                        <a:t> John Murray (Caroline Lane </a:t>
+                      </a:r>
+                      <a:r>
+                        <a:rPr lang="en-US" sz="1100" u="none" strike="noStrike" dirty="0" err="1">
+                          <a:effectLst/>
+                        </a:rPr>
+                        <a:t>Lamson</a:t>
+                      </a:r>
+                      <a:r>
+                        <a:rPr lang="en-US" sz="1100" u="none" strike="noStrike" dirty="0">
+                          <a:effectLst/>
+                        </a:rPr>
+                        <a:t>)</a:t>
+                      </a:r>
+                      <a:endParaRPr lang="bs-Latn-BA" sz="1100" b="0" i="0" u="none" strike="noStrike" dirty="0">
+                        <a:solidFill>
+                          <a:srgbClr val="000000"/>
+                        </a:solidFill>
+                        <a:effectLst/>
+                        <a:latin typeface="Calibri" panose="020F0502020204030204" pitchFamily="34" charset="0"/>
+                      </a:endParaRPr>
+                    </a:p>
+                  </a:txBody>
+                  <a:tcPr marL="9525" marR="9525" marT="9525" marB="0" anchor="b">
+                    <a:lnL w="12700" cap="flat" cmpd="sng" algn="ctr">
+                      <a:solidFill>
+                        <a:schemeClr val="tx1"/>
+                      </a:solidFill>
+                      <a:prstDash val="solid"/>
+                      <a:round/>
+                      <a:headEnd type="none" w="med" len="med"/>
+                      <a:tailEnd type="none" w="med" len="med"/>
+                    </a:lnL>
+                    <a:lnR w="12700" cap="flat" cmpd="sng" algn="ctr">
+                      <a:solidFill>
+                        <a:schemeClr val="tx1"/>
+                      </a:solidFill>
+                      <a:prstDash val="solid"/>
+                      <a:round/>
+                      <a:headEnd type="none" w="med" len="med"/>
+                      <a:tailEnd type="none" w="med" len="med"/>
+                    </a:lnR>
+                    <a:lnT w="12700" cap="flat" cmpd="sng" algn="ctr">
+                      <a:solidFill>
+                        <a:schemeClr val="tx1"/>
+                      </a:solidFill>
+                      <a:prstDash val="solid"/>
+                      <a:round/>
+                      <a:headEnd type="none" w="med" len="med"/>
+                      <a:tailEnd type="none" w="med" len="med"/>
+                    </a:lnT>
+                    <a:lnB w="12700" cap="flat" cmpd="sng" algn="ctr">
+                      <a:solidFill>
+                        <a:schemeClr val="tx1"/>
+                      </a:solidFill>
+                      <a:prstDash val="solid"/>
+                      <a:round/>
+                      <a:headEnd type="none" w="med" len="med"/>
+                      <a:tailEnd type="none" w="med" len="med"/>
+                    </a:lnB>
+                  </a:tcPr>
                 </a:tc>
                 <a:tc>
                   <a:txBody>
@@ -12796,17 +11484,57 @@
                         </a:spcAft>
                       </a:pPr>
                       <a:r>
-                        <a:rPr lang="bs-Latn-BA" sz="1100" b="0" dirty="0">
+                        <a:rPr lang="bs-Latn-BA" sz="1100" dirty="0">
                           <a:effectLst/>
-                          <a:latin typeface="Calibri" panose="020F0502020204030204" pitchFamily="34" charset="0"/>
-                          <a:ea typeface="Calibri" panose="020F0502020204030204" pitchFamily="34" charset="0"/>
-                          <a:cs typeface="Times New Roman" panose="02020603050405020304" pitchFamily="18" charset="0"/>
                         </a:rPr>
-                        <a:t>0.99201528</a:t>
+                        <a:t>0.8413</a:t>
                       </a:r>
+                      <a:endParaRPr lang="bs-Latn-BA" sz="1100" b="0" dirty="0">
+                        <a:effectLst/>
+                        <a:latin typeface="Calibri" panose="020F0502020204030204" pitchFamily="34" charset="0"/>
+                        <a:ea typeface="Calibri" panose="020F0502020204030204" pitchFamily="34" charset="0"/>
+                        <a:cs typeface="Times New Roman" panose="02020603050405020304" pitchFamily="18" charset="0"/>
+                      </a:endParaRPr>
                     </a:p>
                   </a:txBody>
-                  <a:tcPr marL="68580" marR="68580" marT="0" marB="0"/>
+                  <a:tcPr marL="68580" marR="68580" marT="0" marB="0">
+                    <a:lnL w="12700" cap="flat" cmpd="sng" algn="ctr">
+                      <a:solidFill>
+                        <a:schemeClr val="tx1"/>
+                      </a:solidFill>
+                      <a:prstDash val="solid"/>
+                      <a:round/>
+                      <a:headEnd type="none" w="med" len="med"/>
+                      <a:tailEnd type="none" w="med" len="med"/>
+                    </a:lnL>
+                    <a:lnR w="12700" cap="flat" cmpd="sng" algn="ctr">
+                      <a:solidFill>
+                        <a:schemeClr val="tx1"/>
+                      </a:solidFill>
+                      <a:prstDash val="solid"/>
+                      <a:round/>
+                      <a:headEnd type="none" w="med" len="med"/>
+                      <a:tailEnd type="none" w="med" len="med"/>
+                    </a:lnR>
+                    <a:lnT w="12700" cap="flat" cmpd="sng" algn="ctr">
+                      <a:solidFill>
+                        <a:schemeClr val="tx1"/>
+                      </a:solidFill>
+                      <a:prstDash val="solid"/>
+                      <a:round/>
+                      <a:headEnd type="none" w="med" len="med"/>
+                      <a:tailEnd type="none" w="med" len="med"/>
+                    </a:lnT>
+                    <a:lnB w="12700" cap="flat" cmpd="sng" algn="ctr">
+                      <a:solidFill>
+                        <a:schemeClr val="tx1"/>
+                      </a:solidFill>
+                      <a:prstDash val="solid"/>
+                      <a:round/>
+                      <a:headEnd type="none" w="med" len="med"/>
+                      <a:tailEnd type="none" w="med" len="med"/>
+                    </a:lnB>
+                  </a:tcPr>
                 </a:tc>
                 <a:tc>
                   <a:txBody>
@@ -12822,50 +11550,124 @@
                         </a:spcAft>
                       </a:pPr>
                       <a:r>
-                        <a:rPr lang="bs-Latn-BA" sz="1100" b="0">
+                        <a:rPr lang="bs-Latn-BA" sz="1100" dirty="0">
                           <a:effectLst/>
-                          <a:latin typeface="Calibri" panose="020F0502020204030204" pitchFamily="34" charset="0"/>
-                          <a:ea typeface="Calibri" panose="020F0502020204030204" pitchFamily="34" charset="0"/>
-                          <a:cs typeface="Times New Roman" panose="02020603050405020304" pitchFamily="18" charset="0"/>
                         </a:rPr>
-                        <a:t>0.00798472</a:t>
+                        <a:t>1</a:t>
                       </a:r>
+                      <a:endParaRPr lang="bs-Latn-BA" sz="1100" b="0" dirty="0">
+                        <a:effectLst/>
+                        <a:latin typeface="Calibri" panose="020F0502020204030204" pitchFamily="34" charset="0"/>
+                        <a:ea typeface="Calibri" panose="020F0502020204030204" pitchFamily="34" charset="0"/>
+                        <a:cs typeface="Times New Roman" panose="02020603050405020304" pitchFamily="18" charset="0"/>
+                      </a:endParaRPr>
                     </a:p>
                   </a:txBody>
-                  <a:tcPr marL="68580" marR="68580" marT="0" marB="0"/>
+                  <a:tcPr marL="68580" marR="68580" marT="0" marB="0">
+                    <a:lnL w="12700" cap="flat" cmpd="sng" algn="ctr">
+                      <a:solidFill>
+                        <a:schemeClr val="tx1"/>
+                      </a:solidFill>
+                      <a:prstDash val="solid"/>
+                      <a:round/>
+                      <a:headEnd type="none" w="med" len="med"/>
+                      <a:tailEnd type="none" w="med" len="med"/>
+                    </a:lnL>
+                    <a:lnR w="12700" cap="flat" cmpd="sng" algn="ctr">
+                      <a:solidFill>
+                        <a:schemeClr val="tx1"/>
+                      </a:solidFill>
+                      <a:prstDash val="solid"/>
+                      <a:round/>
+                      <a:headEnd type="none" w="med" len="med"/>
+                      <a:tailEnd type="none" w="med" len="med"/>
+                    </a:lnR>
+                    <a:lnT w="12700" cap="flat" cmpd="sng" algn="ctr">
+                      <a:solidFill>
+                        <a:schemeClr val="tx1"/>
+                      </a:solidFill>
+                      <a:prstDash val="solid"/>
+                      <a:round/>
+                      <a:headEnd type="none" w="med" len="med"/>
+                      <a:tailEnd type="none" w="med" len="med"/>
+                    </a:lnT>
+                    <a:lnB w="12700" cap="flat" cmpd="sng" algn="ctr">
+                      <a:solidFill>
+                        <a:schemeClr val="tx1"/>
+                      </a:solidFill>
+                      <a:prstDash val="solid"/>
+                      <a:round/>
+                      <a:headEnd type="none" w="med" len="med"/>
+                      <a:tailEnd type="none" w="med" len="med"/>
+                    </a:lnB>
+                  </a:tcPr>
                 </a:tc>
                 <a:extLst>
                   <a:ext uri="{0D108BD9-81ED-4DB2-BD59-A6C34878D82A}">
-                    <a16:rowId xmlns:a16="http://schemas.microsoft.com/office/drawing/2014/main" val="458350278"/>
+                    <a16:rowId xmlns:a16="http://schemas.microsoft.com/office/drawing/2014/main" val="1115813135"/>
                   </a:ext>
                 </a:extLst>
               </a:tr>
-              <a:tr h="202523">
+              <a:tr h="196785">
                 <a:tc>
                   <a:txBody>
                     <a:bodyPr/>
                     <a:lstStyle/>
                     <a:p>
-                      <a:pPr algn="ctr">
-                        <a:lnSpc>
-                          <a:spcPct val="115000"/>
-                        </a:lnSpc>
-                        <a:spcAft>
-                          <a:spcPts val="0"/>
-                        </a:spcAft>
-                      </a:pPr>
+                      <a:pPr algn="ctr" fontAlgn="b"/>
                       <a:r>
-                        <a:rPr lang="bs-Latn-BA" sz="1100" b="0">
+                        <a:rPr lang="bs-Latn-BA" sz="1100" u="none" strike="noStrike" dirty="0">
                           <a:effectLst/>
-                          <a:latin typeface="Calibri" panose="020F0502020204030204" pitchFamily="34" charset="0"/>
-                          <a:ea typeface="Calibri" panose="020F0502020204030204" pitchFamily="34" charset="0"/>
-                          <a:cs typeface="Times New Roman" panose="02020603050405020304" pitchFamily="18" charset="0"/>
                         </a:rPr>
-                        <a:t>1</a:t>
+                        <a:t>Carter, Mr William Ernest</a:t>
                       </a:r>
+                      <a:endParaRPr lang="bs-Latn-BA" sz="1100" b="0" i="0" u="none" strike="noStrike" dirty="0">
+                        <a:solidFill>
+                          <a:srgbClr val="000000"/>
+                        </a:solidFill>
+                        <a:effectLst/>
+                        <a:latin typeface="Calibri" panose="020F0502020204030204" pitchFamily="34" charset="0"/>
+                      </a:endParaRPr>
                     </a:p>
                   </a:txBody>
-                  <a:tcPr marL="68580" marR="68580" marT="0" marB="0"/>
+                  <a:tcPr marL="9525" marR="9525" marT="9525" marB="0" anchor="b">
+                    <a:lnL w="12700" cap="flat" cmpd="sng" algn="ctr">
+                      <a:solidFill>
+                        <a:schemeClr val="tx1"/>
+                      </a:solidFill>
+                      <a:prstDash val="solid"/>
+                      <a:round/>
+                      <a:headEnd type="none" w="med" len="med"/>
+                      <a:tailEnd type="none" w="med" len="med"/>
+                    </a:lnL>
+                    <a:lnR w="12700" cap="flat" cmpd="sng" algn="ctr">
+                      <a:solidFill>
+                        <a:schemeClr val="tx1"/>
+                      </a:solidFill>
+                      <a:prstDash val="solid"/>
+                      <a:round/>
+                      <a:headEnd type="none" w="med" len="med"/>
+                      <a:tailEnd type="none" w="med" len="med"/>
+                    </a:lnR>
+                    <a:lnT w="12700" cap="flat" cmpd="sng" algn="ctr">
+                      <a:solidFill>
+                        <a:schemeClr val="tx1"/>
+                      </a:solidFill>
+                      <a:prstDash val="solid"/>
+                      <a:round/>
+                      <a:headEnd type="none" w="med" len="med"/>
+                      <a:tailEnd type="none" w="med" len="med"/>
+                    </a:lnT>
+                    <a:lnB w="12700" cap="flat" cmpd="sng" algn="ctr">
+                      <a:solidFill>
+                        <a:schemeClr val="tx1"/>
+                      </a:solidFill>
+                      <a:prstDash val="solid"/>
+                      <a:round/>
+                      <a:headEnd type="none" w="med" len="med"/>
+                      <a:tailEnd type="none" w="med" len="med"/>
+                    </a:lnB>
+                  </a:tcPr>
                 </a:tc>
                 <a:tc>
                   <a:txBody>
@@ -12881,17 +11683,57 @@
                         </a:spcAft>
                       </a:pPr>
                       <a:r>
-                        <a:rPr lang="bs-Latn-BA" sz="1100" b="0">
+                        <a:rPr lang="bs-Latn-BA" sz="1100" dirty="0">
                           <a:effectLst/>
-                          <a:latin typeface="Calibri" panose="020F0502020204030204" pitchFamily="34" charset="0"/>
-                          <a:ea typeface="Calibri" panose="020F0502020204030204" pitchFamily="34" charset="0"/>
-                          <a:cs typeface="Times New Roman" panose="02020603050405020304" pitchFamily="18" charset="0"/>
                         </a:rPr>
-                        <a:t>1</a:t>
+                        <a:t>0.7876</a:t>
                       </a:r>
+                      <a:endParaRPr lang="bs-Latn-BA" sz="1100" b="0" dirty="0">
+                        <a:effectLst/>
+                        <a:latin typeface="Calibri" panose="020F0502020204030204" pitchFamily="34" charset="0"/>
+                        <a:ea typeface="Calibri" panose="020F0502020204030204" pitchFamily="34" charset="0"/>
+                        <a:cs typeface="Times New Roman" panose="02020603050405020304" pitchFamily="18" charset="0"/>
+                      </a:endParaRPr>
                     </a:p>
                   </a:txBody>
-                  <a:tcPr marL="68580" marR="68580" marT="0" marB="0"/>
+                  <a:tcPr marL="68580" marR="68580" marT="0" marB="0">
+                    <a:lnL w="12700" cap="flat" cmpd="sng" algn="ctr">
+                      <a:solidFill>
+                        <a:schemeClr val="tx1"/>
+                      </a:solidFill>
+                      <a:prstDash val="solid"/>
+                      <a:round/>
+                      <a:headEnd type="none" w="med" len="med"/>
+                      <a:tailEnd type="none" w="med" len="med"/>
+                    </a:lnL>
+                    <a:lnR w="12700" cap="flat" cmpd="sng" algn="ctr">
+                      <a:solidFill>
+                        <a:schemeClr val="tx1"/>
+                      </a:solidFill>
+                      <a:prstDash val="solid"/>
+                      <a:round/>
+                      <a:headEnd type="none" w="med" len="med"/>
+                      <a:tailEnd type="none" w="med" len="med"/>
+                    </a:lnR>
+                    <a:lnT w="12700" cap="flat" cmpd="sng" algn="ctr">
+                      <a:solidFill>
+                        <a:schemeClr val="tx1"/>
+                      </a:solidFill>
+                      <a:prstDash val="solid"/>
+                      <a:round/>
+                      <a:headEnd type="none" w="med" len="med"/>
+                      <a:tailEnd type="none" w="med" len="med"/>
+                    </a:lnT>
+                    <a:lnB w="12700" cap="flat" cmpd="sng" algn="ctr">
+                      <a:solidFill>
+                        <a:schemeClr val="tx1"/>
+                      </a:solidFill>
+                      <a:prstDash val="solid"/>
+                      <a:round/>
+                      <a:headEnd type="none" w="med" len="med"/>
+                      <a:tailEnd type="none" w="med" len="med"/>
+                    </a:lnB>
+                  </a:tcPr>
                 </a:tc>
                 <a:tc>
                   <a:txBody>
@@ -12907,380 +11749,61 @@
                         </a:spcAft>
                       </a:pPr>
                       <a:r>
-                        <a:rPr lang="bs-Latn-BA" sz="1100" b="0" dirty="0">
+                        <a:rPr lang="bs-Latn-BA" sz="1100" dirty="0">
                           <a:effectLst/>
-                          <a:latin typeface="Calibri" panose="020F0502020204030204" pitchFamily="34" charset="0"/>
-                          <a:ea typeface="Calibri" panose="020F0502020204030204" pitchFamily="34" charset="0"/>
-                          <a:cs typeface="Times New Roman" panose="02020603050405020304" pitchFamily="18" charset="0"/>
                         </a:rPr>
-                        <a:t>0.19527331</a:t>
+                        <a:t>1</a:t>
                       </a:r>
+                      <a:endParaRPr lang="bs-Latn-BA" sz="1100" b="0" dirty="0">
+                        <a:effectLst/>
+                        <a:latin typeface="Calibri" panose="020F0502020204030204" pitchFamily="34" charset="0"/>
+                        <a:ea typeface="Calibri" panose="020F0502020204030204" pitchFamily="34" charset="0"/>
+                        <a:cs typeface="Times New Roman" panose="02020603050405020304" pitchFamily="18" charset="0"/>
+                      </a:endParaRPr>
                     </a:p>
                   </a:txBody>
-                  <a:tcPr marL="68580" marR="68580" marT="0" marB="0"/>
-                </a:tc>
-                <a:tc>
-                  <a:txBody>
-                    <a:bodyPr/>
-                    <a:lstStyle/>
-                    <a:p>
-                      <a:pPr algn="ctr">
-                        <a:lnSpc>
-                          <a:spcPct val="115000"/>
-                        </a:lnSpc>
-                        <a:spcAft>
-                          <a:spcPts val="0"/>
-                        </a:spcAft>
-                      </a:pPr>
-                      <a:r>
-                        <a:rPr lang="bs-Latn-BA" sz="1100" b="0" dirty="0">
-                          <a:effectLst/>
-                          <a:latin typeface="Calibri" panose="020F0502020204030204" pitchFamily="34" charset="0"/>
-                          <a:ea typeface="Calibri" panose="020F0502020204030204" pitchFamily="34" charset="0"/>
-                          <a:cs typeface="Times New Roman" panose="02020603050405020304" pitchFamily="18" charset="0"/>
-                        </a:rPr>
-                        <a:t>0.80472669</a:t>
-                      </a:r>
-                    </a:p>
-                  </a:txBody>
-                  <a:tcPr marL="68580" marR="68580" marT="0" marB="0"/>
+                  <a:tcPr marL="68580" marR="68580" marT="0" marB="0">
+                    <a:lnL w="12700" cap="flat" cmpd="sng" algn="ctr">
+                      <a:solidFill>
+                        <a:schemeClr val="tx1"/>
+                      </a:solidFill>
+                      <a:prstDash val="solid"/>
+                      <a:round/>
+                      <a:headEnd type="none" w="med" len="med"/>
+                      <a:tailEnd type="none" w="med" len="med"/>
+                    </a:lnL>
+                    <a:lnR w="12700" cap="flat" cmpd="sng" algn="ctr">
+                      <a:solidFill>
+                        <a:schemeClr val="tx1"/>
+                      </a:solidFill>
+                      <a:prstDash val="solid"/>
+                      <a:round/>
+                      <a:headEnd type="none" w="med" len="med"/>
+                      <a:tailEnd type="none" w="med" len="med"/>
+                    </a:lnR>
+                    <a:lnT w="12700" cap="flat" cmpd="sng" algn="ctr">
+                      <a:solidFill>
+                        <a:schemeClr val="tx1"/>
+                      </a:solidFill>
+                      <a:prstDash val="solid"/>
+                      <a:round/>
+                      <a:headEnd type="none" w="med" len="med"/>
+                      <a:tailEnd type="none" w="med" len="med"/>
+                    </a:lnT>
+                    <a:lnB w="12700" cap="flat" cmpd="sng" algn="ctr">
+                      <a:solidFill>
+                        <a:schemeClr val="tx1"/>
+                      </a:solidFill>
+                      <a:prstDash val="solid"/>
+                      <a:round/>
+                      <a:headEnd type="none" w="med" len="med"/>
+                      <a:tailEnd type="none" w="med" len="med"/>
+                    </a:lnB>
+                  </a:tcPr>
                 </a:tc>
                 <a:extLst>
                   <a:ext uri="{0D108BD9-81ED-4DB2-BD59-A6C34878D82A}">
-                    <a16:rowId xmlns:a16="http://schemas.microsoft.com/office/drawing/2014/main" val="1699934292"/>
-                  </a:ext>
-                </a:extLst>
-              </a:tr>
-              <a:tr h="202523">
-                <a:tc>
-                  <a:txBody>
-                    <a:bodyPr/>
-                    <a:lstStyle/>
-                    <a:p>
-                      <a:pPr algn="ctr">
-                        <a:lnSpc>
-                          <a:spcPct val="115000"/>
-                        </a:lnSpc>
-                        <a:spcAft>
-                          <a:spcPts val="0"/>
-                        </a:spcAft>
-                      </a:pPr>
-                      <a:r>
-                        <a:rPr lang="bs-Latn-BA" sz="1100" b="0">
-                          <a:effectLst/>
-                          <a:latin typeface="Calibri" panose="020F0502020204030204" pitchFamily="34" charset="0"/>
-                          <a:ea typeface="Calibri" panose="020F0502020204030204" pitchFamily="34" charset="0"/>
-                          <a:cs typeface="Times New Roman" panose="02020603050405020304" pitchFamily="18" charset="0"/>
-                        </a:rPr>
-                        <a:t>1</a:t>
-                      </a:r>
-                    </a:p>
-                  </a:txBody>
-                  <a:tcPr marL="68580" marR="68580" marT="0" marB="0"/>
-                </a:tc>
-                <a:tc>
-                  <a:txBody>
-                    <a:bodyPr/>
-                    <a:lstStyle/>
-                    <a:p>
-                      <a:pPr algn="ctr">
-                        <a:lnSpc>
-                          <a:spcPct val="115000"/>
-                        </a:lnSpc>
-                        <a:spcAft>
-                          <a:spcPts val="0"/>
-                        </a:spcAft>
-                      </a:pPr>
-                      <a:r>
-                        <a:rPr lang="bs-Latn-BA" sz="1100" b="0">
-                          <a:effectLst/>
-                          <a:latin typeface="Calibri" panose="020F0502020204030204" pitchFamily="34" charset="0"/>
-                          <a:ea typeface="Calibri" panose="020F0502020204030204" pitchFamily="34" charset="0"/>
-                          <a:cs typeface="Times New Roman" panose="02020603050405020304" pitchFamily="18" charset="0"/>
-                        </a:rPr>
-                        <a:t>0</a:t>
-                      </a:r>
-                    </a:p>
-                  </a:txBody>
-                  <a:tcPr marL="68580" marR="68580" marT="0" marB="0"/>
-                </a:tc>
-                <a:tc>
-                  <a:txBody>
-                    <a:bodyPr/>
-                    <a:lstStyle/>
-                    <a:p>
-                      <a:pPr algn="ctr">
-                        <a:lnSpc>
-                          <a:spcPct val="115000"/>
-                        </a:lnSpc>
-                        <a:spcAft>
-                          <a:spcPts val="0"/>
-                        </a:spcAft>
-                      </a:pPr>
-                      <a:r>
-                        <a:rPr lang="bs-Latn-BA" sz="1100" b="0">
-                          <a:effectLst/>
-                          <a:latin typeface="Calibri" panose="020F0502020204030204" pitchFamily="34" charset="0"/>
-                          <a:ea typeface="Calibri" panose="020F0502020204030204" pitchFamily="34" charset="0"/>
-                          <a:cs typeface="Times New Roman" panose="02020603050405020304" pitchFamily="18" charset="0"/>
-                        </a:rPr>
-                        <a:t>0.78665345</a:t>
-                      </a:r>
-                    </a:p>
-                  </a:txBody>
-                  <a:tcPr marL="68580" marR="68580" marT="0" marB="0"/>
-                </a:tc>
-                <a:tc>
-                  <a:txBody>
-                    <a:bodyPr/>
-                    <a:lstStyle/>
-                    <a:p>
-                      <a:pPr algn="ctr">
-                        <a:lnSpc>
-                          <a:spcPct val="115000"/>
-                        </a:lnSpc>
-                        <a:spcAft>
-                          <a:spcPts val="0"/>
-                        </a:spcAft>
-                      </a:pPr>
-                      <a:r>
-                        <a:rPr lang="bs-Latn-BA" sz="1100" b="0" dirty="0">
-                          <a:effectLst/>
-                          <a:latin typeface="Calibri" panose="020F0502020204030204" pitchFamily="34" charset="0"/>
-                          <a:ea typeface="Calibri" panose="020F0502020204030204" pitchFamily="34" charset="0"/>
-                          <a:cs typeface="Times New Roman" panose="02020603050405020304" pitchFamily="18" charset="0"/>
-                        </a:rPr>
-                        <a:t>0.21334655</a:t>
-                      </a:r>
-                    </a:p>
-                  </a:txBody>
-                  <a:tcPr marL="68580" marR="68580" marT="0" marB="0"/>
-                </a:tc>
-                <a:extLst>
-                  <a:ext uri="{0D108BD9-81ED-4DB2-BD59-A6C34878D82A}">
-                    <a16:rowId xmlns:a16="http://schemas.microsoft.com/office/drawing/2014/main" val="13885582"/>
-                  </a:ext>
-                </a:extLst>
-              </a:tr>
-              <a:tr h="202523">
-                <a:tc>
-                  <a:txBody>
-                    <a:bodyPr/>
-                    <a:lstStyle/>
-                    <a:p>
-                      <a:pPr algn="ctr">
-                        <a:lnSpc>
-                          <a:spcPct val="115000"/>
-                        </a:lnSpc>
-                        <a:spcAft>
-                          <a:spcPts val="0"/>
-                        </a:spcAft>
-                      </a:pPr>
-                      <a:r>
-                        <a:rPr lang="bs-Latn-BA" sz="1100" b="0">
-                          <a:effectLst/>
-                          <a:latin typeface="Calibri" panose="020F0502020204030204" pitchFamily="34" charset="0"/>
-                          <a:ea typeface="Calibri" panose="020F0502020204030204" pitchFamily="34" charset="0"/>
-                          <a:cs typeface="Times New Roman" panose="02020603050405020304" pitchFamily="18" charset="0"/>
-                        </a:rPr>
-                        <a:t>1</a:t>
-                      </a:r>
-                    </a:p>
-                  </a:txBody>
-                  <a:tcPr marL="68580" marR="68580" marT="0" marB="0"/>
-                </a:tc>
-                <a:tc>
-                  <a:txBody>
-                    <a:bodyPr/>
-                    <a:lstStyle/>
-                    <a:p>
-                      <a:pPr algn="ctr">
-                        <a:lnSpc>
-                          <a:spcPct val="115000"/>
-                        </a:lnSpc>
-                        <a:spcAft>
-                          <a:spcPts val="0"/>
-                        </a:spcAft>
-                      </a:pPr>
-                      <a:r>
-                        <a:rPr lang="bs-Latn-BA" sz="1100" b="0">
-                          <a:effectLst/>
-                          <a:latin typeface="Calibri" panose="020F0502020204030204" pitchFamily="34" charset="0"/>
-                          <a:ea typeface="Calibri" panose="020F0502020204030204" pitchFamily="34" charset="0"/>
-                          <a:cs typeface="Times New Roman" panose="02020603050405020304" pitchFamily="18" charset="0"/>
-                        </a:rPr>
-                        <a:t>1</a:t>
-                      </a:r>
-                    </a:p>
-                  </a:txBody>
-                  <a:tcPr marL="68580" marR="68580" marT="0" marB="0"/>
-                </a:tc>
-                <a:tc>
-                  <a:txBody>
-                    <a:bodyPr/>
-                    <a:lstStyle/>
-                    <a:p>
-                      <a:pPr algn="ctr">
-                        <a:lnSpc>
-                          <a:spcPct val="115000"/>
-                        </a:lnSpc>
-                        <a:spcAft>
-                          <a:spcPts val="0"/>
-                        </a:spcAft>
-                      </a:pPr>
-                      <a:r>
-                        <a:rPr lang="bs-Latn-BA" sz="1100" b="0">
-                          <a:effectLst/>
-                          <a:latin typeface="Calibri" panose="020F0502020204030204" pitchFamily="34" charset="0"/>
-                          <a:ea typeface="Calibri" panose="020F0502020204030204" pitchFamily="34" charset="0"/>
-                          <a:cs typeface="Times New Roman" panose="02020603050405020304" pitchFamily="18" charset="0"/>
-                        </a:rPr>
-                        <a:t>0.15862112</a:t>
-                      </a:r>
-                    </a:p>
-                  </a:txBody>
-                  <a:tcPr marL="68580" marR="68580" marT="0" marB="0"/>
-                </a:tc>
-                <a:tc>
-                  <a:txBody>
-                    <a:bodyPr/>
-                    <a:lstStyle/>
-                    <a:p>
-                      <a:pPr algn="ctr">
-                        <a:lnSpc>
-                          <a:spcPct val="115000"/>
-                        </a:lnSpc>
-                        <a:spcAft>
-                          <a:spcPts val="0"/>
-                        </a:spcAft>
-                      </a:pPr>
-                      <a:r>
-                        <a:rPr lang="bs-Latn-BA" sz="1100" b="0" dirty="0">
-                          <a:effectLst/>
-                          <a:latin typeface="Calibri" panose="020F0502020204030204" pitchFamily="34" charset="0"/>
-                          <a:ea typeface="Calibri" panose="020F0502020204030204" pitchFamily="34" charset="0"/>
-                          <a:cs typeface="Times New Roman" panose="02020603050405020304" pitchFamily="18" charset="0"/>
-                        </a:rPr>
-                        <a:t>0.84137888</a:t>
-                      </a:r>
-                    </a:p>
-                  </a:txBody>
-                  <a:tcPr marL="68580" marR="68580" marT="0" marB="0"/>
-                </a:tc>
-                <a:extLst>
-                  <a:ext uri="{0D108BD9-81ED-4DB2-BD59-A6C34878D82A}">
-                    <a16:rowId xmlns:a16="http://schemas.microsoft.com/office/drawing/2014/main" val="3123972213"/>
-                  </a:ext>
-                </a:extLst>
-              </a:tr>
-              <a:tr h="202523">
-                <a:tc>
-                  <a:txBody>
-                    <a:bodyPr/>
-                    <a:lstStyle/>
-                    <a:p>
-                      <a:pPr algn="ctr">
-                        <a:lnSpc>
-                          <a:spcPct val="115000"/>
-                        </a:lnSpc>
-                        <a:spcAft>
-                          <a:spcPts val="0"/>
-                        </a:spcAft>
-                      </a:pPr>
-                      <a:r>
-                        <a:rPr lang="bs-Latn-BA" sz="1100" b="0">
-                          <a:effectLst/>
-                          <a:latin typeface="Calibri" panose="020F0502020204030204" pitchFamily="34" charset="0"/>
-                          <a:ea typeface="Calibri" panose="020F0502020204030204" pitchFamily="34" charset="0"/>
-                          <a:cs typeface="Times New Roman" panose="02020603050405020304" pitchFamily="18" charset="0"/>
-                        </a:rPr>
-                        <a:t>1</a:t>
-                      </a:r>
-                    </a:p>
-                  </a:txBody>
-                  <a:tcPr marL="68580" marR="68580" marT="0" marB="0"/>
-                </a:tc>
-                <a:tc>
-                  <a:txBody>
-                    <a:bodyPr/>
-                    <a:lstStyle/>
-                    <a:p>
-                      <a:pPr algn="ctr">
-                        <a:lnSpc>
-                          <a:spcPct val="115000"/>
-                        </a:lnSpc>
-                        <a:spcAft>
-                          <a:spcPts val="0"/>
-                        </a:spcAft>
-                      </a:pPr>
-                      <a:r>
-                        <a:rPr lang="bs-Latn-BA" sz="1100" b="0" dirty="0">
-                          <a:effectLst/>
-                          <a:latin typeface="Calibri" panose="020F0502020204030204" pitchFamily="34" charset="0"/>
-                          <a:ea typeface="Calibri" panose="020F0502020204030204" pitchFamily="34" charset="0"/>
-                          <a:cs typeface="Times New Roman" panose="02020603050405020304" pitchFamily="18" charset="0"/>
-                        </a:rPr>
-                        <a:t>1</a:t>
-                      </a:r>
-                    </a:p>
-                  </a:txBody>
-                  <a:tcPr marL="68580" marR="68580" marT="0" marB="0"/>
-                </a:tc>
-                <a:tc>
-                  <a:txBody>
-                    <a:bodyPr/>
-                    <a:lstStyle/>
-                    <a:p>
-                      <a:pPr algn="ctr">
-                        <a:lnSpc>
-                          <a:spcPct val="115000"/>
-                        </a:lnSpc>
-                        <a:spcAft>
-                          <a:spcPts val="0"/>
-                        </a:spcAft>
-                      </a:pPr>
-                      <a:r>
-                        <a:rPr lang="bs-Latn-BA" sz="1100" b="0">
-                          <a:effectLst/>
-                          <a:latin typeface="Calibri" panose="020F0502020204030204" pitchFamily="34" charset="0"/>
-                          <a:ea typeface="Calibri" panose="020F0502020204030204" pitchFamily="34" charset="0"/>
-                          <a:cs typeface="Times New Roman" panose="02020603050405020304" pitchFamily="18" charset="0"/>
-                        </a:rPr>
-                        <a:t>0.21237841</a:t>
-                      </a:r>
-                    </a:p>
-                  </a:txBody>
-                  <a:tcPr marL="68580" marR="68580" marT="0" marB="0"/>
-                </a:tc>
-                <a:tc>
-                  <a:txBody>
-                    <a:bodyPr/>
-                    <a:lstStyle/>
-                    <a:p>
-                      <a:pPr algn="ctr">
-                        <a:lnSpc>
-                          <a:spcPct val="115000"/>
-                        </a:lnSpc>
-                        <a:spcAft>
-                          <a:spcPts val="0"/>
-                        </a:spcAft>
-                      </a:pPr>
-                      <a:r>
-                        <a:rPr lang="bs-Latn-BA" sz="1100" b="0" dirty="0">
-                          <a:effectLst/>
-                          <a:latin typeface="Calibri" panose="020F0502020204030204" pitchFamily="34" charset="0"/>
-                          <a:ea typeface="Calibri" panose="020F0502020204030204" pitchFamily="34" charset="0"/>
-                          <a:cs typeface="Times New Roman" panose="02020603050405020304" pitchFamily="18" charset="0"/>
-                        </a:rPr>
-                        <a:t>0.78762159</a:t>
-                      </a:r>
-                    </a:p>
-                  </a:txBody>
-                  <a:tcPr marL="68580" marR="68580" marT="0" marB="0"/>
-                </a:tc>
-                <a:extLst>
-                  <a:ext uri="{0D108BD9-81ED-4DB2-BD59-A6C34878D82A}">
-                    <a16:rowId xmlns:a16="http://schemas.microsoft.com/office/drawing/2014/main" val="3681936346"/>
+                    <a16:rowId xmlns:a16="http://schemas.microsoft.com/office/drawing/2014/main" val="134158001"/>
                   </a:ext>
                 </a:extLst>
               </a:tr>
@@ -13288,92 +11811,6 @@
           </a:graphicData>
         </a:graphic>
       </p:graphicFrame>
-      <p:sp>
-        <p:nvSpPr>
-          <p:cNvPr id="6" name="TextBox 5">
-            <a:extLst>
-              <a:ext uri="{FF2B5EF4-FFF2-40B4-BE49-F238E27FC236}">
-                <a16:creationId xmlns:a16="http://schemas.microsoft.com/office/drawing/2014/main" id="{542312A2-1DCD-446D-8ABF-3CCA74518D82}"/>
-              </a:ext>
-            </a:extLst>
-          </p:cNvPr>
-          <p:cNvSpPr txBox="1"/>
-          <p:nvPr/>
-        </p:nvSpPr>
-        <p:spPr>
-          <a:xfrm>
-            <a:off x="9067800" y="4304740"/>
-            <a:ext cx="1293944" cy="1200329"/>
-          </a:xfrm>
-          <a:prstGeom prst="rect">
-            <a:avLst/>
-          </a:prstGeom>
-          <a:noFill/>
-        </p:spPr>
-        <p:txBody>
-          <a:bodyPr wrap="none" rtlCol="0">
-            <a:spAutoFit/>
-          </a:bodyPr>
-          <a:lstStyle/>
-          <a:p>
-            <a:r>
-              <a:rPr lang="bs-Latn-BA" i="1" dirty="0"/>
-              <a:t>Accuracy</a:t>
-            </a:r>
-          </a:p>
-          <a:p>
-            <a:r>
-              <a:rPr lang="bs-Latn-BA" i="1" dirty="0"/>
-              <a:t>Precision</a:t>
-            </a:r>
-          </a:p>
-          <a:p>
-            <a:r>
-              <a:rPr lang="bs-Latn-BA" i="1" dirty="0"/>
-              <a:t>Recall</a:t>
-            </a:r>
-          </a:p>
-          <a:p>
-            <a:r>
-              <a:rPr lang="bs-Latn-BA" i="1" dirty="0">
-                <a:solidFill>
-                  <a:schemeClr val="accent4"/>
-                </a:solidFill>
-              </a:rPr>
-              <a:t>F1-score</a:t>
-            </a:r>
-          </a:p>
-        </p:txBody>
-      </p:sp>
-      <p:sp>
-        <p:nvSpPr>
-          <p:cNvPr id="7" name="Slide Number Placeholder 6">
-            <a:extLst>
-              <a:ext uri="{FF2B5EF4-FFF2-40B4-BE49-F238E27FC236}">
-                <a16:creationId xmlns:a16="http://schemas.microsoft.com/office/drawing/2014/main" id="{15C536DA-27DE-4A76-AA9D-429258EEDA71}"/>
-              </a:ext>
-            </a:extLst>
-          </p:cNvPr>
-          <p:cNvSpPr>
-            <a:spLocks noGrp="1"/>
-          </p:cNvSpPr>
-          <p:nvPr>
-            <p:ph type="sldNum" sz="quarter" idx="12"/>
-          </p:nvPr>
-        </p:nvSpPr>
-        <p:spPr/>
-        <p:txBody>
-          <a:bodyPr/>
-          <a:lstStyle/>
-          <a:p>
-            <a:fld id="{6D22F896-40B5-4ADD-8801-0D06FADFA095}" type="slidenum">
-              <a:rPr lang="en-US" smtClean="0"/>
-              <a:t>7</a:t>
-            </a:fld>
-            <a:endParaRPr lang="en-US" dirty="0"/>
-          </a:p>
-        </p:txBody>
-      </p:sp>
     </p:spTree>
     <p:extLst>
       <p:ext uri="{BB962C8B-B14F-4D97-AF65-F5344CB8AC3E}">
@@ -13388,6 +11825,211 @@
 </file>
 
 <file path=ppt/slides/slide8.xml><?xml version="1.0" encoding="utf-8"?>
+<p:sld xmlns:a="http://schemas.openxmlformats.org/drawingml/2006/main" xmlns:r="http://schemas.openxmlformats.org/officeDocument/2006/relationships" xmlns:p="http://schemas.openxmlformats.org/presentationml/2006/main">
+  <p:cSld>
+    <p:spTree>
+      <p:nvGrpSpPr>
+        <p:cNvPr id="1" name=""/>
+        <p:cNvGrpSpPr/>
+        <p:nvPr/>
+      </p:nvGrpSpPr>
+      <p:grpSpPr>
+        <a:xfrm>
+          <a:off x="0" y="0"/>
+          <a:ext cx="0" cy="0"/>
+          <a:chOff x="0" y="0"/>
+          <a:chExt cx="0" cy="0"/>
+        </a:xfrm>
+      </p:grpSpPr>
+      <p:sp>
+        <p:nvSpPr>
+          <p:cNvPr id="2" name="Title 1">
+            <a:extLst>
+              <a:ext uri="{FF2B5EF4-FFF2-40B4-BE49-F238E27FC236}">
+                <a16:creationId xmlns:a16="http://schemas.microsoft.com/office/drawing/2014/main" id="{BD6D1A15-3C0C-4679-B65F-0494E38E4861}"/>
+              </a:ext>
+            </a:extLst>
+          </p:cNvPr>
+          <p:cNvSpPr>
+            <a:spLocks noGrp="1"/>
+          </p:cNvSpPr>
+          <p:nvPr>
+            <p:ph type="title"/>
+          </p:nvPr>
+        </p:nvSpPr>
+        <p:spPr/>
+        <p:txBody>
+          <a:bodyPr/>
+          <a:lstStyle/>
+          <a:p>
+            <a:r>
+              <a:rPr lang="bs-Latn-BA" cap="none" dirty="0">
+                <a:ln w="0"/>
+                <a:effectLst>
+                  <a:outerShdw blurRad="38100" dist="19050" dir="2700000" algn="tl" rotWithShape="0">
+                    <a:schemeClr val="dk1">
+                      <a:alpha val="40000"/>
+                    </a:schemeClr>
+                  </a:outerShdw>
+                </a:effectLst>
+              </a:rPr>
+              <a:t>Anomaly detection</a:t>
+            </a:r>
+            <a:endParaRPr lang="bs-Latn-BA" dirty="0">
+              <a:solidFill>
+                <a:schemeClr val="tx2"/>
+              </a:solidFill>
+            </a:endParaRPr>
+          </a:p>
+        </p:txBody>
+      </p:sp>
+      <p:sp>
+        <p:nvSpPr>
+          <p:cNvPr id="3" name="Content Placeholder 2">
+            <a:extLst>
+              <a:ext uri="{FF2B5EF4-FFF2-40B4-BE49-F238E27FC236}">
+                <a16:creationId xmlns:a16="http://schemas.microsoft.com/office/drawing/2014/main" id="{B7248E97-B75C-4575-A517-8574AFF859B9}"/>
+              </a:ext>
+            </a:extLst>
+          </p:cNvPr>
+          <p:cNvSpPr>
+            <a:spLocks noGrp="1"/>
+          </p:cNvSpPr>
+          <p:nvPr>
+            <p:ph idx="1"/>
+          </p:nvPr>
+        </p:nvSpPr>
+        <p:spPr/>
+        <p:txBody>
+          <a:bodyPr/>
+          <a:lstStyle/>
+          <a:p>
+            <a:r>
+              <a:rPr lang="bs-Latn-BA" dirty="0"/>
+              <a:t>D</a:t>
+            </a:r>
+            <a:r>
+              <a:rPr lang="en-US" dirty="0" err="1"/>
+              <a:t>evelop</a:t>
+            </a:r>
+            <a:r>
+              <a:rPr lang="en-US" dirty="0"/>
+              <a:t> system which can be used for smart production monitoring and fault</a:t>
+            </a:r>
+            <a:r>
+              <a:rPr lang="bs-Latn-BA" dirty="0"/>
+              <a:t> detection in manufacturing processes</a:t>
+            </a:r>
+          </a:p>
+          <a:p>
+            <a:r>
+              <a:rPr lang="bs-Latn-BA" dirty="0"/>
+              <a:t>Given dataset: 1567 instances, 591 features</a:t>
+            </a:r>
+          </a:p>
+          <a:p>
+            <a:r>
+              <a:rPr lang="bs-Latn-BA" dirty="0"/>
+              <a:t>Unbalanced dataset: 104 fails</a:t>
+            </a:r>
+          </a:p>
+          <a:p>
+            <a:r>
+              <a:rPr lang="bs-Latn-BA" dirty="0"/>
+              <a:t>Only numeric values</a:t>
+            </a:r>
+          </a:p>
+          <a:p>
+            <a:r>
+              <a:rPr lang="bs-Latn-BA" dirty="0"/>
+              <a:t>Missing values</a:t>
+            </a:r>
+          </a:p>
+          <a:p>
+            <a:r>
+              <a:rPr lang="bs-Latn-BA" dirty="0"/>
+              <a:t>Outliers</a:t>
+            </a:r>
+          </a:p>
+        </p:txBody>
+      </p:sp>
+      <p:sp>
+        <p:nvSpPr>
+          <p:cNvPr id="6" name="Slide Number Placeholder 5">
+            <a:extLst>
+              <a:ext uri="{FF2B5EF4-FFF2-40B4-BE49-F238E27FC236}">
+                <a16:creationId xmlns:a16="http://schemas.microsoft.com/office/drawing/2014/main" id="{C7BC09E7-674B-4671-B63C-8C9A787D2A99}"/>
+              </a:ext>
+            </a:extLst>
+          </p:cNvPr>
+          <p:cNvSpPr>
+            <a:spLocks noGrp="1"/>
+          </p:cNvSpPr>
+          <p:nvPr>
+            <p:ph type="sldNum" sz="quarter" idx="12"/>
+          </p:nvPr>
+        </p:nvSpPr>
+        <p:spPr/>
+        <p:txBody>
+          <a:bodyPr/>
+          <a:lstStyle/>
+          <a:p>
+            <a:fld id="{6D22F896-40B5-4ADD-8801-0D06FADFA095}" type="slidenum">
+              <a:rPr lang="en-US" sz="1400" smtClean="0"/>
+              <a:t>8</a:t>
+            </a:fld>
+            <a:r>
+              <a:rPr lang="bs-Latn-BA" sz="1400" dirty="0"/>
+              <a:t>/14</a:t>
+            </a:r>
+            <a:endParaRPr lang="en-US" sz="1400" dirty="0"/>
+          </a:p>
+        </p:txBody>
+      </p:sp>
+      <p:pic>
+        <p:nvPicPr>
+          <p:cNvPr id="5" name="Picture 4">
+            <a:extLst>
+              <a:ext uri="{FF2B5EF4-FFF2-40B4-BE49-F238E27FC236}">
+                <a16:creationId xmlns:a16="http://schemas.microsoft.com/office/drawing/2014/main" id="{BF19BF7C-120B-4E99-B9E8-48256E4C1B64}"/>
+              </a:ext>
+            </a:extLst>
+          </p:cNvPr>
+          <p:cNvPicPr>
+            <a:picLocks noChangeAspect="1"/>
+          </p:cNvPicPr>
+          <p:nvPr/>
+        </p:nvPicPr>
+        <p:blipFill>
+          <a:blip r:embed="rId2"/>
+          <a:stretch>
+            <a:fillRect/>
+          </a:stretch>
+        </p:blipFill>
+        <p:spPr>
+          <a:xfrm>
+            <a:off x="6299172" y="3651667"/>
+            <a:ext cx="5111778" cy="2567018"/>
+          </a:xfrm>
+          <a:prstGeom prst="rect">
+            <a:avLst/>
+          </a:prstGeom>
+        </p:spPr>
+      </p:pic>
+    </p:spTree>
+    <p:extLst>
+      <p:ext uri="{BB962C8B-B14F-4D97-AF65-F5344CB8AC3E}">
+        <p14:creationId xmlns:p14="http://schemas.microsoft.com/office/powerpoint/2010/main" val="3031455423"/>
+      </p:ext>
+    </p:extLst>
+  </p:cSld>
+  <p:clrMapOvr>
+    <a:masterClrMapping/>
+  </p:clrMapOvr>
+</p:sld>
+</file>
+
+<file path=ppt/slides/slide9.xml><?xml version="1.0" encoding="utf-8"?>
 <p:sld xmlns:a="http://schemas.openxmlformats.org/drawingml/2006/main" xmlns:r="http://schemas.openxmlformats.org/officeDocument/2006/relationships" xmlns:p="http://schemas.openxmlformats.org/presentationml/2006/main">
   <p:cSld>
     <p:bg>
@@ -13412,12 +12054,172 @@
           <a:chExt cx="0" cy="0"/>
         </a:xfrm>
       </p:grpSpPr>
+      <p:sp>
+        <p:nvSpPr>
+          <p:cNvPr id="3" name="Content Placeholder 2">
+            <a:extLst>
+              <a:ext uri="{FF2B5EF4-FFF2-40B4-BE49-F238E27FC236}">
+                <a16:creationId xmlns:a16="http://schemas.microsoft.com/office/drawing/2014/main" id="{81118201-A2BF-48D5-870A-ED8452079667}"/>
+              </a:ext>
+            </a:extLst>
+          </p:cNvPr>
+          <p:cNvSpPr>
+            <a:spLocks noGrp="1"/>
+          </p:cNvSpPr>
+          <p:nvPr>
+            <p:ph idx="1"/>
+          </p:nvPr>
+        </p:nvSpPr>
+        <p:spPr>
+          <a:xfrm>
+            <a:off x="677333" y="2194560"/>
+            <a:ext cx="5816600" cy="4024125"/>
+          </a:xfrm>
+        </p:spPr>
+        <p:txBody>
+          <a:bodyPr>
+            <a:normAutofit/>
+          </a:bodyPr>
+          <a:lstStyle/>
+          <a:p>
+            <a:r>
+              <a:rPr lang="bs-Latn-BA" dirty="0"/>
+              <a:t>Anomalies are patterns in data that do not conform to a well defined notion of normal behavior</a:t>
+            </a:r>
+          </a:p>
+          <a:p>
+            <a:r>
+              <a:rPr lang="bs-Latn-BA" dirty="0"/>
+              <a:t>Anomaly detection techniques:</a:t>
+            </a:r>
+          </a:p>
+          <a:p>
+            <a:pPr lvl="1"/>
+            <a:r>
+              <a:rPr lang="bs-Latn-BA" dirty="0"/>
+              <a:t>Classification based</a:t>
+            </a:r>
+          </a:p>
+          <a:p>
+            <a:pPr lvl="1"/>
+            <a:r>
+              <a:rPr lang="bs-Latn-BA" dirty="0"/>
+              <a:t>Nearest Neighbor based</a:t>
+            </a:r>
+          </a:p>
+          <a:p>
+            <a:pPr lvl="1"/>
+            <a:r>
+              <a:rPr lang="bs-Latn-BA" dirty="0">
+                <a:solidFill>
+                  <a:schemeClr val="tx1">
+                    <a:lumMod val="65000"/>
+                  </a:schemeClr>
+                </a:solidFill>
+              </a:rPr>
+              <a:t>Clustering based</a:t>
+            </a:r>
+          </a:p>
+          <a:p>
+            <a:pPr lvl="1"/>
+            <a:r>
+              <a:rPr lang="bs-Latn-BA" dirty="0"/>
+              <a:t>Statistical</a:t>
+            </a:r>
+          </a:p>
+          <a:p>
+            <a:pPr lvl="1"/>
+            <a:r>
+              <a:rPr lang="bs-Latn-BA" dirty="0"/>
+              <a:t>Information theoretic</a:t>
+            </a:r>
+          </a:p>
+          <a:p>
+            <a:pPr lvl="1"/>
+            <a:r>
+              <a:rPr lang="bs-Latn-BA" dirty="0"/>
+              <a:t>Spectral</a:t>
+            </a:r>
+          </a:p>
+        </p:txBody>
+      </p:sp>
+      <p:sp>
+        <p:nvSpPr>
+          <p:cNvPr id="14" name="Title 1">
+            <a:extLst>
+              <a:ext uri="{FF2B5EF4-FFF2-40B4-BE49-F238E27FC236}">
+                <a16:creationId xmlns:a16="http://schemas.microsoft.com/office/drawing/2014/main" id="{B08D301E-E73B-4F5F-BB33-3244C18C7C6B}"/>
+              </a:ext>
+            </a:extLst>
+          </p:cNvPr>
+          <p:cNvSpPr>
+            <a:spLocks noGrp="1"/>
+          </p:cNvSpPr>
+          <p:nvPr>
+            <p:ph type="title"/>
+          </p:nvPr>
+        </p:nvSpPr>
+        <p:spPr>
+          <a:xfrm>
+            <a:off x="2895600" y="763588"/>
+            <a:ext cx="8610600" cy="1293812"/>
+          </a:xfrm>
+        </p:spPr>
+        <p:txBody>
+          <a:bodyPr/>
+          <a:lstStyle/>
+          <a:p>
+            <a:r>
+              <a:rPr lang="bs-Latn-BA" cap="none" dirty="0">
+                <a:ln w="0"/>
+                <a:effectLst>
+                  <a:outerShdw blurRad="38100" dist="19050" dir="2700000" algn="tl" rotWithShape="0">
+                    <a:schemeClr val="dk1">
+                      <a:alpha val="40000"/>
+                    </a:schemeClr>
+                  </a:outerShdw>
+                </a:effectLst>
+              </a:rPr>
+              <a:t>Anomaly detection</a:t>
+            </a:r>
+          </a:p>
+        </p:txBody>
+      </p:sp>
+      <p:sp>
+        <p:nvSpPr>
+          <p:cNvPr id="16" name="Slide Number Placeholder 15">
+            <a:extLst>
+              <a:ext uri="{FF2B5EF4-FFF2-40B4-BE49-F238E27FC236}">
+                <a16:creationId xmlns:a16="http://schemas.microsoft.com/office/drawing/2014/main" id="{5C84F0E6-EC70-4602-B382-429BBC501E0E}"/>
+              </a:ext>
+            </a:extLst>
+          </p:cNvPr>
+          <p:cNvSpPr>
+            <a:spLocks noGrp="1"/>
+          </p:cNvSpPr>
+          <p:nvPr>
+            <p:ph type="sldNum" sz="quarter" idx="12"/>
+          </p:nvPr>
+        </p:nvSpPr>
+        <p:spPr/>
+        <p:txBody>
+          <a:bodyPr/>
+          <a:lstStyle/>
+          <a:p>
+            <a:r>
+              <a:rPr lang="bs-Latn-BA" sz="1400" dirty="0"/>
+              <a:t>9/14</a:t>
+            </a:r>
+            <a:endParaRPr lang="en-US" sz="1400" dirty="0"/>
+          </a:p>
+        </p:txBody>
+      </p:sp>
       <p:pic>
         <p:nvPicPr>
-          <p:cNvPr id="7" name="Picture 6">
+          <p:cNvPr id="5" name="Picture 4">
             <a:extLst>
               <a:ext uri="{FF2B5EF4-FFF2-40B4-BE49-F238E27FC236}">
-                <a16:creationId xmlns:a16="http://schemas.microsoft.com/office/drawing/2014/main" id="{6D3AF282-4CFB-43F8-8FCD-1B0F3402EE67}"/>
+                <a16:creationId xmlns:a16="http://schemas.microsoft.com/office/drawing/2014/main" id="{9CE40238-FF87-40A9-B200-A42D32091665}"/>
               </a:ext>
             </a:extLst>
           </p:cNvPr>
@@ -13434,490 +12236,8 @@
         </p:blipFill>
         <p:spPr>
           <a:xfrm>
-            <a:off x="7154027" y="2272748"/>
-            <a:ext cx="4183145" cy="3639337"/>
-          </a:xfrm>
-          <a:prstGeom prst="rect">
-            <a:avLst/>
-          </a:prstGeom>
-        </p:spPr>
-      </p:pic>
-      <p:sp>
-        <p:nvSpPr>
-          <p:cNvPr id="3" name="Content Placeholder 2">
-            <a:extLst>
-              <a:ext uri="{FF2B5EF4-FFF2-40B4-BE49-F238E27FC236}">
-                <a16:creationId xmlns:a16="http://schemas.microsoft.com/office/drawing/2014/main" id="{81118201-A2BF-48D5-870A-ED8452079667}"/>
-              </a:ext>
-            </a:extLst>
-          </p:cNvPr>
-          <p:cNvSpPr>
-            <a:spLocks noGrp="1"/>
-          </p:cNvSpPr>
-          <p:nvPr>
-            <p:ph idx="1"/>
-          </p:nvPr>
-        </p:nvSpPr>
-        <p:spPr>
-          <a:xfrm>
-            <a:off x="677333" y="2194560"/>
-            <a:ext cx="5816600" cy="4024125"/>
-          </a:xfrm>
-        </p:spPr>
-        <p:txBody>
-          <a:bodyPr>
-            <a:normAutofit/>
-          </a:bodyPr>
-          <a:lstStyle/>
-          <a:p>
-            <a:r>
-              <a:rPr lang="bs-Latn-BA" dirty="0"/>
-              <a:t>Anomalies are patterns in data that do not conform to a well defined notion of normal behavior</a:t>
-            </a:r>
-          </a:p>
-          <a:p>
-            <a:r>
-              <a:rPr lang="bs-Latn-BA" dirty="0"/>
-              <a:t>Anomaly detection techniques:</a:t>
-            </a:r>
-          </a:p>
-          <a:p>
-            <a:pPr lvl="1"/>
-            <a:r>
-              <a:rPr lang="bs-Latn-BA" dirty="0"/>
-              <a:t>Classification based</a:t>
-            </a:r>
-          </a:p>
-          <a:p>
-            <a:pPr lvl="1"/>
-            <a:r>
-              <a:rPr lang="bs-Latn-BA" dirty="0"/>
-              <a:t>Nearest Neighbor based</a:t>
-            </a:r>
-          </a:p>
-          <a:p>
-            <a:pPr lvl="1"/>
-            <a:r>
-              <a:rPr lang="bs-Latn-BA" dirty="0">
-                <a:solidFill>
-                  <a:schemeClr val="tx1">
-                    <a:lumMod val="65000"/>
-                  </a:schemeClr>
-                </a:solidFill>
-              </a:rPr>
-              <a:t>Clustering based</a:t>
-            </a:r>
-          </a:p>
-          <a:p>
-            <a:pPr lvl="1"/>
-            <a:r>
-              <a:rPr lang="bs-Latn-BA" dirty="0"/>
-              <a:t>Statistical</a:t>
-            </a:r>
-          </a:p>
-          <a:p>
-            <a:pPr lvl="1"/>
-            <a:r>
-              <a:rPr lang="bs-Latn-BA" dirty="0"/>
-              <a:t>Information theoretic</a:t>
-            </a:r>
-          </a:p>
-          <a:p>
-            <a:pPr lvl="1"/>
-            <a:r>
-              <a:rPr lang="bs-Latn-BA" dirty="0"/>
-              <a:t>Spectral</a:t>
-            </a:r>
-          </a:p>
-        </p:txBody>
-      </p:sp>
-      <p:sp>
-        <p:nvSpPr>
-          <p:cNvPr id="14" name="Title 1">
-            <a:extLst>
-              <a:ext uri="{FF2B5EF4-FFF2-40B4-BE49-F238E27FC236}">
-                <a16:creationId xmlns:a16="http://schemas.microsoft.com/office/drawing/2014/main" id="{B08D301E-E73B-4F5F-BB33-3244C18C7C6B}"/>
-              </a:ext>
-            </a:extLst>
-          </p:cNvPr>
-          <p:cNvSpPr>
-            <a:spLocks noGrp="1"/>
-          </p:cNvSpPr>
-          <p:nvPr>
-            <p:ph type="title"/>
-          </p:nvPr>
-        </p:nvSpPr>
-        <p:spPr>
-          <a:xfrm>
-            <a:off x="2895600" y="763588"/>
-            <a:ext cx="8610600" cy="1293812"/>
-          </a:xfrm>
-        </p:spPr>
-        <p:txBody>
-          <a:bodyPr/>
-          <a:lstStyle/>
-          <a:p>
-            <a:r>
-              <a:rPr lang="bs-Latn-BA" b="1" cap="none" dirty="0">
-                <a:ln/>
-                <a:pattFill prst="dkUpDiag">
-                  <a:fgClr>
-                    <a:schemeClr val="bg1">
-                      <a:lumMod val="50000"/>
-                    </a:schemeClr>
-                  </a:fgClr>
-                  <a:bgClr>
-                    <a:schemeClr val="tx1">
-                      <a:lumMod val="75000"/>
-                      <a:lumOff val="25000"/>
-                    </a:schemeClr>
-                  </a:bgClr>
-                </a:pattFill>
-                <a:effectLst>
-                  <a:outerShdw blurRad="38100" dist="19050" dir="2700000" algn="tl" rotWithShape="0">
-                    <a:schemeClr val="dk1">
-                      <a:lumMod val="50000"/>
-                      <a:alpha val="40000"/>
-                    </a:schemeClr>
-                  </a:outerShdw>
-                </a:effectLst>
-              </a:rPr>
-              <a:t>Anomaly</a:t>
-            </a:r>
-            <a:r>
-              <a:rPr lang="bs-Latn-BA" dirty="0"/>
-              <a:t> </a:t>
-            </a:r>
-            <a:r>
-              <a:rPr lang="bs-Latn-BA" cap="none" dirty="0">
-                <a:ln w="0"/>
-                <a:solidFill>
-                  <a:schemeClr val="tx2"/>
-                </a:solidFill>
-                <a:effectLst>
-                  <a:outerShdw blurRad="38100" dist="25400" dir="5400000" algn="ctr" rotWithShape="0">
-                    <a:srgbClr val="6E747A">
-                      <a:alpha val="43000"/>
-                    </a:srgbClr>
-                  </a:outerShdw>
-                </a:effectLst>
-              </a:rPr>
-              <a:t>detection</a:t>
-            </a:r>
-            <a:endParaRPr lang="bs-Latn-BA" dirty="0">
-              <a:solidFill>
-                <a:schemeClr val="tx2"/>
-              </a:solidFill>
-            </a:endParaRPr>
-          </a:p>
-        </p:txBody>
-      </p:sp>
-      <p:sp>
-        <p:nvSpPr>
-          <p:cNvPr id="16" name="Slide Number Placeholder 15">
-            <a:extLst>
-              <a:ext uri="{FF2B5EF4-FFF2-40B4-BE49-F238E27FC236}">
-                <a16:creationId xmlns:a16="http://schemas.microsoft.com/office/drawing/2014/main" id="{5C84F0E6-EC70-4602-B382-429BBC501E0E}"/>
-              </a:ext>
-            </a:extLst>
-          </p:cNvPr>
-          <p:cNvSpPr>
-            <a:spLocks noGrp="1"/>
-          </p:cNvSpPr>
-          <p:nvPr>
-            <p:ph type="sldNum" sz="quarter" idx="12"/>
-          </p:nvPr>
-        </p:nvSpPr>
-        <p:spPr/>
-        <p:txBody>
-          <a:bodyPr/>
-          <a:lstStyle/>
-          <a:p>
-            <a:fld id="{6D22F896-40B5-4ADD-8801-0D06FADFA095}" type="slidenum">
-              <a:rPr lang="en-US" smtClean="0"/>
-              <a:t>8</a:t>
-            </a:fld>
-            <a:endParaRPr lang="en-US" dirty="0"/>
-          </a:p>
-        </p:txBody>
-      </p:sp>
-    </p:spTree>
-    <p:extLst>
-      <p:ext uri="{BB962C8B-B14F-4D97-AF65-F5344CB8AC3E}">
-        <p14:creationId xmlns:p14="http://schemas.microsoft.com/office/powerpoint/2010/main" val="398045950"/>
-      </p:ext>
-    </p:extLst>
-  </p:cSld>
-  <p:clrMapOvr>
-    <a:masterClrMapping/>
-  </p:clrMapOvr>
-</p:sld>
-</file>
-
-<file path=ppt/slides/slide9.xml><?xml version="1.0" encoding="utf-8"?>
-<p:sld xmlns:a="http://schemas.openxmlformats.org/drawingml/2006/main" xmlns:r="http://schemas.openxmlformats.org/officeDocument/2006/relationships" xmlns:p="http://schemas.openxmlformats.org/presentationml/2006/main">
-  <p:cSld>
-    <p:spTree>
-      <p:nvGrpSpPr>
-        <p:cNvPr id="1" name=""/>
-        <p:cNvGrpSpPr/>
-        <p:nvPr/>
-      </p:nvGrpSpPr>
-      <p:grpSpPr>
-        <a:xfrm>
-          <a:off x="0" y="0"/>
-          <a:ext cx="0" cy="0"/>
-          <a:chOff x="0" y="0"/>
-          <a:chExt cx="0" cy="0"/>
-        </a:xfrm>
-      </p:grpSpPr>
-      <p:sp>
-        <p:nvSpPr>
-          <p:cNvPr id="2" name="Title 1">
-            <a:extLst>
-              <a:ext uri="{FF2B5EF4-FFF2-40B4-BE49-F238E27FC236}">
-                <a16:creationId xmlns:a16="http://schemas.microsoft.com/office/drawing/2014/main" id="{BD6D1A15-3C0C-4679-B65F-0494E38E4861}"/>
-              </a:ext>
-            </a:extLst>
-          </p:cNvPr>
-          <p:cNvSpPr>
-            <a:spLocks noGrp="1"/>
-          </p:cNvSpPr>
-          <p:nvPr>
-            <p:ph type="title"/>
-          </p:nvPr>
-        </p:nvSpPr>
-        <p:spPr/>
-        <p:txBody>
-          <a:bodyPr/>
-          <a:lstStyle/>
-          <a:p>
-            <a:r>
-              <a:rPr lang="bs-Latn-BA" b="1" cap="none" dirty="0">
-                <a:ln/>
-                <a:pattFill prst="dkUpDiag">
-                  <a:fgClr>
-                    <a:schemeClr val="bg1">
-                      <a:lumMod val="50000"/>
-                    </a:schemeClr>
-                  </a:fgClr>
-                  <a:bgClr>
-                    <a:schemeClr val="tx1">
-                      <a:lumMod val="75000"/>
-                      <a:lumOff val="25000"/>
-                    </a:schemeClr>
-                  </a:bgClr>
-                </a:pattFill>
-                <a:effectLst>
-                  <a:outerShdw blurRad="38100" dist="19050" dir="2700000" algn="tl" rotWithShape="0">
-                    <a:schemeClr val="dk1">
-                      <a:lumMod val="50000"/>
-                      <a:alpha val="40000"/>
-                    </a:schemeClr>
-                  </a:outerShdw>
-                </a:effectLst>
-              </a:rPr>
-              <a:t>Anomaly</a:t>
-            </a:r>
-            <a:r>
-              <a:rPr lang="bs-Latn-BA" dirty="0"/>
-              <a:t> </a:t>
-            </a:r>
-            <a:r>
-              <a:rPr lang="bs-Latn-BA" cap="none" dirty="0">
-                <a:ln w="0"/>
-                <a:solidFill>
-                  <a:schemeClr val="tx2"/>
-                </a:solidFill>
-                <a:effectLst>
-                  <a:outerShdw blurRad="38100" dist="25400" dir="5400000" algn="ctr" rotWithShape="0">
-                    <a:srgbClr val="6E747A">
-                      <a:alpha val="43000"/>
-                    </a:srgbClr>
-                  </a:outerShdw>
-                </a:effectLst>
-              </a:rPr>
-              <a:t>detection</a:t>
-            </a:r>
-            <a:endParaRPr lang="bs-Latn-BA" dirty="0">
-              <a:solidFill>
-                <a:schemeClr val="tx2"/>
-              </a:solidFill>
-            </a:endParaRPr>
-          </a:p>
-        </p:txBody>
-      </p:sp>
-      <p:sp>
-        <p:nvSpPr>
-          <p:cNvPr id="3" name="Content Placeholder 2">
-            <a:extLst>
-              <a:ext uri="{FF2B5EF4-FFF2-40B4-BE49-F238E27FC236}">
-                <a16:creationId xmlns:a16="http://schemas.microsoft.com/office/drawing/2014/main" id="{B7248E97-B75C-4575-A517-8574AFF859B9}"/>
-              </a:ext>
-            </a:extLst>
-          </p:cNvPr>
-          <p:cNvSpPr>
-            <a:spLocks noGrp="1"/>
-          </p:cNvSpPr>
-          <p:nvPr>
-            <p:ph idx="1"/>
-          </p:nvPr>
-        </p:nvSpPr>
-        <p:spPr/>
-        <p:txBody>
-          <a:bodyPr/>
-          <a:lstStyle/>
-          <a:p>
-            <a:r>
-              <a:rPr lang="bs-Latn-BA" dirty="0"/>
-              <a:t>D</a:t>
-            </a:r>
-            <a:r>
-              <a:rPr lang="en-US" dirty="0" err="1"/>
-              <a:t>evelop</a:t>
-            </a:r>
-            <a:r>
-              <a:rPr lang="en-US" dirty="0"/>
-              <a:t> system which can be used for smart production monitoring and fault</a:t>
-            </a:r>
-            <a:r>
-              <a:rPr lang="bs-Latn-BA" dirty="0"/>
-              <a:t> detection in manufacturing processes</a:t>
-            </a:r>
-          </a:p>
-          <a:p>
-            <a:r>
-              <a:rPr lang="bs-Latn-BA" dirty="0"/>
-              <a:t>Given dataset: </a:t>
-            </a:r>
-            <a:r>
-              <a:rPr lang="bs-Latn-BA" dirty="0">
-                <a:solidFill>
-                  <a:schemeClr val="accent1">
-                    <a:lumMod val="75000"/>
-                  </a:schemeClr>
-                </a:solidFill>
-              </a:rPr>
-              <a:t>1567</a:t>
-            </a:r>
-            <a:r>
-              <a:rPr lang="bs-Latn-BA" dirty="0"/>
-              <a:t> instances, </a:t>
-            </a:r>
-            <a:r>
-              <a:rPr lang="bs-Latn-BA" dirty="0">
-                <a:solidFill>
-                  <a:schemeClr val="accent1">
-                    <a:lumMod val="75000"/>
-                  </a:schemeClr>
-                </a:solidFill>
-              </a:rPr>
-              <a:t>591</a:t>
-            </a:r>
-            <a:r>
-              <a:rPr lang="bs-Latn-BA" dirty="0"/>
-              <a:t> features</a:t>
-            </a:r>
-          </a:p>
-          <a:p>
-            <a:r>
-              <a:rPr lang="bs-Latn-BA" dirty="0"/>
-              <a:t>Unbalanced dataset: </a:t>
-            </a:r>
-            <a:r>
-              <a:rPr lang="bs-Latn-BA" dirty="0">
-                <a:solidFill>
-                  <a:schemeClr val="accent1">
-                    <a:lumMod val="75000"/>
-                  </a:schemeClr>
-                </a:solidFill>
-              </a:rPr>
-              <a:t>104</a:t>
-            </a:r>
-            <a:r>
-              <a:rPr lang="bs-Latn-BA" dirty="0"/>
-              <a:t> fails</a:t>
-            </a:r>
-          </a:p>
-          <a:p>
-            <a:r>
-              <a:rPr lang="bs-Latn-BA" dirty="0"/>
-              <a:t>Only numeric values</a:t>
-            </a:r>
-          </a:p>
-          <a:p>
-            <a:r>
-              <a:rPr lang="bs-Latn-BA" dirty="0"/>
-              <a:t>Missing values</a:t>
-            </a:r>
-          </a:p>
-          <a:p>
-            <a:r>
-              <a:rPr lang="bs-Latn-BA" dirty="0">
-                <a:solidFill>
-                  <a:schemeClr val="accent1">
-                    <a:lumMod val="75000"/>
-                  </a:schemeClr>
-                </a:solidFill>
-              </a:rPr>
-              <a:t>Outliers</a:t>
-            </a:r>
-          </a:p>
-        </p:txBody>
-      </p:sp>
-      <p:sp>
-        <p:nvSpPr>
-          <p:cNvPr id="6" name="Slide Number Placeholder 5">
-            <a:extLst>
-              <a:ext uri="{FF2B5EF4-FFF2-40B4-BE49-F238E27FC236}">
-                <a16:creationId xmlns:a16="http://schemas.microsoft.com/office/drawing/2014/main" id="{C7BC09E7-674B-4671-B63C-8C9A787D2A99}"/>
-              </a:ext>
-            </a:extLst>
-          </p:cNvPr>
-          <p:cNvSpPr>
-            <a:spLocks noGrp="1"/>
-          </p:cNvSpPr>
-          <p:nvPr>
-            <p:ph type="sldNum" sz="quarter" idx="12"/>
-          </p:nvPr>
-        </p:nvSpPr>
-        <p:spPr/>
-        <p:txBody>
-          <a:bodyPr/>
-          <a:lstStyle/>
-          <a:p>
-            <a:fld id="{6D22F896-40B5-4ADD-8801-0D06FADFA095}" type="slidenum">
-              <a:rPr lang="en-US" smtClean="0"/>
-              <a:t>9</a:t>
-            </a:fld>
-            <a:endParaRPr lang="en-US" dirty="0"/>
-          </a:p>
-        </p:txBody>
-      </p:sp>
-      <p:pic>
-        <p:nvPicPr>
-          <p:cNvPr id="5" name="Picture 4">
-            <a:extLst>
-              <a:ext uri="{FF2B5EF4-FFF2-40B4-BE49-F238E27FC236}">
-                <a16:creationId xmlns:a16="http://schemas.microsoft.com/office/drawing/2014/main" id="{BF19BF7C-120B-4E99-B9E8-48256E4C1B64}"/>
-              </a:ext>
-            </a:extLst>
-          </p:cNvPr>
-          <p:cNvPicPr>
-            <a:picLocks noChangeAspect="1"/>
-          </p:cNvPicPr>
-          <p:nvPr/>
-        </p:nvPicPr>
-        <p:blipFill>
-          <a:blip r:embed="rId2"/>
-          <a:stretch>
-            <a:fillRect/>
-          </a:stretch>
-        </p:blipFill>
-        <p:spPr>
-          <a:xfrm>
-            <a:off x="5603847" y="3775046"/>
-            <a:ext cx="5902354" cy="2964027"/>
+            <a:off x="7561792" y="2921937"/>
+            <a:ext cx="3952875" cy="2569369"/>
           </a:xfrm>
           <a:prstGeom prst="rect">
             <a:avLst/>
@@ -13927,7 +12247,7 @@
     </p:spTree>
     <p:extLst>
       <p:ext uri="{BB962C8B-B14F-4D97-AF65-F5344CB8AC3E}">
-        <p14:creationId xmlns:p14="http://schemas.microsoft.com/office/powerpoint/2010/main" val="3031455423"/>
+        <p14:creationId xmlns:p14="http://schemas.microsoft.com/office/powerpoint/2010/main" val="398045950"/>
       </p:ext>
     </p:extLst>
   </p:cSld>
@@ -14500,4 +12820,299 @@
     </a:ext>
   </a:extLst>
 </a:theme>
+</file>
+
+<file path=ppt/theme/theme3.xml><?xml version="1.0" encoding="utf-8"?>
+<a:theme xmlns:a="http://schemas.openxmlformats.org/drawingml/2006/main" name="Office Theme">
+  <a:themeElements>
+    <a:clrScheme name="Office">
+      <a:dk1>
+        <a:sysClr val="windowText" lastClr="000000"/>
+      </a:dk1>
+      <a:lt1>
+        <a:sysClr val="window" lastClr="FFFFFF"/>
+      </a:lt1>
+      <a:dk2>
+        <a:srgbClr val="44546A"/>
+      </a:dk2>
+      <a:lt2>
+        <a:srgbClr val="E7E6E6"/>
+      </a:lt2>
+      <a:accent1>
+        <a:srgbClr val="4472C4"/>
+      </a:accent1>
+      <a:accent2>
+        <a:srgbClr val="ED7D31"/>
+      </a:accent2>
+      <a:accent3>
+        <a:srgbClr val="A5A5A5"/>
+      </a:accent3>
+      <a:accent4>
+        <a:srgbClr val="FFC000"/>
+      </a:accent4>
+      <a:accent5>
+        <a:srgbClr val="5B9BD5"/>
+      </a:accent5>
+      <a:accent6>
+        <a:srgbClr val="70AD47"/>
+      </a:accent6>
+      <a:hlink>
+        <a:srgbClr val="0563C1"/>
+      </a:hlink>
+      <a:folHlink>
+        <a:srgbClr val="954F72"/>
+      </a:folHlink>
+    </a:clrScheme>
+    <a:fontScheme name="Office">
+      <a:majorFont>
+        <a:latin typeface="Calibri Light" panose="020F0302020204030204"/>
+        <a:ea typeface=""/>
+        <a:cs typeface=""/>
+        <a:font script="Jpan" typeface="游ゴシック Light"/>
+        <a:font script="Hang" typeface="맑은 고딕"/>
+        <a:font script="Hans" typeface="等线 Light"/>
+        <a:font script="Hant" typeface="新細明體"/>
+        <a:font script="Arab" typeface="Times New Roman"/>
+        <a:font script="Hebr" typeface="Times New Roman"/>
+        <a:font script="Thai" typeface="Angsana New"/>
+        <a:font script="Ethi" typeface="Nyala"/>
+        <a:font script="Beng" typeface="Vrinda"/>
+        <a:font script="Gujr" typeface="Shruti"/>
+        <a:font script="Khmr" typeface="MoolBoran"/>
+        <a:font script="Knda" typeface="Tunga"/>
+        <a:font script="Guru" typeface="Raavi"/>
+        <a:font script="Cans" typeface="Euphemia"/>
+        <a:font script="Cher" typeface="Plantagenet Cherokee"/>
+        <a:font script="Yiii" typeface="Microsoft Yi Baiti"/>
+        <a:font script="Tibt" typeface="Microsoft Himalaya"/>
+        <a:font script="Thaa" typeface="MV Boli"/>
+        <a:font script="Deva" typeface="Mangal"/>
+        <a:font script="Telu" typeface="Gautami"/>
+        <a:font script="Taml" typeface="Latha"/>
+        <a:font script="Syrc" typeface="Estrangelo Edessa"/>
+        <a:font script="Orya" typeface="Kalinga"/>
+        <a:font script="Mlym" typeface="Kartika"/>
+        <a:font script="Laoo" typeface="DokChampa"/>
+        <a:font script="Sinh" typeface="Iskoola Pota"/>
+        <a:font script="Mong" typeface="Mongolian Baiti"/>
+        <a:font script="Viet" typeface="Times New Roman"/>
+        <a:font script="Uigh" typeface="Microsoft Uighur"/>
+        <a:font script="Geor" typeface="Sylfaen"/>
+        <a:font script="Armn" typeface="Arial"/>
+        <a:font script="Bugi" typeface="Leelawadee UI"/>
+        <a:font script="Bopo" typeface="Microsoft JhengHei"/>
+        <a:font script="Java" typeface="Javanese Text"/>
+        <a:font script="Lisu" typeface="Segoe UI"/>
+        <a:font script="Mymr" typeface="Myanmar Text"/>
+        <a:font script="Nkoo" typeface="Ebrima"/>
+        <a:font script="Olck" typeface="Nirmala UI"/>
+        <a:font script="Osma" typeface="Ebrima"/>
+        <a:font script="Phag" typeface="Phagspa"/>
+        <a:font script="Syrn" typeface="Estrangelo Edessa"/>
+        <a:font script="Syrj" typeface="Estrangelo Edessa"/>
+        <a:font script="Syre" typeface="Estrangelo Edessa"/>
+        <a:font script="Sora" typeface="Nirmala UI"/>
+        <a:font script="Tale" typeface="Microsoft Tai Le"/>
+        <a:font script="Talu" typeface="Microsoft New Tai Lue"/>
+        <a:font script="Tfng" typeface="Ebrima"/>
+      </a:majorFont>
+      <a:minorFont>
+        <a:latin typeface="Calibri" panose="020F0502020204030204"/>
+        <a:ea typeface=""/>
+        <a:cs typeface=""/>
+        <a:font script="Jpan" typeface="游ゴシック"/>
+        <a:font script="Hang" typeface="맑은 고딕"/>
+        <a:font script="Hans" typeface="等线"/>
+        <a:font script="Hant" typeface="新細明體"/>
+        <a:font script="Arab" typeface="Arial"/>
+        <a:font script="Hebr" typeface="Arial"/>
+        <a:font script="Thai" typeface="Cordia New"/>
+        <a:font script="Ethi" typeface="Nyala"/>
+        <a:font script="Beng" typeface="Vrinda"/>
+        <a:font script="Gujr" typeface="Shruti"/>
+        <a:font script="Khmr" typeface="DaunPenh"/>
+        <a:font script="Knda" typeface="Tunga"/>
+        <a:font script="Guru" typeface="Raavi"/>
+        <a:font script="Cans" typeface="Euphemia"/>
+        <a:font script="Cher" typeface="Plantagenet Cherokee"/>
+        <a:font script="Yiii" typeface="Microsoft Yi Baiti"/>
+        <a:font script="Tibt" typeface="Microsoft Himalaya"/>
+        <a:font script="Thaa" typeface="MV Boli"/>
+        <a:font script="Deva" typeface="Mangal"/>
+        <a:font script="Telu" typeface="Gautami"/>
+        <a:font script="Taml" typeface="Latha"/>
+        <a:font script="Syrc" typeface="Estrangelo Edessa"/>
+        <a:font script="Orya" typeface="Kalinga"/>
+        <a:font script="Mlym" typeface="Kartika"/>
+        <a:font script="Laoo" typeface="DokChampa"/>
+        <a:font script="Sinh" typeface="Iskoola Pota"/>
+        <a:font script="Mong" typeface="Mongolian Baiti"/>
+        <a:font script="Viet" typeface="Arial"/>
+        <a:font script="Uigh" typeface="Microsoft Uighur"/>
+        <a:font script="Geor" typeface="Sylfaen"/>
+        <a:font script="Armn" typeface="Arial"/>
+        <a:font script="Bugi" typeface="Leelawadee UI"/>
+        <a:font script="Bopo" typeface="Microsoft JhengHei"/>
+        <a:font script="Java" typeface="Javanese Text"/>
+        <a:font script="Lisu" typeface="Segoe UI"/>
+        <a:font script="Mymr" typeface="Myanmar Text"/>
+        <a:font script="Nkoo" typeface="Ebrima"/>
+        <a:font script="Olck" typeface="Nirmala UI"/>
+        <a:font script="Osma" typeface="Ebrima"/>
+        <a:font script="Phag" typeface="Phagspa"/>
+        <a:font script="Syrn" typeface="Estrangelo Edessa"/>
+        <a:font script="Syrj" typeface="Estrangelo Edessa"/>
+        <a:font script="Syre" typeface="Estrangelo Edessa"/>
+        <a:font script="Sora" typeface="Nirmala UI"/>
+        <a:font script="Tale" typeface="Microsoft Tai Le"/>
+        <a:font script="Talu" typeface="Microsoft New Tai Lue"/>
+        <a:font script="Tfng" typeface="Ebrima"/>
+      </a:minorFont>
+    </a:fontScheme>
+    <a:fmtScheme name="Office">
+      <a:fillStyleLst>
+        <a:solidFill>
+          <a:schemeClr val="phClr"/>
+        </a:solidFill>
+        <a:gradFill rotWithShape="1">
+          <a:gsLst>
+            <a:gs pos="0">
+              <a:schemeClr val="phClr">
+                <a:lumMod val="110000"/>
+                <a:satMod val="105000"/>
+                <a:tint val="67000"/>
+              </a:schemeClr>
+            </a:gs>
+            <a:gs pos="50000">
+              <a:schemeClr val="phClr">
+                <a:lumMod val="105000"/>
+                <a:satMod val="103000"/>
+                <a:tint val="73000"/>
+              </a:schemeClr>
+            </a:gs>
+            <a:gs pos="100000">
+              <a:schemeClr val="phClr">
+                <a:lumMod val="105000"/>
+                <a:satMod val="109000"/>
+                <a:tint val="81000"/>
+              </a:schemeClr>
+            </a:gs>
+          </a:gsLst>
+          <a:lin ang="5400000" scaled="0"/>
+        </a:gradFill>
+        <a:gradFill rotWithShape="1">
+          <a:gsLst>
+            <a:gs pos="0">
+              <a:schemeClr val="phClr">
+                <a:satMod val="103000"/>
+                <a:lumMod val="102000"/>
+                <a:tint val="94000"/>
+              </a:schemeClr>
+            </a:gs>
+            <a:gs pos="50000">
+              <a:schemeClr val="phClr">
+                <a:satMod val="110000"/>
+                <a:lumMod val="100000"/>
+                <a:shade val="100000"/>
+              </a:schemeClr>
+            </a:gs>
+            <a:gs pos="100000">
+              <a:schemeClr val="phClr">
+                <a:lumMod val="99000"/>
+                <a:satMod val="120000"/>
+                <a:shade val="78000"/>
+              </a:schemeClr>
+            </a:gs>
+          </a:gsLst>
+          <a:lin ang="5400000" scaled="0"/>
+        </a:gradFill>
+      </a:fillStyleLst>
+      <a:lnStyleLst>
+        <a:ln w="6350" cap="flat" cmpd="sng" algn="ctr">
+          <a:solidFill>
+            <a:schemeClr val="phClr"/>
+          </a:solidFill>
+          <a:prstDash val="solid"/>
+          <a:miter lim="800000"/>
+        </a:ln>
+        <a:ln w="12700" cap="flat" cmpd="sng" algn="ctr">
+          <a:solidFill>
+            <a:schemeClr val="phClr"/>
+          </a:solidFill>
+          <a:prstDash val="solid"/>
+          <a:miter lim="800000"/>
+        </a:ln>
+        <a:ln w="19050" cap="flat" cmpd="sng" algn="ctr">
+          <a:solidFill>
+            <a:schemeClr val="phClr"/>
+          </a:solidFill>
+          <a:prstDash val="solid"/>
+          <a:miter lim="800000"/>
+        </a:ln>
+      </a:lnStyleLst>
+      <a:effectStyleLst>
+        <a:effectStyle>
+          <a:effectLst/>
+        </a:effectStyle>
+        <a:effectStyle>
+          <a:effectLst/>
+        </a:effectStyle>
+        <a:effectStyle>
+          <a:effectLst>
+            <a:outerShdw blurRad="57150" dist="19050" dir="5400000" algn="ctr" rotWithShape="0">
+              <a:srgbClr val="000000">
+                <a:alpha val="63000"/>
+              </a:srgbClr>
+            </a:outerShdw>
+          </a:effectLst>
+        </a:effectStyle>
+      </a:effectStyleLst>
+      <a:bgFillStyleLst>
+        <a:solidFill>
+          <a:schemeClr val="phClr"/>
+        </a:solidFill>
+        <a:solidFill>
+          <a:schemeClr val="phClr">
+            <a:tint val="95000"/>
+            <a:satMod val="170000"/>
+          </a:schemeClr>
+        </a:solidFill>
+        <a:gradFill rotWithShape="1">
+          <a:gsLst>
+            <a:gs pos="0">
+              <a:schemeClr val="phClr">
+                <a:tint val="93000"/>
+                <a:satMod val="150000"/>
+                <a:shade val="98000"/>
+                <a:lumMod val="102000"/>
+              </a:schemeClr>
+            </a:gs>
+            <a:gs pos="50000">
+              <a:schemeClr val="phClr">
+                <a:tint val="98000"/>
+                <a:satMod val="130000"/>
+                <a:shade val="90000"/>
+                <a:lumMod val="103000"/>
+              </a:schemeClr>
+            </a:gs>
+            <a:gs pos="100000">
+              <a:schemeClr val="phClr">
+                <a:shade val="63000"/>
+                <a:satMod val="120000"/>
+              </a:schemeClr>
+            </a:gs>
+          </a:gsLst>
+          <a:lin ang="5400000" scaled="0"/>
+        </a:gradFill>
+      </a:bgFillStyleLst>
+    </a:fmtScheme>
+  </a:themeElements>
+  <a:objectDefaults/>
+  <a:extraClrSchemeLst/>
+  <a:extLst>
+    <a:ext uri="{05A4C25C-085E-4340-85A3-A5531E510DB2}">
+      <thm15:themeFamily xmlns:thm15="http://schemas.microsoft.com/office/thememl/2012/main" name="Office Theme" id="{62F939B6-93AF-4DB8-9C6B-D6C7DFDC589F}" vid="{4A3C46E8-61CC-4603-A589-7422A47A8E4A}"/>
+    </a:ext>
+  </a:extLst>
+</a:theme>
 </file>